--- a/kltn-thuyết-trình.pptx
+++ b/kltn-thuyết-trình.pptx
@@ -247,7 +247,7 @@
           <a:p>
             <a:fld id="{CFE59858-2AD4-400A-A049-AF9EAD9691DA}" type="datetimeFigureOut">
               <a:rPr lang="en-US" smtClean="0"/>
-              <a:t>7/3/2019</a:t>
+              <a:t>7/5/2019</a:t>
             </a:fld>
             <a:endParaRPr lang="en-US"/>
           </a:p>
@@ -599,6 +599,552 @@
 </p:notes>
 </file>
 
+<file path=ppt/notesSlides/notesSlide10.xml><?xml version="1.0" encoding="utf-8"?>
+<p:notes xmlns:a="http://schemas.openxmlformats.org/drawingml/2006/main" xmlns:r="http://schemas.openxmlformats.org/officeDocument/2006/relationships" xmlns:p="http://schemas.openxmlformats.org/presentationml/2006/main">
+  <p:cSld>
+    <p:spTree>
+      <p:nvGrpSpPr>
+        <p:cNvPr id="1" name=""/>
+        <p:cNvGrpSpPr/>
+        <p:nvPr/>
+      </p:nvGrpSpPr>
+      <p:grpSpPr>
+        <a:xfrm>
+          <a:off x="0" y="0"/>
+          <a:ext cx="0" cy="0"/>
+          <a:chOff x="0" y="0"/>
+          <a:chExt cx="0" cy="0"/>
+        </a:xfrm>
+      </p:grpSpPr>
+      <p:sp>
+        <p:nvSpPr>
+          <p:cNvPr id="2" name="Slide Image Placeholder 1"/>
+          <p:cNvSpPr>
+            <a:spLocks noGrp="1" noRot="1" noChangeAspect="1"/>
+          </p:cNvSpPr>
+          <p:nvPr>
+            <p:ph type="sldImg"/>
+          </p:nvPr>
+        </p:nvSpPr>
+        <p:spPr/>
+      </p:sp>
+      <p:sp>
+        <p:nvSpPr>
+          <p:cNvPr id="3" name="Notes Placeholder 2"/>
+          <p:cNvSpPr>
+            <a:spLocks noGrp="1"/>
+          </p:cNvSpPr>
+          <p:nvPr>
+            <p:ph type="body" idx="1"/>
+          </p:nvPr>
+        </p:nvSpPr>
+        <p:spPr/>
+        <p:txBody>
+          <a:bodyPr/>
+          <a:lstStyle/>
+          <a:p>
+            <a:r>
+              <a:rPr lang="en-US" dirty="0" err="1" smtClean="0"/>
+              <a:t>Việc</a:t>
+            </a:r>
+            <a:r>
+              <a:rPr lang="en-US" dirty="0" smtClean="0"/>
+              <a:t> encode </a:t>
+            </a:r>
+            <a:r>
+              <a:rPr lang="en-US" dirty="0" err="1" smtClean="0"/>
+              <a:t>toàn</a:t>
+            </a:r>
+            <a:r>
+              <a:rPr lang="en-US" dirty="0" smtClean="0"/>
+              <a:t> </a:t>
+            </a:r>
+            <a:r>
+              <a:rPr lang="en-US" dirty="0" err="1" smtClean="0"/>
+              <a:t>bộ</a:t>
+            </a:r>
+            <a:r>
+              <a:rPr lang="en-US" dirty="0" smtClean="0"/>
+              <a:t> </a:t>
+            </a:r>
+            <a:r>
+              <a:rPr lang="en-US" dirty="0" err="1" smtClean="0"/>
+              <a:t>thông</a:t>
+            </a:r>
+            <a:r>
+              <a:rPr lang="en-US" dirty="0" smtClean="0"/>
+              <a:t> tin </a:t>
+            </a:r>
+            <a:r>
+              <a:rPr lang="en-US" dirty="0" err="1" smtClean="0"/>
+              <a:t>từ</a:t>
+            </a:r>
+            <a:r>
+              <a:rPr lang="en-US" dirty="0" smtClean="0"/>
+              <a:t> input </a:t>
+            </a:r>
+            <a:r>
+              <a:rPr lang="en-US" dirty="0" err="1" smtClean="0"/>
+              <a:t>vào</a:t>
+            </a:r>
+            <a:r>
+              <a:rPr lang="en-US" dirty="0" smtClean="0"/>
+              <a:t> 1 vector </a:t>
+            </a:r>
+            <a:r>
+              <a:rPr lang="en-US" dirty="0" err="1" smtClean="0"/>
+              <a:t>cố</a:t>
+            </a:r>
+            <a:r>
+              <a:rPr lang="en-US" dirty="0" smtClean="0"/>
+              <a:t> </a:t>
+            </a:r>
+            <a:r>
+              <a:rPr lang="en-US" dirty="0" err="1" smtClean="0"/>
+              <a:t>định</a:t>
+            </a:r>
+            <a:r>
+              <a:rPr lang="en-US" dirty="0" smtClean="0"/>
+              <a:t> </a:t>
+            </a:r>
+            <a:r>
+              <a:rPr lang="en-US" dirty="0" err="1" smtClean="0"/>
+              <a:t>khiến</a:t>
+            </a:r>
+            <a:r>
+              <a:rPr lang="en-US" dirty="0" smtClean="0"/>
+              <a:t> </a:t>
+            </a:r>
+            <a:r>
+              <a:rPr lang="en-US" dirty="0" err="1" smtClean="0"/>
+              <a:t>mô</a:t>
+            </a:r>
+            <a:r>
+              <a:rPr lang="en-US" dirty="0" smtClean="0"/>
+              <a:t> </a:t>
+            </a:r>
+            <a:r>
+              <a:rPr lang="en-US" dirty="0" err="1" smtClean="0"/>
+              <a:t>hình</a:t>
+            </a:r>
+            <a:r>
+              <a:rPr lang="en-US" dirty="0" smtClean="0"/>
+              <a:t> </a:t>
+            </a:r>
+            <a:r>
+              <a:rPr lang="en-US" dirty="0" err="1" smtClean="0"/>
+              <a:t>thực</a:t>
+            </a:r>
+            <a:r>
+              <a:rPr lang="en-US" dirty="0" smtClean="0"/>
+              <a:t> </a:t>
+            </a:r>
+            <a:r>
+              <a:rPr lang="en-US" dirty="0" err="1" smtClean="0"/>
+              <a:t>hiện</a:t>
+            </a:r>
+            <a:r>
+              <a:rPr lang="en-US" dirty="0" smtClean="0"/>
+              <a:t> </a:t>
+            </a:r>
+            <a:r>
+              <a:rPr lang="en-US" dirty="0" err="1" smtClean="0"/>
+              <a:t>trên</a:t>
+            </a:r>
+            <a:r>
+              <a:rPr lang="en-US" dirty="0" smtClean="0"/>
+              <a:t> </a:t>
+            </a:r>
+            <a:r>
+              <a:rPr lang="en-US" dirty="0" err="1" smtClean="0"/>
+              <a:t>các</a:t>
+            </a:r>
+            <a:r>
+              <a:rPr lang="en-US" dirty="0" smtClean="0"/>
+              <a:t> </a:t>
+            </a:r>
+            <a:r>
+              <a:rPr lang="en-US" dirty="0" err="1" smtClean="0"/>
+              <a:t>câu</a:t>
+            </a:r>
+            <a:r>
+              <a:rPr lang="en-US" dirty="0" smtClean="0"/>
+              <a:t> </a:t>
+            </a:r>
+            <a:r>
+              <a:rPr lang="en-US" dirty="0" err="1" smtClean="0"/>
+              <a:t>dài</a:t>
+            </a:r>
+            <a:r>
+              <a:rPr lang="en-US" dirty="0" smtClean="0"/>
+              <a:t> </a:t>
+            </a:r>
+            <a:r>
+              <a:rPr lang="en-US" dirty="0" err="1" smtClean="0"/>
+              <a:t>không</a:t>
+            </a:r>
+            <a:r>
+              <a:rPr lang="en-US" dirty="0" smtClean="0"/>
+              <a:t> </a:t>
+            </a:r>
+            <a:r>
+              <a:rPr lang="en-US" dirty="0" err="1" smtClean="0"/>
+              <a:t>được</a:t>
+            </a:r>
+            <a:r>
+              <a:rPr lang="en-US" dirty="0" smtClean="0"/>
+              <a:t> </a:t>
+            </a:r>
+            <a:r>
+              <a:rPr lang="en-US" dirty="0" err="1" smtClean="0"/>
+              <a:t>tốt</a:t>
+            </a:r>
+            <a:r>
+              <a:rPr lang="en-US" dirty="0" smtClean="0"/>
+              <a:t>.</a:t>
+            </a:r>
+          </a:p>
+          <a:p>
+            <a:r>
+              <a:rPr lang="en-US" dirty="0" err="1" smtClean="0"/>
+              <a:t>Mặc</a:t>
+            </a:r>
+            <a:r>
+              <a:rPr lang="en-US" dirty="0" smtClean="0"/>
+              <a:t> </a:t>
+            </a:r>
+            <a:r>
+              <a:rPr lang="en-US" dirty="0" err="1" smtClean="0"/>
+              <a:t>dù</a:t>
+            </a:r>
+            <a:r>
+              <a:rPr lang="en-US" dirty="0" smtClean="0"/>
+              <a:t> </a:t>
+            </a:r>
+            <a:r>
+              <a:rPr lang="en-US" dirty="0" err="1" smtClean="0"/>
+              <a:t>sử</a:t>
+            </a:r>
+            <a:r>
+              <a:rPr lang="en-US" dirty="0" smtClean="0"/>
+              <a:t> </a:t>
+            </a:r>
+            <a:r>
+              <a:rPr lang="en-US" dirty="0" err="1" smtClean="0"/>
+              <a:t>dụng</a:t>
+            </a:r>
+            <a:r>
+              <a:rPr lang="en-US" dirty="0" smtClean="0"/>
+              <a:t> LSTM </a:t>
+            </a:r>
+            <a:r>
+              <a:rPr lang="en-US" dirty="0" err="1" smtClean="0"/>
+              <a:t>để</a:t>
+            </a:r>
+            <a:r>
+              <a:rPr lang="en-US" dirty="0" smtClean="0"/>
+              <a:t> </a:t>
+            </a:r>
+            <a:r>
+              <a:rPr lang="en-US" dirty="0" err="1" smtClean="0"/>
+              <a:t>khắc</a:t>
+            </a:r>
+            <a:r>
+              <a:rPr lang="en-US" dirty="0" smtClean="0"/>
+              <a:t> </a:t>
+            </a:r>
+            <a:r>
+              <a:rPr lang="en-US" dirty="0" err="1" smtClean="0"/>
+              <a:t>phục</a:t>
+            </a:r>
+            <a:r>
+              <a:rPr lang="en-US" dirty="0" smtClean="0"/>
+              <a:t> </a:t>
+            </a:r>
+            <a:r>
+              <a:rPr lang="en-US" dirty="0" err="1" smtClean="0"/>
+              <a:t>nhưng</a:t>
+            </a:r>
+            <a:r>
+              <a:rPr lang="en-US" dirty="0" smtClean="0"/>
+              <a:t> </a:t>
+            </a:r>
+            <a:r>
+              <a:rPr lang="en-US" dirty="0" err="1" smtClean="0"/>
+              <a:t>như</a:t>
+            </a:r>
+            <a:r>
+              <a:rPr lang="en-US" dirty="0" smtClean="0"/>
+              <a:t> </a:t>
+            </a:r>
+            <a:r>
+              <a:rPr lang="en-US" dirty="0" err="1" smtClean="0"/>
+              <a:t>thế</a:t>
+            </a:r>
+            <a:r>
+              <a:rPr lang="en-US" dirty="0" smtClean="0"/>
+              <a:t> </a:t>
+            </a:r>
+            <a:r>
+              <a:rPr lang="en-US" dirty="0" err="1" smtClean="0"/>
+              <a:t>vẫn</a:t>
+            </a:r>
+            <a:r>
+              <a:rPr lang="en-US" dirty="0" smtClean="0"/>
+              <a:t> </a:t>
+            </a:r>
+            <a:r>
+              <a:rPr lang="en-US" dirty="0" err="1" smtClean="0"/>
+              <a:t>chưa</a:t>
+            </a:r>
+            <a:r>
+              <a:rPr lang="en-US" dirty="0" smtClean="0"/>
+              <a:t> </a:t>
+            </a:r>
+            <a:r>
+              <a:rPr lang="en-US" dirty="0" err="1" smtClean="0"/>
+              <a:t>đủ</a:t>
+            </a:r>
+            <a:r>
+              <a:rPr lang="en-US" dirty="0" smtClean="0"/>
+              <a:t>, </a:t>
+            </a:r>
+            <a:r>
+              <a:rPr lang="en-US" dirty="0" err="1" smtClean="0"/>
+              <a:t>đặc</a:t>
+            </a:r>
+            <a:r>
+              <a:rPr lang="en-US" dirty="0" smtClean="0"/>
+              <a:t> </a:t>
+            </a:r>
+            <a:r>
+              <a:rPr lang="en-US" dirty="0" err="1" smtClean="0"/>
+              <a:t>biệt</a:t>
+            </a:r>
+            <a:r>
+              <a:rPr lang="en-US" dirty="0" smtClean="0"/>
+              <a:t> </a:t>
+            </a:r>
+            <a:r>
+              <a:rPr lang="en-US" dirty="0" err="1" smtClean="0"/>
+              <a:t>đối</a:t>
+            </a:r>
+            <a:r>
+              <a:rPr lang="en-US" dirty="0" smtClean="0"/>
+              <a:t> </a:t>
+            </a:r>
+            <a:r>
+              <a:rPr lang="en-US" dirty="0" err="1" smtClean="0"/>
+              <a:t>với</a:t>
+            </a:r>
+            <a:r>
+              <a:rPr lang="en-US" dirty="0" smtClean="0"/>
+              <a:t> </a:t>
+            </a:r>
+            <a:r>
+              <a:rPr lang="en-US" dirty="0" err="1" smtClean="0"/>
+              <a:t>những</a:t>
+            </a:r>
+            <a:r>
+              <a:rPr lang="en-US" dirty="0" smtClean="0"/>
+              <a:t> </a:t>
+            </a:r>
+            <a:r>
+              <a:rPr lang="en-US" dirty="0" err="1" smtClean="0"/>
+              <a:t>câu</a:t>
+            </a:r>
+            <a:r>
+              <a:rPr lang="en-US" dirty="0" smtClean="0"/>
+              <a:t> </a:t>
+            </a:r>
+            <a:r>
+              <a:rPr lang="en-US" dirty="0" err="1" smtClean="0"/>
+              <a:t>dài</a:t>
+            </a:r>
+            <a:r>
+              <a:rPr lang="en-US" dirty="0" smtClean="0"/>
+              <a:t> </a:t>
+            </a:r>
+            <a:r>
+              <a:rPr lang="en-US" dirty="0" err="1" smtClean="0"/>
+              <a:t>hơn</a:t>
+            </a:r>
+            <a:r>
+              <a:rPr lang="en-US" dirty="0" smtClean="0"/>
+              <a:t> </a:t>
+            </a:r>
+            <a:r>
+              <a:rPr lang="en-US" dirty="0" err="1" smtClean="0"/>
+              <a:t>những</a:t>
+            </a:r>
+            <a:r>
+              <a:rPr lang="en-US" dirty="0" smtClean="0"/>
+              <a:t> </a:t>
+            </a:r>
+            <a:r>
+              <a:rPr lang="en-US" dirty="0" err="1" smtClean="0"/>
+              <a:t>câu</a:t>
+            </a:r>
+            <a:r>
+              <a:rPr lang="en-US" dirty="0" smtClean="0"/>
+              <a:t> </a:t>
+            </a:r>
+            <a:r>
+              <a:rPr lang="en-US" dirty="0" err="1" smtClean="0"/>
+              <a:t>trong</a:t>
+            </a:r>
+            <a:r>
+              <a:rPr lang="en-US" dirty="0" smtClean="0"/>
+              <a:t> training data.</a:t>
+            </a:r>
+          </a:p>
+          <a:p>
+            <a:r>
+              <a:rPr lang="en-US" dirty="0" err="1" smtClean="0"/>
+              <a:t>Cơ</a:t>
+            </a:r>
+            <a:r>
+              <a:rPr lang="en-US" dirty="0" smtClean="0"/>
+              <a:t> </a:t>
+            </a:r>
+            <a:r>
+              <a:rPr lang="en-US" dirty="0" err="1" smtClean="0"/>
+              <a:t>chế</a:t>
+            </a:r>
+            <a:r>
+              <a:rPr lang="en-US" dirty="0" smtClean="0"/>
+              <a:t> Attention </a:t>
+            </a:r>
+            <a:r>
+              <a:rPr lang="en-US" dirty="0" err="1" smtClean="0"/>
+              <a:t>được</a:t>
+            </a:r>
+            <a:r>
+              <a:rPr lang="en-US" dirty="0" smtClean="0"/>
+              <a:t> </a:t>
+            </a:r>
+            <a:r>
+              <a:rPr lang="en-US" dirty="0" err="1" smtClean="0"/>
+              <a:t>ra</a:t>
+            </a:r>
+            <a:r>
+              <a:rPr lang="en-US" dirty="0" smtClean="0"/>
+              <a:t> </a:t>
+            </a:r>
+            <a:r>
+              <a:rPr lang="en-US" dirty="0" err="1" smtClean="0"/>
+              <a:t>đời</a:t>
+            </a:r>
+            <a:r>
+              <a:rPr lang="en-US" dirty="0" smtClean="0"/>
+              <a:t> </a:t>
+            </a:r>
+            <a:r>
+              <a:rPr lang="en-US" dirty="0" err="1" smtClean="0"/>
+              <a:t>để</a:t>
+            </a:r>
+            <a:r>
+              <a:rPr lang="en-US" dirty="0" smtClean="0"/>
+              <a:t> </a:t>
+            </a:r>
+            <a:r>
+              <a:rPr lang="en-US" dirty="0" err="1" smtClean="0"/>
+              <a:t>tập</a:t>
+            </a:r>
+            <a:r>
+              <a:rPr lang="en-US" dirty="0" smtClean="0"/>
+              <a:t> </a:t>
+            </a:r>
+            <a:r>
+              <a:rPr lang="en-US" dirty="0" err="1" smtClean="0"/>
+              <a:t>trung</a:t>
+            </a:r>
+            <a:r>
+              <a:rPr lang="en-US" dirty="0" smtClean="0"/>
+              <a:t> </a:t>
+            </a:r>
+            <a:r>
+              <a:rPr lang="en-US" dirty="0" err="1" smtClean="0"/>
+              <a:t>vào</a:t>
+            </a:r>
+            <a:r>
+              <a:rPr lang="en-US" dirty="0" smtClean="0"/>
+              <a:t> </a:t>
+            </a:r>
+            <a:r>
+              <a:rPr lang="en-US" dirty="0" err="1" smtClean="0"/>
+              <a:t>những</a:t>
+            </a:r>
+            <a:r>
+              <a:rPr lang="en-US" dirty="0" smtClean="0"/>
+              <a:t> </a:t>
+            </a:r>
+            <a:r>
+              <a:rPr lang="en-US" dirty="0" err="1" smtClean="0"/>
+              <a:t>điểm</a:t>
+            </a:r>
+            <a:r>
+              <a:rPr lang="en-US" dirty="0" smtClean="0"/>
+              <a:t> </a:t>
+            </a:r>
+            <a:r>
+              <a:rPr lang="en-US" dirty="0" err="1" smtClean="0"/>
+              <a:t>quan</a:t>
+            </a:r>
+            <a:r>
+              <a:rPr lang="en-US" dirty="0" smtClean="0"/>
+              <a:t> </a:t>
+            </a:r>
+            <a:r>
+              <a:rPr lang="en-US" dirty="0" err="1" smtClean="0"/>
+              <a:t>trọng</a:t>
+            </a:r>
+            <a:r>
+              <a:rPr lang="en-US" dirty="0" smtClean="0"/>
+              <a:t>.</a:t>
+            </a:r>
+          </a:p>
+          <a:p>
+            <a:endParaRPr lang="en-US" dirty="0"/>
+          </a:p>
+        </p:txBody>
+      </p:sp>
+      <p:sp>
+        <p:nvSpPr>
+          <p:cNvPr id="4" name="Slide Number Placeholder 3"/>
+          <p:cNvSpPr>
+            <a:spLocks noGrp="1"/>
+          </p:cNvSpPr>
+          <p:nvPr>
+            <p:ph type="sldNum" sz="quarter" idx="10"/>
+          </p:nvPr>
+        </p:nvSpPr>
+        <p:spPr/>
+        <p:txBody>
+          <a:bodyPr/>
+          <a:lstStyle/>
+          <a:p>
+            <a:fld id="{44CF70D3-9041-48DD-9E8A-0C341DA28422}" type="slidenum">
+              <a:rPr lang="en-US" smtClean="0"/>
+              <a:t>30</a:t>
+            </a:fld>
+            <a:endParaRPr lang="en-US"/>
+          </a:p>
+        </p:txBody>
+      </p:sp>
+    </p:spTree>
+    <p:extLst>
+      <p:ext uri="{BB962C8B-B14F-4D97-AF65-F5344CB8AC3E}">
+        <p14:creationId xmlns:p14="http://schemas.microsoft.com/office/powerpoint/2010/main" val="689863528"/>
+      </p:ext>
+    </p:extLst>
+  </p:cSld>
+  <p:clrMapOvr>
+    <a:masterClrMapping/>
+  </p:clrMapOvr>
+</p:notes>
+</file>
+
 <file path=ppt/notesSlides/notesSlide2.xml><?xml version="1.0" encoding="utf-8"?>
 <p:notes xmlns:a="http://schemas.openxmlformats.org/drawingml/2006/main" xmlns:r="http://schemas.openxmlformats.org/officeDocument/2006/relationships" xmlns:p="http://schemas.openxmlformats.org/presentationml/2006/main">
   <p:cSld>
@@ -643,92 +1189,6 @@
           <a:bodyPr/>
           <a:lstStyle/>
           <a:p>
-            <a:r>
-              <a:rPr lang="en-US" dirty="0" smtClean="0"/>
-              <a:t>-Output</a:t>
-            </a:r>
-            <a:r>
-              <a:rPr lang="en-US" baseline="0" dirty="0" smtClean="0"/>
-              <a:t> </a:t>
-            </a:r>
-            <a:r>
-              <a:rPr lang="en-US" baseline="0" dirty="0" smtClean="0"/>
-              <a:t>layer </a:t>
-            </a:r>
-            <a:r>
-              <a:rPr lang="en-US" baseline="0" dirty="0" err="1" smtClean="0"/>
-              <a:t>trả</a:t>
-            </a:r>
-            <a:r>
-              <a:rPr lang="en-US" baseline="0" dirty="0" smtClean="0"/>
-              <a:t> </a:t>
-            </a:r>
-            <a:r>
-              <a:rPr lang="en-US" baseline="0" dirty="0" err="1" smtClean="0"/>
-              <a:t>ra</a:t>
-            </a:r>
-            <a:r>
-              <a:rPr lang="en-US" baseline="0" dirty="0" smtClean="0"/>
-              <a:t> 2 neural </a:t>
-            </a:r>
-            <a:r>
-              <a:rPr lang="en-US" baseline="0" dirty="0" err="1" smtClean="0"/>
-              <a:t>vì</a:t>
-            </a:r>
-            <a:r>
-              <a:rPr lang="en-US" baseline="0" dirty="0" smtClean="0"/>
-              <a:t> </a:t>
-            </a:r>
-            <a:r>
-              <a:rPr lang="en-US" baseline="0" dirty="0" err="1" smtClean="0"/>
-              <a:t>có</a:t>
-            </a:r>
-            <a:r>
-              <a:rPr lang="en-US" baseline="0" dirty="0" smtClean="0"/>
-              <a:t> 2 </a:t>
-            </a:r>
-            <a:r>
-              <a:rPr lang="en-US" baseline="0" dirty="0" err="1" smtClean="0"/>
-              <a:t>kết</a:t>
-            </a:r>
-            <a:r>
-              <a:rPr lang="en-US" baseline="0" dirty="0" smtClean="0"/>
-              <a:t> </a:t>
-            </a:r>
-            <a:r>
-              <a:rPr lang="en-US" baseline="0" dirty="0" err="1" smtClean="0"/>
-              <a:t>quả</a:t>
-            </a:r>
-            <a:r>
-              <a:rPr lang="en-US" baseline="0" dirty="0" smtClean="0"/>
-              <a:t> </a:t>
-            </a:r>
-            <a:r>
-              <a:rPr lang="en-US" baseline="0" dirty="0" err="1" smtClean="0"/>
-              <a:t>là</a:t>
-            </a:r>
-            <a:r>
-              <a:rPr lang="en-US" baseline="0" dirty="0" smtClean="0"/>
-              <a:t> positive </a:t>
-            </a:r>
-            <a:r>
-              <a:rPr lang="en-US" baseline="0" dirty="0" err="1" smtClean="0"/>
-              <a:t>và</a:t>
-            </a:r>
-            <a:r>
-              <a:rPr lang="en-US" baseline="0" dirty="0" smtClean="0"/>
-              <a:t> </a:t>
-            </a:r>
-            <a:r>
-              <a:rPr lang="en-US" baseline="0" dirty="0" smtClean="0"/>
-              <a:t>negative</a:t>
-            </a:r>
-          </a:p>
-          <a:p>
-            <a:r>
-              <a:rPr lang="en-US" dirty="0" smtClean="0"/>
-              <a:t>-many-to-many</a:t>
-            </a:r>
             <a:endParaRPr lang="en-US" dirty="0"/>
           </a:p>
         </p:txBody>
@@ -750,7 +1210,7 @@
           <a:p>
             <a:fld id="{44CF70D3-9041-48DD-9E8A-0C341DA28422}" type="slidenum">
               <a:rPr lang="en-US" smtClean="0"/>
-              <a:t>9</a:t>
+              <a:t>2</a:t>
             </a:fld>
             <a:endParaRPr lang="en-US"/>
           </a:p>
@@ -759,7 +1219,7 @@
     </p:spTree>
     <p:extLst>
       <p:ext uri="{BB962C8B-B14F-4D97-AF65-F5344CB8AC3E}">
-        <p14:creationId xmlns:p14="http://schemas.microsoft.com/office/powerpoint/2010/main" val="2669831122"/>
+        <p14:creationId xmlns:p14="http://schemas.microsoft.com/office/powerpoint/2010/main" val="280465206"/>
       </p:ext>
     </p:extLst>
   </p:cSld>
@@ -814,24 +1274,84 @@
           <a:lstStyle/>
           <a:p>
             <a:r>
-              <a:rPr lang="en-US" smtClean="0"/>
-              <a:t>- </a:t>
-            </a:r>
-            <a:r>
-              <a:rPr lang="vi-VN" smtClean="0"/>
-              <a:t>mạng CNN là tập hợp các lớp Convolution chồng lên nhau, kết hợp với các hàm kích hoạt phi tuyến tính như ReLu hay tanh để tạo ra các thông tin trừu tượng hơn cho các tầng tiếp theo.</a:t>
-            </a:r>
-          </a:p>
-          <a:p>
-            <a:r>
-              <a:rPr lang="en-US" smtClean="0"/>
-              <a:t>- </a:t>
-            </a:r>
-            <a:r>
-              <a:rPr lang="vi-VN" smtClean="0"/>
-              <a:t>Các tầng liên kết với nhau thông qua cơ chế tích chập, tầng tiếp theo sẽ là kết quả tích chập từ tầng trước đó, mỗi tầng được áp đặt các bộ lọc khác nhau.</a:t>
-            </a:r>
-            <a:endParaRPr lang="en-US"/>
+              <a:rPr lang="en-US" dirty="0" smtClean="0"/>
+              <a:t>-Output</a:t>
+            </a:r>
+            <a:r>
+              <a:rPr lang="en-US" baseline="0" dirty="0" smtClean="0"/>
+              <a:t> layer </a:t>
+            </a:r>
+            <a:r>
+              <a:rPr lang="en-US" baseline="0" dirty="0" err="1" smtClean="0"/>
+              <a:t>trả</a:t>
+            </a:r>
+            <a:r>
+              <a:rPr lang="en-US" baseline="0" dirty="0" smtClean="0"/>
+              <a:t> </a:t>
+            </a:r>
+            <a:r>
+              <a:rPr lang="en-US" baseline="0" dirty="0" err="1" smtClean="0"/>
+              <a:t>ra</a:t>
+            </a:r>
+            <a:r>
+              <a:rPr lang="en-US" baseline="0" dirty="0" smtClean="0"/>
+              <a:t> 2 neural </a:t>
+            </a:r>
+            <a:r>
+              <a:rPr lang="en-US" baseline="0" dirty="0" err="1" smtClean="0"/>
+              <a:t>vì</a:t>
+            </a:r>
+            <a:r>
+              <a:rPr lang="en-US" baseline="0" dirty="0" smtClean="0"/>
+              <a:t> </a:t>
+            </a:r>
+            <a:r>
+              <a:rPr lang="en-US" baseline="0" dirty="0" err="1" smtClean="0"/>
+              <a:t>có</a:t>
+            </a:r>
+            <a:r>
+              <a:rPr lang="en-US" baseline="0" dirty="0" smtClean="0"/>
+              <a:t> 2 </a:t>
+            </a:r>
+            <a:r>
+              <a:rPr lang="en-US" baseline="0" dirty="0" err="1" smtClean="0"/>
+              <a:t>kết</a:t>
+            </a:r>
+            <a:r>
+              <a:rPr lang="en-US" baseline="0" dirty="0" smtClean="0"/>
+              <a:t> </a:t>
+            </a:r>
+            <a:r>
+              <a:rPr lang="en-US" baseline="0" dirty="0" err="1" smtClean="0"/>
+              <a:t>quả</a:t>
+            </a:r>
+            <a:r>
+              <a:rPr lang="en-US" baseline="0" dirty="0" smtClean="0"/>
+              <a:t> </a:t>
+            </a:r>
+            <a:r>
+              <a:rPr lang="en-US" baseline="0" dirty="0" err="1" smtClean="0"/>
+              <a:t>là</a:t>
+            </a:r>
+            <a:r>
+              <a:rPr lang="en-US" baseline="0" dirty="0" smtClean="0"/>
+              <a:t> positive </a:t>
+            </a:r>
+            <a:r>
+              <a:rPr lang="en-US" baseline="0" dirty="0" err="1" smtClean="0"/>
+              <a:t>và</a:t>
+            </a:r>
+            <a:r>
+              <a:rPr lang="en-US" baseline="0" dirty="0" smtClean="0"/>
+              <a:t> negative</a:t>
+            </a:r>
+          </a:p>
+          <a:p>
+            <a:r>
+              <a:rPr lang="en-US" dirty="0" smtClean="0"/>
+              <a:t>-many-to-many</a:t>
+            </a:r>
+            <a:endParaRPr lang="en-US" dirty="0"/>
           </a:p>
         </p:txBody>
       </p:sp>
@@ -852,7 +1372,7 @@
           <a:p>
             <a:fld id="{44CF70D3-9041-48DD-9E8A-0C341DA28422}" type="slidenum">
               <a:rPr lang="en-US" smtClean="0"/>
-              <a:t>11</a:t>
+              <a:t>9</a:t>
             </a:fld>
             <a:endParaRPr lang="en-US"/>
           </a:p>
@@ -861,7 +1381,7 @@
     </p:spTree>
     <p:extLst>
       <p:ext uri="{BB962C8B-B14F-4D97-AF65-F5344CB8AC3E}">
-        <p14:creationId xmlns:p14="http://schemas.microsoft.com/office/powerpoint/2010/main" val="3545352907"/>
+        <p14:creationId xmlns:p14="http://schemas.microsoft.com/office/powerpoint/2010/main" val="2669831122"/>
       </p:ext>
     </p:extLst>
   </p:cSld>
@@ -915,29 +1435,24 @@
           <a:bodyPr/>
           <a:lstStyle/>
           <a:p>
-            <a:pPr marL="0" marR="0" lvl="0" indent="0" algn="l" defTabSz="914400" rtl="0" eaLnBrk="1" fontAlgn="auto" latinLnBrk="0" hangingPunct="1">
-              <a:lnSpc>
-                <a:spcPct val="100000"/>
-              </a:lnSpc>
-              <a:spcBef>
-                <a:spcPts val="0"/>
-              </a:spcBef>
-              <a:spcAft>
-                <a:spcPts val="0"/>
-              </a:spcAft>
-              <a:buClrTx/>
-              <a:buSzTx/>
-              <a:buFontTx/>
-              <a:buNone/>
-              <a:tabLst/>
-              <a:defRPr/>
-            </a:pPr>
             <a:r>
               <a:rPr lang="en-US" smtClean="0"/>
-              <a:t>Trong phân tích hình ảnh, các bộ lọc sẽ trượt qua các mảnh vá hình đầu vào, trong phân tích NLP, nó sẽ trượt qua tất cả các dòng của ma trận.</a:t>
-            </a:r>
-          </a:p>
-          <a:p>
+              <a:t>- </a:t>
+            </a:r>
+            <a:r>
+              <a:rPr lang="vi-VN" smtClean="0"/>
+              <a:t>mạng CNN là tập hợp các lớp Convolution chồng lên nhau, kết hợp với các hàm kích hoạt phi tuyến tính như ReLu hay tanh để tạo ra các thông tin trừu tượng hơn cho các tầng tiếp theo.</a:t>
+            </a:r>
+          </a:p>
+          <a:p>
+            <a:r>
+              <a:rPr lang="en-US" smtClean="0"/>
+              <a:t>- </a:t>
+            </a:r>
+            <a:r>
+              <a:rPr lang="vi-VN" smtClean="0"/>
+              <a:t>Các tầng liên kết với nhau thông qua cơ chế tích chập, tầng tiếp theo sẽ là kết quả tích chập từ tầng trước đó, mỗi tầng được áp đặt các bộ lọc khác nhau.</a:t>
+            </a:r>
             <a:endParaRPr lang="en-US"/>
           </a:p>
         </p:txBody>
@@ -959,7 +1474,7 @@
           <a:p>
             <a:fld id="{44CF70D3-9041-48DD-9E8A-0C341DA28422}" type="slidenum">
               <a:rPr lang="en-US" smtClean="0"/>
-              <a:t>12</a:t>
+              <a:t>11</a:t>
             </a:fld>
             <a:endParaRPr lang="en-US"/>
           </a:p>
@@ -968,7 +1483,7 @@
     </p:spTree>
     <p:extLst>
       <p:ext uri="{BB962C8B-B14F-4D97-AF65-F5344CB8AC3E}">
-        <p14:creationId xmlns:p14="http://schemas.microsoft.com/office/powerpoint/2010/main" val="18599341"/>
+        <p14:creationId xmlns:p14="http://schemas.microsoft.com/office/powerpoint/2010/main" val="3545352907"/>
       </p:ext>
     </p:extLst>
   </p:cSld>
@@ -1022,115 +1537,30 @@
           <a:bodyPr/>
           <a:lstStyle/>
           <a:p>
-            <a:r>
-              <a:rPr lang="en-US" dirty="0" err="1" smtClean="0"/>
-              <a:t>Xử</a:t>
-            </a:r>
-            <a:r>
-              <a:rPr lang="en-US" baseline="0" dirty="0" smtClean="0"/>
-              <a:t> </a:t>
-            </a:r>
-            <a:r>
-              <a:rPr lang="en-US" baseline="0" dirty="0" err="1" smtClean="0"/>
-              <a:t>dụng</a:t>
-            </a:r>
-            <a:r>
-              <a:rPr lang="en-US" baseline="0" dirty="0" smtClean="0"/>
-              <a:t> </a:t>
-            </a:r>
-            <a:r>
-              <a:rPr lang="en-US" baseline="0" dirty="0" err="1" smtClean="0"/>
-              <a:t>thuật</a:t>
-            </a:r>
-            <a:r>
-              <a:rPr lang="en-US" baseline="0" dirty="0" smtClean="0"/>
-              <a:t> </a:t>
-            </a:r>
-            <a:r>
-              <a:rPr lang="en-US" baseline="0" dirty="0" err="1" smtClean="0"/>
-              <a:t>toán</a:t>
-            </a:r>
-            <a:r>
-              <a:rPr lang="en-US" baseline="0" dirty="0" smtClean="0"/>
-              <a:t> </a:t>
-            </a:r>
-            <a:r>
-              <a:rPr lang="en-US" baseline="0" dirty="0" err="1" smtClean="0"/>
-              <a:t>lan</a:t>
-            </a:r>
-            <a:r>
-              <a:rPr lang="en-US" baseline="0" dirty="0" smtClean="0"/>
-              <a:t> </a:t>
-            </a:r>
-            <a:r>
-              <a:rPr lang="en-US" baseline="0" dirty="0" err="1" smtClean="0"/>
-              <a:t>truyền</a:t>
-            </a:r>
-            <a:r>
-              <a:rPr lang="en-US" baseline="0" dirty="0" smtClean="0"/>
-              <a:t> </a:t>
-            </a:r>
-            <a:r>
-              <a:rPr lang="en-US" baseline="0" dirty="0" err="1" smtClean="0"/>
-              <a:t>ngược</a:t>
-            </a:r>
-            <a:r>
-              <a:rPr lang="en-US" baseline="0" dirty="0" smtClean="0"/>
-              <a:t> </a:t>
-            </a:r>
-            <a:r>
-              <a:rPr lang="en-US" baseline="0" dirty="0" err="1" smtClean="0"/>
-              <a:t>để</a:t>
-            </a:r>
-            <a:r>
-              <a:rPr lang="en-US" baseline="0" dirty="0" smtClean="0"/>
-              <a:t> </a:t>
-            </a:r>
-            <a:r>
-              <a:rPr lang="en-US" baseline="0" dirty="0" err="1" smtClean="0"/>
-              <a:t>cập</a:t>
-            </a:r>
-            <a:r>
-              <a:rPr lang="en-US" baseline="0" dirty="0" smtClean="0"/>
-              <a:t> </a:t>
-            </a:r>
-            <a:r>
-              <a:rPr lang="en-US" baseline="0" dirty="0" err="1" smtClean="0"/>
-              <a:t>nhật</a:t>
-            </a:r>
-            <a:r>
-              <a:rPr lang="en-US" baseline="0" dirty="0" smtClean="0"/>
-              <a:t> </a:t>
-            </a:r>
-            <a:r>
-              <a:rPr lang="en-US" baseline="0" dirty="0" err="1" smtClean="0"/>
-              <a:t>lại</a:t>
-            </a:r>
-            <a:r>
-              <a:rPr lang="en-US" baseline="0" dirty="0" smtClean="0"/>
-              <a:t> </a:t>
-            </a:r>
-            <a:r>
-              <a:rPr lang="en-US" baseline="0" dirty="0" err="1" smtClean="0"/>
-              <a:t>trọng</a:t>
-            </a:r>
-            <a:r>
-              <a:rPr lang="en-US" baseline="0" dirty="0" smtClean="0"/>
-              <a:t> </a:t>
-            </a:r>
-            <a:r>
-              <a:rPr lang="en-US" baseline="0" dirty="0" err="1" smtClean="0"/>
-              <a:t>số</a:t>
-            </a:r>
-            <a:r>
-              <a:rPr lang="en-US" baseline="0" dirty="0" smtClean="0"/>
-              <a:t> ban </a:t>
-            </a:r>
-            <a:r>
-              <a:rPr lang="en-US" baseline="0" dirty="0" err="1" smtClean="0"/>
-              <a:t>đầu</a:t>
-            </a:r>
-            <a:endParaRPr lang="en-US" dirty="0"/>
+            <a:pPr marL="0" marR="0" lvl="0" indent="0" algn="l" defTabSz="914400" rtl="0" eaLnBrk="1" fontAlgn="auto" latinLnBrk="0" hangingPunct="1">
+              <a:lnSpc>
+                <a:spcPct val="100000"/>
+              </a:lnSpc>
+              <a:spcBef>
+                <a:spcPts val="0"/>
+              </a:spcBef>
+              <a:spcAft>
+                <a:spcPts val="0"/>
+              </a:spcAft>
+              <a:buClrTx/>
+              <a:buSzTx/>
+              <a:buFontTx/>
+              <a:buNone/>
+              <a:tabLst/>
+              <a:defRPr/>
+            </a:pPr>
+            <a:r>
+              <a:rPr lang="en-US" smtClean="0"/>
+              <a:t>Trong phân tích hình ảnh, các bộ lọc sẽ trượt qua các mảnh vá hình đầu vào, trong phân tích NLP, nó sẽ trượt qua tất cả các dòng của ma trận.</a:t>
+            </a:r>
+          </a:p>
+          <a:p>
+            <a:endParaRPr lang="en-US"/>
           </a:p>
         </p:txBody>
       </p:sp>
@@ -1151,7 +1581,7 @@
           <a:p>
             <a:fld id="{44CF70D3-9041-48DD-9E8A-0C341DA28422}" type="slidenum">
               <a:rPr lang="en-US" smtClean="0"/>
-              <a:t>15</a:t>
+              <a:t>12</a:t>
             </a:fld>
             <a:endParaRPr lang="en-US"/>
           </a:p>
@@ -1160,7 +1590,7 @@
     </p:spTree>
     <p:extLst>
       <p:ext uri="{BB962C8B-B14F-4D97-AF65-F5344CB8AC3E}">
-        <p14:creationId xmlns:p14="http://schemas.microsoft.com/office/powerpoint/2010/main" val="2534705608"/>
+        <p14:creationId xmlns:p14="http://schemas.microsoft.com/office/powerpoint/2010/main" val="18599341"/>
       </p:ext>
     </p:extLst>
   </p:cSld>
@@ -1215,20 +1645,16 @@
           <a:lstStyle/>
           <a:p>
             <a:r>
-              <a:rPr lang="en-US" dirty="0" smtClean="0"/>
-              <a:t>U, V </a:t>
-            </a:r>
-            <a:r>
-              <a:rPr lang="en-US" dirty="0" err="1" smtClean="0"/>
-              <a:t>và</a:t>
+              <a:rPr lang="en-US" dirty="0" err="1" smtClean="0"/>
+              <a:t>Xử</a:t>
             </a:r>
             <a:r>
               <a:rPr lang="en-US" baseline="0" dirty="0" smtClean="0"/>
-              <a:t> W </a:t>
+              <a:t> </a:t>
             </a:r>
             <a:r>
               <a:rPr lang="en-US" baseline="0" dirty="0" err="1" smtClean="0"/>
-              <a:t>là</a:t>
+              <a:t>dụng</a:t>
             </a:r>
             <a:r>
               <a:rPr lang="en-US" baseline="0" dirty="0" smtClean="0"/>
@@ -1236,15 +1662,15 @@
             </a:r>
             <a:r>
               <a:rPr lang="en-US" baseline="0" dirty="0" err="1" smtClean="0"/>
-              <a:t>các</a:t>
+              <a:t>thuật</a:t>
             </a:r>
             <a:r>
               <a:rPr lang="en-US" baseline="0" dirty="0" smtClean="0"/>
-              <a:t> ma </a:t>
+              <a:t> </a:t>
             </a:r>
             <a:r>
               <a:rPr lang="en-US" baseline="0" dirty="0" err="1" smtClean="0"/>
-              <a:t>trận</a:t>
+              <a:t>toán</a:t>
             </a:r>
             <a:r>
               <a:rPr lang="en-US" baseline="0" dirty="0" smtClean="0"/>
@@ -1252,7 +1678,63 @@
             </a:r>
             <a:r>
               <a:rPr lang="en-US" baseline="0" dirty="0" err="1" smtClean="0"/>
-              <a:t>tham</a:t>
+              <a:t>lan</a:t>
+            </a:r>
+            <a:r>
+              <a:rPr lang="en-US" baseline="0" dirty="0" smtClean="0"/>
+              <a:t> </a:t>
+            </a:r>
+            <a:r>
+              <a:rPr lang="en-US" baseline="0" dirty="0" err="1" smtClean="0"/>
+              <a:t>truyền</a:t>
+            </a:r>
+            <a:r>
+              <a:rPr lang="en-US" baseline="0" dirty="0" smtClean="0"/>
+              <a:t> </a:t>
+            </a:r>
+            <a:r>
+              <a:rPr lang="en-US" baseline="0" dirty="0" err="1" smtClean="0"/>
+              <a:t>ngược</a:t>
+            </a:r>
+            <a:r>
+              <a:rPr lang="en-US" baseline="0" dirty="0" smtClean="0"/>
+              <a:t> </a:t>
+            </a:r>
+            <a:r>
+              <a:rPr lang="en-US" baseline="0" dirty="0" err="1" smtClean="0"/>
+              <a:t>để</a:t>
+            </a:r>
+            <a:r>
+              <a:rPr lang="en-US" baseline="0" dirty="0" smtClean="0"/>
+              <a:t> </a:t>
+            </a:r>
+            <a:r>
+              <a:rPr lang="en-US" baseline="0" dirty="0" err="1" smtClean="0"/>
+              <a:t>cập</a:t>
+            </a:r>
+            <a:r>
+              <a:rPr lang="en-US" baseline="0" dirty="0" smtClean="0"/>
+              <a:t> </a:t>
+            </a:r>
+            <a:r>
+              <a:rPr lang="en-US" baseline="0" dirty="0" err="1" smtClean="0"/>
+              <a:t>nhật</a:t>
+            </a:r>
+            <a:r>
+              <a:rPr lang="en-US" baseline="0" dirty="0" smtClean="0"/>
+              <a:t> </a:t>
+            </a:r>
+            <a:r>
+              <a:rPr lang="en-US" baseline="0" dirty="0" err="1" smtClean="0"/>
+              <a:t>lại</a:t>
+            </a:r>
+            <a:r>
+              <a:rPr lang="en-US" baseline="0" dirty="0" smtClean="0"/>
+              <a:t> </a:t>
+            </a:r>
+            <a:r>
+              <a:rPr lang="en-US" baseline="0" dirty="0" err="1" smtClean="0"/>
+              <a:t>trọng</a:t>
             </a:r>
             <a:r>
               <a:rPr lang="en-US" baseline="0" dirty="0" smtClean="0"/>
@@ -1262,47 +1744,14 @@
               <a:rPr lang="en-US" baseline="0" dirty="0" err="1" smtClean="0"/>
               <a:t>số</a:t>
             </a:r>
-            <a:endParaRPr lang="en-US" baseline="0" dirty="0" smtClean="0"/>
-          </a:p>
-          <a:p>
             <a:r>
               <a:rPr lang="en-US" baseline="0" dirty="0" smtClean="0"/>
-              <a:t>Unfold </a:t>
+              <a:t> ban </a:t>
             </a:r>
             <a:r>
               <a:rPr lang="en-US" baseline="0" dirty="0" err="1" smtClean="0"/>
-              <a:t>nghĩa</a:t>
-            </a:r>
-            <a:r>
-              <a:rPr lang="en-US" baseline="0" dirty="0" smtClean="0"/>
-              <a:t> </a:t>
-            </a:r>
-            <a:r>
-              <a:rPr lang="en-US" baseline="0" dirty="0" err="1" smtClean="0"/>
-              <a:t>là</a:t>
-            </a:r>
-            <a:r>
-              <a:rPr lang="en-US" baseline="0" dirty="0" smtClean="0"/>
-              <a:t> “</a:t>
-            </a:r>
-            <a:r>
-              <a:rPr lang="en-US" baseline="0" dirty="0" err="1" smtClean="0"/>
-              <a:t>trải</a:t>
-            </a:r>
-            <a:r>
-              <a:rPr lang="en-US" baseline="0" dirty="0" smtClean="0"/>
-              <a:t> </a:t>
-            </a:r>
-            <a:r>
-              <a:rPr lang="en-US" baseline="0" dirty="0" err="1" smtClean="0"/>
-              <a:t>ra</a:t>
-            </a:r>
-            <a:r>
-              <a:rPr lang="en-US" baseline="0" dirty="0" smtClean="0"/>
-              <a:t>”</a:t>
-            </a:r>
-          </a:p>
-          <a:p>
+              <a:t>đầu</a:t>
+            </a:r>
             <a:endParaRPr lang="en-US" dirty="0"/>
           </a:p>
         </p:txBody>
@@ -1324,7 +1773,7 @@
           <a:p>
             <a:fld id="{44CF70D3-9041-48DD-9E8A-0C341DA28422}" type="slidenum">
               <a:rPr lang="en-US" smtClean="0"/>
-              <a:t>16</a:t>
+              <a:t>15</a:t>
             </a:fld>
             <a:endParaRPr lang="en-US"/>
           </a:p>
@@ -1333,7 +1782,7 @@
     </p:spTree>
     <p:extLst>
       <p:ext uri="{BB962C8B-B14F-4D97-AF65-F5344CB8AC3E}">
-        <p14:creationId xmlns:p14="http://schemas.microsoft.com/office/powerpoint/2010/main" val="1891405901"/>
+        <p14:creationId xmlns:p14="http://schemas.microsoft.com/office/powerpoint/2010/main" val="2534705608"/>
       </p:ext>
     </p:extLst>
   </p:cSld>
@@ -1387,210 +1836,92 @@
           <a:bodyPr/>
           <a:lstStyle/>
           <a:p>
-            <a:pPr marL="0" marR="0" indent="0" algn="l" defTabSz="914400" rtl="0" eaLnBrk="1" fontAlgn="auto" latinLnBrk="0" hangingPunct="1">
-              <a:lnSpc>
-                <a:spcPct val="100000"/>
-              </a:lnSpc>
-              <a:spcBef>
-                <a:spcPts val="0"/>
-              </a:spcBef>
-              <a:spcAft>
-                <a:spcPts val="0"/>
-              </a:spcAft>
-              <a:buClrTx/>
-              <a:buSzTx/>
-              <a:buFontTx/>
-              <a:buNone/>
-              <a:tabLst/>
-              <a:defRPr/>
-            </a:pPr>
-            <a:r>
-              <a:rPr lang="en-US" dirty="0" err="1" smtClean="0"/>
-              <a:t>Hàm</a:t>
-            </a:r>
-            <a:r>
-              <a:rPr lang="en-US" dirty="0" smtClean="0"/>
-              <a:t> </a:t>
-            </a:r>
-            <a:r>
-              <a:rPr lang="en-US" i="1" dirty="0" smtClean="0"/>
-              <a:t>f </a:t>
-            </a:r>
-            <a:r>
-              <a:rPr lang="en-US" dirty="0" smtClean="0"/>
-              <a:t> </a:t>
-            </a:r>
-            <a:r>
-              <a:rPr lang="en-US" dirty="0" err="1" smtClean="0"/>
+            <a:r>
+              <a:rPr lang="en-US" dirty="0" smtClean="0"/>
+              <a:t>U, V </a:t>
+            </a:r>
+            <a:r>
+              <a:rPr lang="en-US" dirty="0" err="1" smtClean="0"/>
+              <a:t>và</a:t>
+            </a:r>
+            <a:r>
+              <a:rPr lang="en-US" baseline="0" dirty="0" smtClean="0"/>
+              <a:t> W </a:t>
+            </a:r>
+            <a:r>
+              <a:rPr lang="en-US" baseline="0" dirty="0" err="1" smtClean="0"/>
               <a:t>là</a:t>
             </a:r>
             <a:r>
-              <a:rPr lang="en-US" dirty="0" smtClean="0"/>
-              <a:t> </a:t>
-            </a:r>
-            <a:r>
-              <a:rPr lang="en-US" dirty="0" err="1" smtClean="0"/>
-              <a:t>một</a:t>
-            </a:r>
-            <a:r>
-              <a:rPr lang="en-US" dirty="0" smtClean="0"/>
-              <a:t> </a:t>
-            </a:r>
-            <a:r>
-              <a:rPr lang="en-US" dirty="0" err="1" smtClean="0"/>
-              <a:t>hàm</a:t>
-            </a:r>
-            <a:r>
-              <a:rPr lang="en-US" dirty="0" smtClean="0"/>
-              <a:t> phi </a:t>
-            </a:r>
-            <a:r>
-              <a:rPr lang="en-US" dirty="0" err="1" smtClean="0"/>
-              <a:t>tuyến</a:t>
-            </a:r>
-            <a:r>
-              <a:rPr lang="en-US" dirty="0" smtClean="0"/>
-              <a:t> </a:t>
-            </a:r>
-            <a:r>
-              <a:rPr lang="en-US" dirty="0" err="1" smtClean="0"/>
-              <a:t>tính</a:t>
-            </a:r>
-            <a:r>
-              <a:rPr lang="en-US" dirty="0" smtClean="0"/>
-              <a:t> </a:t>
-            </a:r>
-            <a:r>
-              <a:rPr lang="en-US" dirty="0" err="1" smtClean="0"/>
-              <a:t>như</a:t>
-            </a:r>
-            <a:r>
-              <a:rPr lang="en-US" dirty="0" smtClean="0"/>
-              <a:t> </a:t>
-            </a:r>
-            <a:r>
-              <a:rPr lang="en-US" i="1" dirty="0" err="1" smtClean="0"/>
-              <a:t>tanh</a:t>
-            </a:r>
-            <a:r>
-              <a:rPr lang="en-US" i="1" dirty="0" smtClean="0"/>
-              <a:t> </a:t>
-            </a:r>
-            <a:r>
-              <a:rPr lang="en-US" dirty="0" smtClean="0"/>
-              <a:t>hay </a:t>
-            </a:r>
-            <a:r>
-              <a:rPr lang="en-US" i="1" dirty="0" err="1" smtClean="0"/>
-              <a:t>ReLU</a:t>
-            </a:r>
-            <a:r>
-              <a:rPr lang="en-US" dirty="0" smtClean="0"/>
-              <a:t> . </a:t>
-            </a:r>
-            <a:r>
-              <a:rPr lang="en-US" dirty="0" err="1" smtClean="0"/>
-              <a:t>Phần</a:t>
-            </a:r>
-            <a:r>
-              <a:rPr lang="en-US" dirty="0" smtClean="0"/>
-              <a:t> </a:t>
-            </a:r>
-            <a:r>
-              <a:rPr lang="en-US" dirty="0" err="1" smtClean="0"/>
-              <a:t>tử</a:t>
-            </a:r>
-            <a:r>
-              <a:rPr lang="en-US" dirty="0" smtClean="0"/>
-              <a:t> </a:t>
-            </a:r>
-            <a:r>
-              <a:rPr lang="en-US" dirty="0" err="1" smtClean="0"/>
-              <a:t>đầu</a:t>
-            </a:r>
-            <a:r>
-              <a:rPr lang="en-US" dirty="0" smtClean="0"/>
-              <a:t> </a:t>
-            </a:r>
-            <a:r>
-              <a:rPr lang="en-US" dirty="0" err="1" smtClean="0"/>
-              <a:t>tiên</a:t>
-            </a:r>
-            <a:r>
-              <a:rPr lang="en-US" dirty="0" smtClean="0"/>
-              <a:t> ta </a:t>
-            </a:r>
-            <a:r>
-              <a:rPr lang="en-US" dirty="0" err="1" smtClean="0"/>
-              <a:t>cần</a:t>
-            </a:r>
-            <a:r>
-              <a:rPr lang="en-US" dirty="0" smtClean="0"/>
-              <a:t> </a:t>
-            </a:r>
-            <a:r>
-              <a:rPr lang="en-US" dirty="0" err="1" smtClean="0"/>
-              <a:t>khởi</a:t>
-            </a:r>
-            <a:r>
-              <a:rPr lang="en-US" dirty="0" smtClean="0"/>
-              <a:t> </a:t>
-            </a:r>
-            <a:r>
-              <a:rPr lang="en-US" dirty="0" err="1" smtClean="0"/>
-              <a:t>tạo</a:t>
-            </a:r>
-            <a:r>
-              <a:rPr lang="en-US" dirty="0" smtClean="0"/>
-              <a:t> </a:t>
-            </a:r>
-            <a:r>
-              <a:rPr lang="en-US" dirty="0" err="1" smtClean="0"/>
-              <a:t>thêm</a:t>
-            </a:r>
-            <a:r>
-              <a:rPr lang="en-US" dirty="0" smtClean="0"/>
-              <a:t> s – 1, </a:t>
-            </a:r>
-            <a:r>
-              <a:rPr lang="en-US" dirty="0" err="1" smtClean="0"/>
-              <a:t>giá</a:t>
-            </a:r>
-            <a:r>
-              <a:rPr lang="en-US" dirty="0" smtClean="0"/>
-              <a:t> </a:t>
-            </a:r>
-            <a:r>
-              <a:rPr lang="en-US" dirty="0" err="1" smtClean="0"/>
-              <a:t>trị</a:t>
-            </a:r>
-            <a:r>
-              <a:rPr lang="en-US" dirty="0" smtClean="0"/>
-              <a:t> </a:t>
-            </a:r>
-            <a:r>
-              <a:rPr lang="en-US" dirty="0" err="1" smtClean="0"/>
-              <a:t>này</a:t>
-            </a:r>
-            <a:r>
-              <a:rPr lang="en-US" dirty="0" smtClean="0"/>
-              <a:t> </a:t>
-            </a:r>
-            <a:r>
-              <a:rPr lang="en-US" dirty="0" err="1" smtClean="0"/>
-              <a:t>thường</a:t>
-            </a:r>
-            <a:r>
-              <a:rPr lang="en-US" dirty="0" smtClean="0"/>
-              <a:t> </a:t>
-            </a:r>
-            <a:r>
-              <a:rPr lang="en-US" dirty="0" err="1" smtClean="0"/>
-              <a:t>bằng</a:t>
-            </a:r>
-            <a:r>
-              <a:rPr lang="en-US" dirty="0" smtClean="0"/>
-              <a:t> 0.</a:t>
+              <a:rPr lang="en-US" baseline="0" dirty="0" smtClean="0"/>
+              <a:t> </a:t>
+            </a:r>
+            <a:r>
+              <a:rPr lang="en-US" baseline="0" dirty="0" err="1" smtClean="0"/>
+              <a:t>các</a:t>
+            </a:r>
+            <a:r>
+              <a:rPr lang="en-US" baseline="0" dirty="0" smtClean="0"/>
+              <a:t> ma </a:t>
+            </a:r>
+            <a:r>
+              <a:rPr lang="en-US" baseline="0" dirty="0" err="1" smtClean="0"/>
+              <a:t>trận</a:t>
+            </a:r>
+            <a:r>
+              <a:rPr lang="en-US" baseline="0" dirty="0" smtClean="0"/>
+              <a:t> </a:t>
+            </a:r>
+            <a:r>
+              <a:rPr lang="en-US" baseline="0" dirty="0" err="1" smtClean="0"/>
+              <a:t>tham</a:t>
+            </a:r>
+            <a:r>
+              <a:rPr lang="en-US" baseline="0" dirty="0" smtClean="0"/>
+              <a:t> </a:t>
+            </a:r>
+            <a:r>
+              <a:rPr lang="en-US" baseline="0" dirty="0" err="1" smtClean="0"/>
+              <a:t>số</a:t>
+            </a:r>
+            <a:endParaRPr lang="en-US" baseline="0" dirty="0" smtClean="0"/>
+          </a:p>
+          <a:p>
+            <a:r>
+              <a:rPr lang="en-US" baseline="0" dirty="0" smtClean="0"/>
+              <a:t>Unfold </a:t>
+            </a:r>
+            <a:r>
+              <a:rPr lang="en-US" baseline="0" dirty="0" err="1" smtClean="0"/>
+              <a:t>nghĩa</a:t>
+            </a:r>
+            <a:r>
+              <a:rPr lang="en-US" baseline="0" dirty="0" smtClean="0"/>
+              <a:t> </a:t>
+            </a:r>
+            <a:r>
+              <a:rPr lang="en-US" baseline="0" dirty="0" err="1" smtClean="0"/>
+              <a:t>là</a:t>
+            </a:r>
+            <a:r>
+              <a:rPr lang="en-US" baseline="0" dirty="0" smtClean="0"/>
+              <a:t> “</a:t>
+            </a:r>
+            <a:r>
+              <a:rPr lang="en-US" baseline="0" dirty="0" err="1" smtClean="0"/>
+              <a:t>trải</a:t>
+            </a:r>
+            <a:r>
+              <a:rPr lang="en-US" baseline="0" dirty="0" smtClean="0"/>
+              <a:t> </a:t>
+            </a:r>
+            <a:r>
+              <a:rPr lang="en-US" baseline="0" dirty="0" err="1" smtClean="0"/>
+              <a:t>ra</a:t>
+            </a:r>
+            <a:r>
+              <a:rPr lang="en-US" baseline="0" dirty="0" smtClean="0"/>
+              <a:t>”</a:t>
             </a:r>
           </a:p>
           <a:p>
@@ -1615,7 +1946,7 @@
           <a:p>
             <a:fld id="{44CF70D3-9041-48DD-9E8A-0C341DA28422}" type="slidenum">
               <a:rPr lang="en-US" smtClean="0"/>
-              <a:t>17</a:t>
+              <a:t>16</a:t>
             </a:fld>
             <a:endParaRPr lang="en-US"/>
           </a:p>
@@ -1624,7 +1955,7 @@
     </p:spTree>
     <p:extLst>
       <p:ext uri="{BB962C8B-B14F-4D97-AF65-F5344CB8AC3E}">
-        <p14:creationId xmlns:p14="http://schemas.microsoft.com/office/powerpoint/2010/main" val="2163576439"/>
+        <p14:creationId xmlns:p14="http://schemas.microsoft.com/office/powerpoint/2010/main" val="1891405901"/>
       </p:ext>
     </p:extLst>
   </p:cSld>
@@ -1678,6 +2009,213 @@
           <a:bodyPr/>
           <a:lstStyle/>
           <a:p>
+            <a:pPr marL="0" marR="0" indent="0" algn="l" defTabSz="914400" rtl="0" eaLnBrk="1" fontAlgn="auto" latinLnBrk="0" hangingPunct="1">
+              <a:lnSpc>
+                <a:spcPct val="100000"/>
+              </a:lnSpc>
+              <a:spcBef>
+                <a:spcPts val="0"/>
+              </a:spcBef>
+              <a:spcAft>
+                <a:spcPts val="0"/>
+              </a:spcAft>
+              <a:buClrTx/>
+              <a:buSzTx/>
+              <a:buFontTx/>
+              <a:buNone/>
+              <a:tabLst/>
+              <a:defRPr/>
+            </a:pPr>
+            <a:r>
+              <a:rPr lang="en-US" dirty="0" err="1" smtClean="0"/>
+              <a:t>Hàm</a:t>
+            </a:r>
+            <a:r>
+              <a:rPr lang="en-US" dirty="0" smtClean="0"/>
+              <a:t> </a:t>
+            </a:r>
+            <a:r>
+              <a:rPr lang="en-US" i="1" dirty="0" smtClean="0"/>
+              <a:t>f </a:t>
+            </a:r>
+            <a:r>
+              <a:rPr lang="en-US" dirty="0" smtClean="0"/>
+              <a:t> </a:t>
+            </a:r>
+            <a:r>
+              <a:rPr lang="en-US" dirty="0" err="1" smtClean="0"/>
+              <a:t>là</a:t>
+            </a:r>
+            <a:r>
+              <a:rPr lang="en-US" dirty="0" smtClean="0"/>
+              <a:t> </a:t>
+            </a:r>
+            <a:r>
+              <a:rPr lang="en-US" dirty="0" err="1" smtClean="0"/>
+              <a:t>một</a:t>
+            </a:r>
+            <a:r>
+              <a:rPr lang="en-US" dirty="0" smtClean="0"/>
+              <a:t> </a:t>
+            </a:r>
+            <a:r>
+              <a:rPr lang="en-US" dirty="0" err="1" smtClean="0"/>
+              <a:t>hàm</a:t>
+            </a:r>
+            <a:r>
+              <a:rPr lang="en-US" dirty="0" smtClean="0"/>
+              <a:t> phi </a:t>
+            </a:r>
+            <a:r>
+              <a:rPr lang="en-US" dirty="0" err="1" smtClean="0"/>
+              <a:t>tuyến</a:t>
+            </a:r>
+            <a:r>
+              <a:rPr lang="en-US" dirty="0" smtClean="0"/>
+              <a:t> </a:t>
+            </a:r>
+            <a:r>
+              <a:rPr lang="en-US" dirty="0" err="1" smtClean="0"/>
+              <a:t>tính</a:t>
+            </a:r>
+            <a:r>
+              <a:rPr lang="en-US" dirty="0" smtClean="0"/>
+              <a:t> </a:t>
+            </a:r>
+            <a:r>
+              <a:rPr lang="en-US" dirty="0" err="1" smtClean="0"/>
+              <a:t>như</a:t>
+            </a:r>
+            <a:r>
+              <a:rPr lang="en-US" dirty="0" smtClean="0"/>
+              <a:t> </a:t>
+            </a:r>
+            <a:r>
+              <a:rPr lang="en-US" i="1" dirty="0" err="1" smtClean="0"/>
+              <a:t>tanh</a:t>
+            </a:r>
+            <a:r>
+              <a:rPr lang="en-US" i="1" dirty="0" smtClean="0"/>
+              <a:t> </a:t>
+            </a:r>
+            <a:r>
+              <a:rPr lang="en-US" dirty="0" smtClean="0"/>
+              <a:t>hay </a:t>
+            </a:r>
+            <a:r>
+              <a:rPr lang="en-US" i="1" dirty="0" err="1" smtClean="0"/>
+              <a:t>ReLU</a:t>
+            </a:r>
+            <a:r>
+              <a:rPr lang="en-US" dirty="0" smtClean="0"/>
+              <a:t> . </a:t>
+            </a:r>
+            <a:r>
+              <a:rPr lang="en-US" dirty="0" err="1" smtClean="0"/>
+              <a:t>Phần</a:t>
+            </a:r>
+            <a:r>
+              <a:rPr lang="en-US" dirty="0" smtClean="0"/>
+              <a:t> </a:t>
+            </a:r>
+            <a:r>
+              <a:rPr lang="en-US" dirty="0" err="1" smtClean="0"/>
+              <a:t>tử</a:t>
+            </a:r>
+            <a:r>
+              <a:rPr lang="en-US" dirty="0" smtClean="0"/>
+              <a:t> </a:t>
+            </a:r>
+            <a:r>
+              <a:rPr lang="en-US" dirty="0" err="1" smtClean="0"/>
+              <a:t>đầu</a:t>
+            </a:r>
+            <a:r>
+              <a:rPr lang="en-US" dirty="0" smtClean="0"/>
+              <a:t> </a:t>
+            </a:r>
+            <a:r>
+              <a:rPr lang="en-US" dirty="0" err="1" smtClean="0"/>
+              <a:t>tiên</a:t>
+            </a:r>
+            <a:r>
+              <a:rPr lang="en-US" dirty="0" smtClean="0"/>
+              <a:t> ta </a:t>
+            </a:r>
+            <a:r>
+              <a:rPr lang="en-US" dirty="0" err="1" smtClean="0"/>
+              <a:t>cần</a:t>
+            </a:r>
+            <a:r>
+              <a:rPr lang="en-US" dirty="0" smtClean="0"/>
+              <a:t> </a:t>
+            </a:r>
+            <a:r>
+              <a:rPr lang="en-US" dirty="0" err="1" smtClean="0"/>
+              <a:t>khởi</a:t>
+            </a:r>
+            <a:r>
+              <a:rPr lang="en-US" dirty="0" smtClean="0"/>
+              <a:t> </a:t>
+            </a:r>
+            <a:r>
+              <a:rPr lang="en-US" dirty="0" err="1" smtClean="0"/>
+              <a:t>tạo</a:t>
+            </a:r>
+            <a:r>
+              <a:rPr lang="en-US" dirty="0" smtClean="0"/>
+              <a:t> </a:t>
+            </a:r>
+            <a:r>
+              <a:rPr lang="en-US" dirty="0" err="1" smtClean="0"/>
+              <a:t>thêm</a:t>
+            </a:r>
+            <a:r>
+              <a:rPr lang="en-US" dirty="0" smtClean="0"/>
+              <a:t> s – 1, </a:t>
+            </a:r>
+            <a:r>
+              <a:rPr lang="en-US" dirty="0" err="1" smtClean="0"/>
+              <a:t>giá</a:t>
+            </a:r>
+            <a:r>
+              <a:rPr lang="en-US" dirty="0" smtClean="0"/>
+              <a:t> </a:t>
+            </a:r>
+            <a:r>
+              <a:rPr lang="en-US" dirty="0" err="1" smtClean="0"/>
+              <a:t>trị</a:t>
+            </a:r>
+            <a:r>
+              <a:rPr lang="en-US" dirty="0" smtClean="0"/>
+              <a:t> </a:t>
+            </a:r>
+            <a:r>
+              <a:rPr lang="en-US" dirty="0" err="1" smtClean="0"/>
+              <a:t>này</a:t>
+            </a:r>
+            <a:r>
+              <a:rPr lang="en-US" dirty="0" smtClean="0"/>
+              <a:t> </a:t>
+            </a:r>
+            <a:r>
+              <a:rPr lang="en-US" dirty="0" err="1" smtClean="0"/>
+              <a:t>thường</a:t>
+            </a:r>
+            <a:r>
+              <a:rPr lang="en-US" dirty="0" smtClean="0"/>
+              <a:t> </a:t>
+            </a:r>
+            <a:r>
+              <a:rPr lang="en-US" dirty="0" err="1" smtClean="0"/>
+              <a:t>bằng</a:t>
+            </a:r>
+            <a:r>
+              <a:rPr lang="en-US" dirty="0" smtClean="0"/>
+              <a:t> 0.</a:t>
+            </a:r>
+          </a:p>
+          <a:p>
             <a:endParaRPr lang="en-US" dirty="0"/>
           </a:p>
         </p:txBody>
@@ -1699,7 +2237,7 @@
           <a:p>
             <a:fld id="{44CF70D3-9041-48DD-9E8A-0C341DA28422}" type="slidenum">
               <a:rPr lang="en-US" smtClean="0"/>
-              <a:t>20</a:t>
+              <a:t>17</a:t>
             </a:fld>
             <a:endParaRPr lang="en-US"/>
           </a:p>
@@ -1708,7 +2246,7 @@
     </p:spTree>
     <p:extLst>
       <p:ext uri="{BB962C8B-B14F-4D97-AF65-F5344CB8AC3E}">
-        <p14:creationId xmlns:p14="http://schemas.microsoft.com/office/powerpoint/2010/main" val="2286187664"/>
+        <p14:creationId xmlns:p14="http://schemas.microsoft.com/office/powerpoint/2010/main" val="2163576439"/>
       </p:ext>
     </p:extLst>
   </p:cSld>
@@ -1762,468 +2300,6 @@
           <a:bodyPr/>
           <a:lstStyle/>
           <a:p>
-            <a:r>
-              <a:rPr lang="en-US" dirty="0" err="1" smtClean="0"/>
-              <a:t>Việc</a:t>
-            </a:r>
-            <a:r>
-              <a:rPr lang="en-US" dirty="0" smtClean="0"/>
-              <a:t> encode </a:t>
-            </a:r>
-            <a:r>
-              <a:rPr lang="en-US" dirty="0" err="1" smtClean="0"/>
-              <a:t>toàn</a:t>
-            </a:r>
-            <a:r>
-              <a:rPr lang="en-US" dirty="0" smtClean="0"/>
-              <a:t> </a:t>
-            </a:r>
-            <a:r>
-              <a:rPr lang="en-US" dirty="0" err="1" smtClean="0"/>
-              <a:t>bộ</a:t>
-            </a:r>
-            <a:r>
-              <a:rPr lang="en-US" dirty="0" smtClean="0"/>
-              <a:t> </a:t>
-            </a:r>
-            <a:r>
-              <a:rPr lang="en-US" dirty="0" err="1" smtClean="0"/>
-              <a:t>thông</a:t>
-            </a:r>
-            <a:r>
-              <a:rPr lang="en-US" dirty="0" smtClean="0"/>
-              <a:t> tin </a:t>
-            </a:r>
-            <a:r>
-              <a:rPr lang="en-US" dirty="0" err="1" smtClean="0"/>
-              <a:t>từ</a:t>
-            </a:r>
-            <a:r>
-              <a:rPr lang="en-US" dirty="0" smtClean="0"/>
-              <a:t> input </a:t>
-            </a:r>
-            <a:r>
-              <a:rPr lang="en-US" dirty="0" err="1" smtClean="0"/>
-              <a:t>vào</a:t>
-            </a:r>
-            <a:r>
-              <a:rPr lang="en-US" dirty="0" smtClean="0"/>
-              <a:t> 1 vector </a:t>
-            </a:r>
-            <a:r>
-              <a:rPr lang="en-US" dirty="0" err="1" smtClean="0"/>
-              <a:t>cố</a:t>
-            </a:r>
-            <a:r>
-              <a:rPr lang="en-US" dirty="0" smtClean="0"/>
-              <a:t> </a:t>
-            </a:r>
-            <a:r>
-              <a:rPr lang="en-US" dirty="0" err="1" smtClean="0"/>
-              <a:t>định</a:t>
-            </a:r>
-            <a:r>
-              <a:rPr lang="en-US" dirty="0" smtClean="0"/>
-              <a:t> </a:t>
-            </a:r>
-            <a:r>
-              <a:rPr lang="en-US" dirty="0" err="1" smtClean="0"/>
-              <a:t>khiến</a:t>
-            </a:r>
-            <a:r>
-              <a:rPr lang="en-US" dirty="0" smtClean="0"/>
-              <a:t> </a:t>
-            </a:r>
-            <a:r>
-              <a:rPr lang="en-US" dirty="0" err="1" smtClean="0"/>
-              <a:t>mô</a:t>
-            </a:r>
-            <a:r>
-              <a:rPr lang="en-US" dirty="0" smtClean="0"/>
-              <a:t> </a:t>
-            </a:r>
-            <a:r>
-              <a:rPr lang="en-US" dirty="0" err="1" smtClean="0"/>
-              <a:t>hình</a:t>
-            </a:r>
-            <a:r>
-              <a:rPr lang="en-US" dirty="0" smtClean="0"/>
-              <a:t> </a:t>
-            </a:r>
-            <a:r>
-              <a:rPr lang="en-US" dirty="0" err="1" smtClean="0"/>
-              <a:t>thực</a:t>
-            </a:r>
-            <a:r>
-              <a:rPr lang="en-US" dirty="0" smtClean="0"/>
-              <a:t> </a:t>
-            </a:r>
-            <a:r>
-              <a:rPr lang="en-US" dirty="0" err="1" smtClean="0"/>
-              <a:t>hiện</a:t>
-            </a:r>
-            <a:r>
-              <a:rPr lang="en-US" dirty="0" smtClean="0"/>
-              <a:t> </a:t>
-            </a:r>
-            <a:r>
-              <a:rPr lang="en-US" dirty="0" err="1" smtClean="0"/>
-              <a:t>trên</a:t>
-            </a:r>
-            <a:r>
-              <a:rPr lang="en-US" dirty="0" smtClean="0"/>
-              <a:t> </a:t>
-            </a:r>
-            <a:r>
-              <a:rPr lang="en-US" dirty="0" err="1" smtClean="0"/>
-              <a:t>các</a:t>
-            </a:r>
-            <a:r>
-              <a:rPr lang="en-US" dirty="0" smtClean="0"/>
-              <a:t> </a:t>
-            </a:r>
-            <a:r>
-              <a:rPr lang="en-US" dirty="0" err="1" smtClean="0"/>
-              <a:t>câu</a:t>
-            </a:r>
-            <a:r>
-              <a:rPr lang="en-US" dirty="0" smtClean="0"/>
-              <a:t> </a:t>
-            </a:r>
-            <a:r>
-              <a:rPr lang="en-US" dirty="0" err="1" smtClean="0"/>
-              <a:t>dài</a:t>
-            </a:r>
-            <a:r>
-              <a:rPr lang="en-US" dirty="0" smtClean="0"/>
-              <a:t> </a:t>
-            </a:r>
-            <a:r>
-              <a:rPr lang="en-US" dirty="0" err="1" smtClean="0"/>
-              <a:t>không</a:t>
-            </a:r>
-            <a:r>
-              <a:rPr lang="en-US" dirty="0" smtClean="0"/>
-              <a:t> </a:t>
-            </a:r>
-            <a:r>
-              <a:rPr lang="en-US" dirty="0" err="1" smtClean="0"/>
-              <a:t>được</a:t>
-            </a:r>
-            <a:r>
-              <a:rPr lang="en-US" dirty="0" smtClean="0"/>
-              <a:t> </a:t>
-            </a:r>
-            <a:r>
-              <a:rPr lang="en-US" dirty="0" err="1" smtClean="0"/>
-              <a:t>tốt</a:t>
-            </a:r>
-            <a:r>
-              <a:rPr lang="en-US" dirty="0" smtClean="0"/>
-              <a:t>.</a:t>
-            </a:r>
-          </a:p>
-          <a:p>
-            <a:r>
-              <a:rPr lang="en-US" dirty="0" err="1" smtClean="0"/>
-              <a:t>Mặc</a:t>
-            </a:r>
-            <a:r>
-              <a:rPr lang="en-US" dirty="0" smtClean="0"/>
-              <a:t> </a:t>
-            </a:r>
-            <a:r>
-              <a:rPr lang="en-US" dirty="0" err="1" smtClean="0"/>
-              <a:t>dù</a:t>
-            </a:r>
-            <a:r>
-              <a:rPr lang="en-US" dirty="0" smtClean="0"/>
-              <a:t> </a:t>
-            </a:r>
-            <a:r>
-              <a:rPr lang="en-US" dirty="0" err="1" smtClean="0"/>
-              <a:t>sử</a:t>
-            </a:r>
-            <a:r>
-              <a:rPr lang="en-US" dirty="0" smtClean="0"/>
-              <a:t> </a:t>
-            </a:r>
-            <a:r>
-              <a:rPr lang="en-US" dirty="0" err="1" smtClean="0"/>
-              <a:t>dụng</a:t>
-            </a:r>
-            <a:r>
-              <a:rPr lang="en-US" dirty="0" smtClean="0"/>
-              <a:t> LSTM </a:t>
-            </a:r>
-            <a:r>
-              <a:rPr lang="en-US" dirty="0" err="1" smtClean="0"/>
-              <a:t>để</a:t>
-            </a:r>
-            <a:r>
-              <a:rPr lang="en-US" dirty="0" smtClean="0"/>
-              <a:t> </a:t>
-            </a:r>
-            <a:r>
-              <a:rPr lang="en-US" dirty="0" err="1" smtClean="0"/>
-              <a:t>khắc</a:t>
-            </a:r>
-            <a:r>
-              <a:rPr lang="en-US" dirty="0" smtClean="0"/>
-              <a:t> </a:t>
-            </a:r>
-            <a:r>
-              <a:rPr lang="en-US" dirty="0" err="1" smtClean="0"/>
-              <a:t>phục</a:t>
-            </a:r>
-            <a:r>
-              <a:rPr lang="en-US" dirty="0" smtClean="0"/>
-              <a:t> </a:t>
-            </a:r>
-            <a:r>
-              <a:rPr lang="en-US" dirty="0" err="1" smtClean="0"/>
-              <a:t>nhưng</a:t>
-            </a:r>
-            <a:r>
-              <a:rPr lang="en-US" dirty="0" smtClean="0"/>
-              <a:t> </a:t>
-            </a:r>
-            <a:r>
-              <a:rPr lang="en-US" dirty="0" err="1" smtClean="0"/>
-              <a:t>như</a:t>
-            </a:r>
-            <a:r>
-              <a:rPr lang="en-US" dirty="0" smtClean="0"/>
-              <a:t> </a:t>
-            </a:r>
-            <a:r>
-              <a:rPr lang="en-US" dirty="0" err="1" smtClean="0"/>
-              <a:t>thế</a:t>
-            </a:r>
-            <a:r>
-              <a:rPr lang="en-US" dirty="0" smtClean="0"/>
-              <a:t> </a:t>
-            </a:r>
-            <a:r>
-              <a:rPr lang="en-US" dirty="0" err="1" smtClean="0"/>
-              <a:t>vẫn</a:t>
-            </a:r>
-            <a:r>
-              <a:rPr lang="en-US" dirty="0" smtClean="0"/>
-              <a:t> </a:t>
-            </a:r>
-            <a:r>
-              <a:rPr lang="en-US" dirty="0" err="1" smtClean="0"/>
-              <a:t>chưa</a:t>
-            </a:r>
-            <a:r>
-              <a:rPr lang="en-US" dirty="0" smtClean="0"/>
-              <a:t> </a:t>
-            </a:r>
-            <a:r>
-              <a:rPr lang="en-US" dirty="0" err="1" smtClean="0"/>
-              <a:t>đủ</a:t>
-            </a:r>
-            <a:r>
-              <a:rPr lang="en-US" dirty="0" smtClean="0"/>
-              <a:t>, </a:t>
-            </a:r>
-            <a:r>
-              <a:rPr lang="en-US" dirty="0" err="1" smtClean="0"/>
-              <a:t>đặc</a:t>
-            </a:r>
-            <a:r>
-              <a:rPr lang="en-US" dirty="0" smtClean="0"/>
-              <a:t> </a:t>
-            </a:r>
-            <a:r>
-              <a:rPr lang="en-US" dirty="0" err="1" smtClean="0"/>
-              <a:t>biệt</a:t>
-            </a:r>
-            <a:r>
-              <a:rPr lang="en-US" dirty="0" smtClean="0"/>
-              <a:t> </a:t>
-            </a:r>
-            <a:r>
-              <a:rPr lang="en-US" dirty="0" err="1" smtClean="0"/>
-              <a:t>đối</a:t>
-            </a:r>
-            <a:r>
-              <a:rPr lang="en-US" dirty="0" smtClean="0"/>
-              <a:t> </a:t>
-            </a:r>
-            <a:r>
-              <a:rPr lang="en-US" dirty="0" err="1" smtClean="0"/>
-              <a:t>với</a:t>
-            </a:r>
-            <a:r>
-              <a:rPr lang="en-US" dirty="0" smtClean="0"/>
-              <a:t> </a:t>
-            </a:r>
-            <a:r>
-              <a:rPr lang="en-US" dirty="0" err="1" smtClean="0"/>
-              <a:t>những</a:t>
-            </a:r>
-            <a:r>
-              <a:rPr lang="en-US" dirty="0" smtClean="0"/>
-              <a:t> </a:t>
-            </a:r>
-            <a:r>
-              <a:rPr lang="en-US" dirty="0" err="1" smtClean="0"/>
-              <a:t>câu</a:t>
-            </a:r>
-            <a:r>
-              <a:rPr lang="en-US" dirty="0" smtClean="0"/>
-              <a:t> </a:t>
-            </a:r>
-            <a:r>
-              <a:rPr lang="en-US" dirty="0" err="1" smtClean="0"/>
-              <a:t>dài</a:t>
-            </a:r>
-            <a:r>
-              <a:rPr lang="en-US" dirty="0" smtClean="0"/>
-              <a:t> </a:t>
-            </a:r>
-            <a:r>
-              <a:rPr lang="en-US" dirty="0" err="1" smtClean="0"/>
-              <a:t>hơn</a:t>
-            </a:r>
-            <a:r>
-              <a:rPr lang="en-US" dirty="0" smtClean="0"/>
-              <a:t> </a:t>
-            </a:r>
-            <a:r>
-              <a:rPr lang="en-US" dirty="0" err="1" smtClean="0"/>
-              <a:t>những</a:t>
-            </a:r>
-            <a:r>
-              <a:rPr lang="en-US" dirty="0" smtClean="0"/>
-              <a:t> </a:t>
-            </a:r>
-            <a:r>
-              <a:rPr lang="en-US" dirty="0" err="1" smtClean="0"/>
-              <a:t>câu</a:t>
-            </a:r>
-            <a:r>
-              <a:rPr lang="en-US" dirty="0" smtClean="0"/>
-              <a:t> </a:t>
-            </a:r>
-            <a:r>
-              <a:rPr lang="en-US" dirty="0" err="1" smtClean="0"/>
-              <a:t>trong</a:t>
-            </a:r>
-            <a:r>
-              <a:rPr lang="en-US" dirty="0" smtClean="0"/>
-              <a:t> training data.</a:t>
-            </a:r>
-          </a:p>
-          <a:p>
-            <a:r>
-              <a:rPr lang="en-US" dirty="0" err="1" smtClean="0"/>
-              <a:t>Cơ</a:t>
-            </a:r>
-            <a:r>
-              <a:rPr lang="en-US" dirty="0" smtClean="0"/>
-              <a:t> </a:t>
-            </a:r>
-            <a:r>
-              <a:rPr lang="en-US" dirty="0" err="1" smtClean="0"/>
-              <a:t>chế</a:t>
-            </a:r>
-            <a:r>
-              <a:rPr lang="en-US" dirty="0" smtClean="0"/>
-              <a:t> Attention </a:t>
-            </a:r>
-            <a:r>
-              <a:rPr lang="en-US" dirty="0" err="1" smtClean="0"/>
-              <a:t>được</a:t>
-            </a:r>
-            <a:r>
-              <a:rPr lang="en-US" dirty="0" smtClean="0"/>
-              <a:t> </a:t>
-            </a:r>
-            <a:r>
-              <a:rPr lang="en-US" dirty="0" err="1" smtClean="0"/>
-              <a:t>ra</a:t>
-            </a:r>
-            <a:r>
-              <a:rPr lang="en-US" dirty="0" smtClean="0"/>
-              <a:t> </a:t>
-            </a:r>
-            <a:r>
-              <a:rPr lang="en-US" dirty="0" err="1" smtClean="0"/>
-              <a:t>đời</a:t>
-            </a:r>
-            <a:r>
-              <a:rPr lang="en-US" dirty="0" smtClean="0"/>
-              <a:t> </a:t>
-            </a:r>
-            <a:r>
-              <a:rPr lang="en-US" dirty="0" err="1" smtClean="0"/>
-              <a:t>để</a:t>
-            </a:r>
-            <a:r>
-              <a:rPr lang="en-US" dirty="0" smtClean="0"/>
-              <a:t> </a:t>
-            </a:r>
-            <a:r>
-              <a:rPr lang="en-US" dirty="0" err="1" smtClean="0"/>
-              <a:t>tập</a:t>
-            </a:r>
-            <a:r>
-              <a:rPr lang="en-US" dirty="0" smtClean="0"/>
-              <a:t> </a:t>
-            </a:r>
-            <a:r>
-              <a:rPr lang="en-US" dirty="0" err="1" smtClean="0"/>
-              <a:t>trung</a:t>
-            </a:r>
-            <a:r>
-              <a:rPr lang="en-US" dirty="0" smtClean="0"/>
-              <a:t> </a:t>
-            </a:r>
-            <a:r>
-              <a:rPr lang="en-US" dirty="0" err="1" smtClean="0"/>
-              <a:t>vào</a:t>
-            </a:r>
-            <a:r>
-              <a:rPr lang="en-US" dirty="0" smtClean="0"/>
-              <a:t> </a:t>
-            </a:r>
-            <a:r>
-              <a:rPr lang="en-US" dirty="0" err="1" smtClean="0"/>
-              <a:t>những</a:t>
-            </a:r>
-            <a:r>
-              <a:rPr lang="en-US" dirty="0" smtClean="0"/>
-              <a:t> </a:t>
-            </a:r>
-            <a:r>
-              <a:rPr lang="en-US" dirty="0" err="1" smtClean="0"/>
-              <a:t>điểm</a:t>
-            </a:r>
-            <a:r>
-              <a:rPr lang="en-US" dirty="0" smtClean="0"/>
-              <a:t> </a:t>
-            </a:r>
-            <a:r>
-              <a:rPr lang="en-US" dirty="0" err="1" smtClean="0"/>
-              <a:t>quan</a:t>
-            </a:r>
-            <a:r>
-              <a:rPr lang="en-US" dirty="0" smtClean="0"/>
-              <a:t> </a:t>
-            </a:r>
-            <a:r>
-              <a:rPr lang="en-US" dirty="0" err="1" smtClean="0"/>
-              <a:t>trọng</a:t>
-            </a:r>
-            <a:r>
-              <a:rPr lang="en-US" dirty="0" smtClean="0"/>
-              <a:t>.</a:t>
-            </a:r>
-          </a:p>
-          <a:p>
             <a:endParaRPr lang="en-US" dirty="0"/>
           </a:p>
         </p:txBody>
@@ -2245,7 +2321,7 @@
           <a:p>
             <a:fld id="{44CF70D3-9041-48DD-9E8A-0C341DA28422}" type="slidenum">
               <a:rPr lang="en-US" smtClean="0"/>
-              <a:t>30</a:t>
+              <a:t>20</a:t>
             </a:fld>
             <a:endParaRPr lang="en-US"/>
           </a:p>
@@ -2254,7 +2330,7 @@
     </p:spTree>
     <p:extLst>
       <p:ext uri="{BB962C8B-B14F-4D97-AF65-F5344CB8AC3E}">
-        <p14:creationId xmlns:p14="http://schemas.microsoft.com/office/powerpoint/2010/main" val="689863528"/>
+        <p14:creationId xmlns:p14="http://schemas.microsoft.com/office/powerpoint/2010/main" val="2286187664"/>
       </p:ext>
     </p:extLst>
   </p:cSld>
@@ -2395,7 +2471,7 @@
           <a:p>
             <a:fld id="{39D2FFFB-7BDC-4052-BCDC-FD3C89D9EC6A}" type="datetime1">
               <a:rPr lang="en-US" smtClean="0"/>
-              <a:t>7/3/2019</a:t>
+              <a:t>7/5/2019</a:t>
             </a:fld>
             <a:endParaRPr lang="en-US"/>
           </a:p>
@@ -2565,7 +2641,7 @@
           <a:p>
             <a:fld id="{482699E5-AAD6-4B08-BC67-6CE890485134}" type="datetime1">
               <a:rPr lang="en-US" smtClean="0"/>
-              <a:t>7/3/2019</a:t>
+              <a:t>7/5/2019</a:t>
             </a:fld>
             <a:endParaRPr lang="en-US"/>
           </a:p>
@@ -2745,7 +2821,7 @@
           <a:p>
             <a:fld id="{57B9D326-C4DC-4AAA-8602-228CAB3A692B}" type="datetime1">
               <a:rPr lang="en-US" smtClean="0"/>
-              <a:t>7/3/2019</a:t>
+              <a:t>7/5/2019</a:t>
             </a:fld>
             <a:endParaRPr lang="en-US"/>
           </a:p>
@@ -2915,7 +2991,7 @@
           <a:p>
             <a:fld id="{FB2783C8-3C7F-4490-9FF2-BF21425F945D}" type="datetime1">
               <a:rPr lang="en-US" smtClean="0"/>
-              <a:t>7/3/2019</a:t>
+              <a:t>7/5/2019</a:t>
             </a:fld>
             <a:endParaRPr lang="en-US"/>
           </a:p>
@@ -3161,7 +3237,7 @@
           <a:p>
             <a:fld id="{7247E8F2-12BB-448A-B38D-AC0EE80EF1D1}" type="datetime1">
               <a:rPr lang="en-US" smtClean="0"/>
-              <a:t>7/3/2019</a:t>
+              <a:t>7/5/2019</a:t>
             </a:fld>
             <a:endParaRPr lang="en-US"/>
           </a:p>
@@ -3393,7 +3469,7 @@
           <a:p>
             <a:fld id="{07620FCC-DEBC-4729-B887-CEA3B30C1F2B}" type="datetime1">
               <a:rPr lang="en-US" smtClean="0"/>
-              <a:t>7/3/2019</a:t>
+              <a:t>7/5/2019</a:t>
             </a:fld>
             <a:endParaRPr lang="en-US"/>
           </a:p>
@@ -3760,7 +3836,7 @@
           <a:p>
             <a:fld id="{FE70F1F3-C6EC-4048-975F-FEA433B8B14C}" type="datetime1">
               <a:rPr lang="en-US" smtClean="0"/>
-              <a:t>7/3/2019</a:t>
+              <a:t>7/5/2019</a:t>
             </a:fld>
             <a:endParaRPr lang="en-US"/>
           </a:p>
@@ -3878,7 +3954,7 @@
           <a:p>
             <a:fld id="{C6BE0E4E-7FD1-4E5E-BF81-EC0B147FBC25}" type="datetime1">
               <a:rPr lang="en-US" smtClean="0"/>
-              <a:t>7/3/2019</a:t>
+              <a:t>7/5/2019</a:t>
             </a:fld>
             <a:endParaRPr lang="en-US"/>
           </a:p>
@@ -3973,7 +4049,7 @@
           <a:p>
             <a:fld id="{DCA21B46-F4CA-4B85-9EAF-D69856D20EA9}" type="datetime1">
               <a:rPr lang="en-US" smtClean="0"/>
-              <a:t>7/3/2019</a:t>
+              <a:t>7/5/2019</a:t>
             </a:fld>
             <a:endParaRPr lang="en-US"/>
           </a:p>
@@ -4250,7 +4326,7 @@
           <a:p>
             <a:fld id="{7E675BAB-428C-444F-9C2B-B4592E3C6E77}" type="datetime1">
               <a:rPr lang="en-US" smtClean="0"/>
-              <a:t>7/3/2019</a:t>
+              <a:t>7/5/2019</a:t>
             </a:fld>
             <a:endParaRPr lang="en-US"/>
           </a:p>
@@ -4503,7 +4579,7 @@
           <a:p>
             <a:fld id="{A8752FDE-5C7E-4030-87F1-A6DAAD83A6A2}" type="datetime1">
               <a:rPr lang="en-US" smtClean="0"/>
-              <a:t>7/3/2019</a:t>
+              <a:t>7/5/2019</a:t>
             </a:fld>
             <a:endParaRPr lang="en-US"/>
           </a:p>
@@ -4716,7 +4792,7 @@
           <a:p>
             <a:fld id="{1FAA0E55-871C-45B3-866B-738062D294EF}" type="datetime1">
               <a:rPr lang="en-US" smtClean="0"/>
-              <a:t>7/3/2019</a:t>
+              <a:t>7/5/2019</a:t>
             </a:fld>
             <a:endParaRPr lang="en-US"/>
           </a:p>
@@ -6203,11 +6279,6 @@
               </a:rPr>
               <a:t> (CNN)</a:t>
             </a:r>
-            <a:endParaRPr lang="en-US" dirty="0">
-              <a:solidFill>
-                <a:schemeClr val="bg1"/>
-              </a:solidFill>
-            </a:endParaRPr>
           </a:p>
         </p:txBody>
       </p:sp>
@@ -6232,7 +6303,7 @@
 </file>
 
 <file path=ppt/slides/slide11.xml><?xml version="1.0" encoding="utf-8"?>
-<p:sld xmlns:a="http://schemas.openxmlformats.org/drawingml/2006/main" xmlns:r="http://schemas.openxmlformats.org/officeDocument/2006/relationships" xmlns:p="http://schemas.openxmlformats.org/presentationml/2006/main">
+<p:sld xmlns:a="http://schemas.openxmlformats.org/drawingml/2006/main" xmlns:r="http://schemas.openxmlformats.org/officeDocument/2006/relationships" xmlns:p="http://schemas.openxmlformats.org/presentationml/2006/main" show="0">
   <p:cSld>
     <p:spTree>
       <p:nvGrpSpPr>
@@ -6566,6 +6637,14 @@
   <p:clrMapOvr>
     <a:masterClrMapping/>
   </p:clrMapOvr>
+  <mc:AlternateContent xmlns:mc="http://schemas.openxmlformats.org/markup-compatibility/2006">
+    <mc:Choice xmlns:p14="http://schemas.microsoft.com/office/powerpoint/2010/main" Requires="p14">
+      <p:transition spd="slow" p14:dur="2000"/>
+    </mc:Choice>
+    <mc:Fallback>
+      <p:transition spd="slow"/>
+    </mc:Fallback>
+  </mc:AlternateContent>
   <p:timing>
     <p:tnLst>
       <p:par>
@@ -8052,11 +8131,6 @@
               </a:rPr>
               <a:t>)</a:t>
             </a:r>
-            <a:endParaRPr lang="en-US" dirty="0">
-              <a:solidFill>
-                <a:schemeClr val="bg1"/>
-              </a:solidFill>
-            </a:endParaRPr>
           </a:p>
         </p:txBody>
       </p:sp>
@@ -8097,8 +8171,8 @@
           <a:chExt cx="0" cy="0"/>
         </a:xfrm>
       </p:grpSpPr>
-      <mc:AlternateContent xmlns:mc="http://schemas.openxmlformats.org/markup-compatibility/2006">
-        <mc:Choice xmlns:a14="http://schemas.microsoft.com/office/drawing/2010/main" Requires="a14">
+      <mc:AlternateContent xmlns:mc="http://schemas.openxmlformats.org/markup-compatibility/2006" xmlns:a14="http://schemas.microsoft.com/office/drawing/2010/main">
+        <mc:Choice Requires="a14">
           <p:sp>
             <p:nvSpPr>
               <p:cNvPr id="3" name="Content Placeholder 2"/>
@@ -8407,7 +8481,7 @@
             </p:txBody>
           </p:sp>
         </mc:Choice>
-        <mc:Fallback>
+        <mc:Fallback xmlns="">
           <p:sp>
             <p:nvSpPr>
               <p:cNvPr id="3" name="Content Placeholder 2"/>
@@ -8652,11 +8726,6 @@
               </a:rPr>
               <a:t>)</a:t>
             </a:r>
-            <a:endParaRPr lang="en-US" dirty="0">
-              <a:solidFill>
-                <a:schemeClr val="bg1"/>
-              </a:solidFill>
-            </a:endParaRPr>
           </a:p>
         </p:txBody>
       </p:sp>
@@ -8697,8 +8766,8 @@
           <a:chExt cx="0" cy="0"/>
         </a:xfrm>
       </p:grpSpPr>
-      <mc:AlternateContent xmlns:mc="http://schemas.openxmlformats.org/markup-compatibility/2006">
-        <mc:Choice xmlns:a14="http://schemas.microsoft.com/office/drawing/2010/main" Requires="a14">
+      <mc:AlternateContent xmlns:mc="http://schemas.openxmlformats.org/markup-compatibility/2006" xmlns:a14="http://schemas.microsoft.com/office/drawing/2010/main">
+        <mc:Choice Requires="a14">
           <p:sp>
             <p:nvSpPr>
               <p:cNvPr id="3" name="Content Placeholder 2"/>
@@ -9230,7 +9299,7 @@
             </p:txBody>
           </p:sp>
         </mc:Choice>
-        <mc:Fallback>
+        <mc:Fallback xmlns="">
           <p:sp>
             <p:nvSpPr>
               <p:cNvPr id="3" name="Content Placeholder 2"/>
@@ -9442,11 +9511,6 @@
               </a:rPr>
               <a:t>)</a:t>
             </a:r>
-            <a:endParaRPr lang="en-US" dirty="0">
-              <a:solidFill>
-                <a:schemeClr val="bg1"/>
-              </a:solidFill>
-            </a:endParaRPr>
           </a:p>
         </p:txBody>
       </p:sp>
@@ -11109,11 +11173,6 @@
               </a:rPr>
               <a:t> neural Long-Short term memory (LSTM)</a:t>
             </a:r>
-            <a:endParaRPr lang="en-US" dirty="0">
-              <a:solidFill>
-                <a:schemeClr val="bg1"/>
-              </a:solidFill>
-            </a:endParaRPr>
           </a:p>
         </p:txBody>
       </p:sp>
@@ -11632,6 +11691,10 @@
           <a:bodyPr/>
           <a:lstStyle/>
           <a:p>
+            <a:pPr marL="514350" indent="-514350">
+              <a:buFont typeface="+mj-lt"/>
+              <a:buAutoNum type="arabicPeriod"/>
+            </a:pPr>
             <a:r>
               <a:rPr lang="en-US" dirty="0" err="1" smtClean="0"/>
               <a:t>Giới</a:t>
@@ -11655,6 +11718,10 @@
             <a:endParaRPr lang="en-US" dirty="0" smtClean="0"/>
           </a:p>
           <a:p>
+            <a:pPr marL="514350" indent="-514350">
+              <a:buFont typeface="+mj-lt"/>
+              <a:buAutoNum type="arabicPeriod"/>
+            </a:pPr>
             <a:r>
               <a:rPr lang="en-US" dirty="0" err="1" smtClean="0"/>
               <a:t>Giới</a:t>
@@ -11726,6 +11793,10 @@
             <a:endParaRPr lang="en-US" dirty="0" smtClean="0"/>
           </a:p>
           <a:p>
+            <a:pPr marL="514350" indent="-514350">
+              <a:buFont typeface="+mj-lt"/>
+              <a:buAutoNum type="arabicPeriod"/>
+            </a:pPr>
             <a:r>
               <a:rPr lang="en-US" dirty="0" err="1" smtClean="0"/>
               <a:t>Các</a:t>
@@ -11752,11 +11823,7 @@
             </a:r>
             <a:r>
               <a:rPr lang="en-US" dirty="0" err="1" smtClean="0"/>
-              <a:t>m</a:t>
-            </a:r>
-            <a:r>
-              <a:rPr lang="en-US" dirty="0" err="1" smtClean="0"/>
-              <a:t>ạng</a:t>
+              <a:t>mạng</a:t>
             </a:r>
             <a:r>
               <a:rPr lang="en-US" dirty="0" smtClean="0"/>
@@ -11764,6 +11831,10 @@
             </a:r>
           </a:p>
           <a:p>
+            <a:pPr marL="514350" indent="-514350">
+              <a:buFont typeface="+mj-lt"/>
+              <a:buAutoNum type="arabicPeriod"/>
+            </a:pPr>
             <a:r>
               <a:rPr lang="en-US" dirty="0" err="1" smtClean="0"/>
               <a:t>Giới</a:t>
@@ -11782,11 +11853,7 @@
             </a:r>
             <a:r>
               <a:rPr lang="en-US" dirty="0" err="1" smtClean="0"/>
-              <a:t>c</a:t>
-            </a:r>
-            <a:r>
-              <a:rPr lang="en-US" dirty="0" err="1" smtClean="0"/>
-              <a:t>ơ</a:t>
+              <a:t>cơ</a:t>
             </a:r>
             <a:r>
               <a:rPr lang="en-US" dirty="0" smtClean="0"/>
@@ -11802,6 +11869,10 @@
             </a:r>
           </a:p>
           <a:p>
+            <a:pPr marL="514350" indent="-514350">
+              <a:buFont typeface="+mj-lt"/>
+              <a:buAutoNum type="arabicPeriod"/>
+            </a:pPr>
             <a:r>
               <a:rPr lang="en-US" dirty="0" err="1" smtClean="0"/>
               <a:t>Thực</a:t>
@@ -11828,6 +11899,10 @@
             </a:r>
           </a:p>
           <a:p>
+            <a:pPr marL="514350" indent="-514350">
+              <a:buFont typeface="+mj-lt"/>
+              <a:buAutoNum type="arabicPeriod"/>
+            </a:pPr>
             <a:r>
               <a:rPr lang="en-US" dirty="0" err="1" smtClean="0"/>
               <a:t>Kết</a:t>
@@ -11867,6 +11942,10 @@
             <a:endParaRPr lang="en-US" dirty="0" smtClean="0"/>
           </a:p>
           <a:p>
+            <a:pPr marL="514350" indent="-514350">
+              <a:buFont typeface="+mj-lt"/>
+              <a:buAutoNum type="arabicPeriod"/>
+            </a:pPr>
             <a:r>
               <a:rPr lang="en-US" dirty="0" smtClean="0"/>
               <a:t>Demo</a:t>
@@ -11962,11 +12041,7 @@
             </a:pPr>
             <a:r>
               <a:rPr lang="en-US" b="1" dirty="0" smtClean="0"/>
-              <a:t>Công</a:t>
-            </a:r>
-            <a:r>
-              <a:rPr lang="en-US" b="1" dirty="0" smtClean="0"/>
-              <a:t> </a:t>
+              <a:t>Công </a:t>
             </a:r>
             <a:r>
               <a:rPr lang="en-US" b="1" dirty="0" err="1" smtClean="0"/>
@@ -12247,11 +12322,7 @@
             </a:pPr>
             <a:r>
               <a:rPr lang="en-US" sz="2000" i="1" dirty="0" smtClean="0"/>
-              <a:t>g </a:t>
-            </a:r>
-            <a:r>
-              <a:rPr lang="en-US" sz="2000" i="1" dirty="0" smtClean="0"/>
-              <a:t>= </a:t>
+              <a:t>g = </a:t>
             </a:r>
             <a:r>
               <a:rPr lang="en-US" sz="2000" i="1" dirty="0" err="1"/>
@@ -12816,11 +12887,6 @@
               </a:rPr>
               <a:t> neural Long-Short term memory (LSTM)</a:t>
             </a:r>
-            <a:endParaRPr lang="en-US" dirty="0">
-              <a:solidFill>
-                <a:schemeClr val="bg1"/>
-              </a:solidFill>
-            </a:endParaRPr>
           </a:p>
         </p:txBody>
       </p:sp>
@@ -12845,7 +12911,7 @@
 </file>
 
 <file path=ppt/slides/slide21.xml><?xml version="1.0" encoding="utf-8"?>
-<p:sld xmlns:a="http://schemas.openxmlformats.org/drawingml/2006/main" xmlns:r="http://schemas.openxmlformats.org/officeDocument/2006/relationships" xmlns:p="http://schemas.openxmlformats.org/presentationml/2006/main">
+<p:sld xmlns:a="http://schemas.openxmlformats.org/drawingml/2006/main" xmlns:r="http://schemas.openxmlformats.org/officeDocument/2006/relationships" xmlns:p="http://schemas.openxmlformats.org/presentationml/2006/main" show="0">
   <p:cSld>
     <p:spTree>
       <p:nvGrpSpPr>
@@ -13989,11 +14055,6 @@
               </a:rPr>
               <a:t> neural Long-Short term memory (LSTM)</a:t>
             </a:r>
-            <a:endParaRPr lang="en-US" dirty="0">
-              <a:solidFill>
-                <a:schemeClr val="bg1"/>
-              </a:solidFill>
-            </a:endParaRPr>
           </a:p>
         </p:txBody>
       </p:sp>
@@ -14007,6 +14068,14 @@
   <p:clrMapOvr>
     <a:masterClrMapping/>
   </p:clrMapOvr>
+  <mc:AlternateContent xmlns:mc="http://schemas.openxmlformats.org/markup-compatibility/2006">
+    <mc:Choice xmlns:p14="http://schemas.microsoft.com/office/powerpoint/2010/main" Requires="p14">
+      <p:transition spd="slow" p14:dur="2000"/>
+    </mc:Choice>
+    <mc:Fallback>
+      <p:transition spd="slow"/>
+    </mc:Fallback>
+  </mc:AlternateContent>
   <p:timing>
     <p:tnLst>
       <p:par>
@@ -14018,7 +14087,7 @@
 </file>
 
 <file path=ppt/slides/slide22.xml><?xml version="1.0" encoding="utf-8"?>
-<p:sld xmlns:a="http://schemas.openxmlformats.org/drawingml/2006/main" xmlns:r="http://schemas.openxmlformats.org/officeDocument/2006/relationships" xmlns:p="http://schemas.openxmlformats.org/presentationml/2006/main">
+<p:sld xmlns:a="http://schemas.openxmlformats.org/drawingml/2006/main" xmlns:r="http://schemas.openxmlformats.org/officeDocument/2006/relationships" xmlns:p="http://schemas.openxmlformats.org/presentationml/2006/main" show="0">
   <p:cSld>
     <p:spTree>
       <p:nvGrpSpPr>
@@ -14967,11 +15036,6 @@
               </a:rPr>
               <a:t> neural Long-Short term memory (LSTM)</a:t>
             </a:r>
-            <a:endParaRPr lang="en-US" dirty="0">
-              <a:solidFill>
-                <a:schemeClr val="bg1"/>
-              </a:solidFill>
-            </a:endParaRPr>
           </a:p>
         </p:txBody>
       </p:sp>
@@ -14985,6 +15049,14 @@
   <p:clrMapOvr>
     <a:masterClrMapping/>
   </p:clrMapOvr>
+  <mc:AlternateContent xmlns:mc="http://schemas.openxmlformats.org/markup-compatibility/2006">
+    <mc:Choice xmlns:p14="http://schemas.microsoft.com/office/powerpoint/2010/main" Requires="p14">
+      <p:transition spd="slow" p14:dur="2000"/>
+    </mc:Choice>
+    <mc:Fallback>
+      <p:transition spd="slow"/>
+    </mc:Fallback>
+  </mc:AlternateContent>
   <p:timing>
     <p:tnLst>
       <p:par>
@@ -15711,7 +15783,7 @@
 </file>
 
 <file path=ppt/slides/slide24.xml><?xml version="1.0" encoding="utf-8"?>
-<p:sld xmlns:a="http://schemas.openxmlformats.org/drawingml/2006/main" xmlns:r="http://schemas.openxmlformats.org/officeDocument/2006/relationships" xmlns:p="http://schemas.openxmlformats.org/presentationml/2006/main">
+<p:sld xmlns:a="http://schemas.openxmlformats.org/drawingml/2006/main" xmlns:r="http://schemas.openxmlformats.org/officeDocument/2006/relationships" xmlns:p="http://schemas.openxmlformats.org/presentationml/2006/main" show="0">
   <p:cSld>
     <p:spTree>
       <p:nvGrpSpPr>
@@ -15945,11 +16017,6 @@
               </a:rPr>
               <a:t>)</a:t>
             </a:r>
-            <a:endParaRPr lang="en-US" dirty="0">
-              <a:solidFill>
-                <a:schemeClr val="bg1"/>
-              </a:solidFill>
-            </a:endParaRPr>
           </a:p>
         </p:txBody>
       </p:sp>
@@ -15963,6 +16030,14 @@
   <p:clrMapOvr>
     <a:masterClrMapping/>
   </p:clrMapOvr>
+  <mc:AlternateContent xmlns:mc="http://schemas.openxmlformats.org/markup-compatibility/2006" xmlns:p14="http://schemas.microsoft.com/office/powerpoint/2010/main">
+    <mc:Choice Requires="p14">
+      <p:transition spd="slow" p14:dur="2000"/>
+    </mc:Choice>
+    <mc:Fallback xmlns="">
+      <p:transition spd="slow"/>
+    </mc:Fallback>
+  </mc:AlternateContent>
   <p:timing>
     <p:tnLst>
       <p:par>
@@ -16088,7 +16163,7 @@
 </file>
 
 <file path=ppt/slides/slide25.xml><?xml version="1.0" encoding="utf-8"?>
-<p:sld xmlns:a="http://schemas.openxmlformats.org/drawingml/2006/main" xmlns:r="http://schemas.openxmlformats.org/officeDocument/2006/relationships" xmlns:p="http://schemas.openxmlformats.org/presentationml/2006/main">
+<p:sld xmlns:a="http://schemas.openxmlformats.org/drawingml/2006/main" xmlns:r="http://schemas.openxmlformats.org/officeDocument/2006/relationships" xmlns:p="http://schemas.openxmlformats.org/presentationml/2006/main" show="0">
   <p:cSld>
     <p:spTree>
       <p:nvGrpSpPr>
@@ -16965,6 +17040,14 @@
   <p:clrMapOvr>
     <a:masterClrMapping/>
   </p:clrMapOvr>
+  <mc:AlternateContent xmlns:mc="http://schemas.openxmlformats.org/markup-compatibility/2006" xmlns:p14="http://schemas.microsoft.com/office/powerpoint/2010/main">
+    <mc:Choice Requires="p14">
+      <p:transition spd="slow" p14:dur="2000"/>
+    </mc:Choice>
+    <mc:Fallback xmlns="">
+      <p:transition spd="slow"/>
+    </mc:Fallback>
+  </mc:AlternateContent>
   <p:timing>
     <p:tnLst>
       <p:par>
@@ -16976,7 +17059,7 @@
 </file>
 
 <file path=ppt/slides/slide26.xml><?xml version="1.0" encoding="utf-8"?>
-<p:sld xmlns:a="http://schemas.openxmlformats.org/drawingml/2006/main" xmlns:r="http://schemas.openxmlformats.org/officeDocument/2006/relationships" xmlns:p="http://schemas.openxmlformats.org/presentationml/2006/main">
+<p:sld xmlns:a="http://schemas.openxmlformats.org/drawingml/2006/main" xmlns:r="http://schemas.openxmlformats.org/officeDocument/2006/relationships" xmlns:p="http://schemas.openxmlformats.org/presentationml/2006/main" show="0">
   <p:cSld>
     <p:spTree>
       <p:nvGrpSpPr>
@@ -17112,6 +17195,14 @@
   <p:clrMapOvr>
     <a:masterClrMapping/>
   </p:clrMapOvr>
+  <mc:AlternateContent xmlns:mc="http://schemas.openxmlformats.org/markup-compatibility/2006" xmlns:p14="http://schemas.microsoft.com/office/powerpoint/2010/main">
+    <mc:Choice Requires="p14">
+      <p:transition spd="slow" p14:dur="2000"/>
+    </mc:Choice>
+    <mc:Fallback xmlns="">
+      <p:transition spd="slow"/>
+    </mc:Fallback>
+  </mc:AlternateContent>
   <p:timing>
     <p:tnLst>
       <p:par>
@@ -17123,7 +17214,7 @@
 </file>
 
 <file path=ppt/slides/slide27.xml><?xml version="1.0" encoding="utf-8"?>
-<p:sld xmlns:a="http://schemas.openxmlformats.org/drawingml/2006/main" xmlns:r="http://schemas.openxmlformats.org/officeDocument/2006/relationships" xmlns:p="http://schemas.openxmlformats.org/presentationml/2006/main">
+<p:sld xmlns:a="http://schemas.openxmlformats.org/drawingml/2006/main" xmlns:r="http://schemas.openxmlformats.org/officeDocument/2006/relationships" xmlns:p="http://schemas.openxmlformats.org/presentationml/2006/main" show="0">
   <p:cSld>
     <p:spTree>
       <p:nvGrpSpPr>
@@ -17196,6 +17287,14 @@
   <p:clrMapOvr>
     <a:masterClrMapping/>
   </p:clrMapOvr>
+  <mc:AlternateContent xmlns:mc="http://schemas.openxmlformats.org/markup-compatibility/2006" xmlns:p14="http://schemas.microsoft.com/office/powerpoint/2010/main">
+    <mc:Choice Requires="p14">
+      <p:transition spd="slow" p14:dur="2000"/>
+    </mc:Choice>
+    <mc:Fallback xmlns="">
+      <p:transition spd="slow"/>
+    </mc:Fallback>
+  </mc:AlternateContent>
   <p:timing>
     <p:tnLst>
       <p:par>
@@ -17223,8 +17322,8 @@
           <a:chExt cx="0" cy="0"/>
         </a:xfrm>
       </p:grpSpPr>
-      <mc:AlternateContent xmlns:mc="http://schemas.openxmlformats.org/markup-compatibility/2006">
-        <mc:Choice xmlns:a14="http://schemas.microsoft.com/office/drawing/2010/main" Requires="a14">
+      <mc:AlternateContent xmlns:mc="http://schemas.openxmlformats.org/markup-compatibility/2006" xmlns:a14="http://schemas.microsoft.com/office/drawing/2010/main">
+        <mc:Choice Requires="a14">
           <p:sp>
             <p:nvSpPr>
               <p:cNvPr id="3" name="Content Placeholder 2"/>
@@ -17566,7 +17665,6 @@
                   <a:rPr lang="en-US" dirty="0" smtClean="0"/>
                   <a:t>.</a:t>
                 </a:r>
-                <a:endParaRPr lang="en-US" dirty="0" smtClean="0"/>
               </a:p>
               <a:p>
                 <a:pPr algn="just"/>
@@ -17678,7 +17776,7 @@
             </p:txBody>
           </p:sp>
         </mc:Choice>
-        <mc:Fallback>
+        <mc:Fallback xmlns="">
           <p:sp>
             <p:nvSpPr>
               <p:cNvPr id="3" name="Content Placeholder 2"/>
@@ -18456,10 +18554,10 @@
           <a:lstStyle/>
           <a:p>
             <a:fld id="{DB8C5D70-793E-4376-AB60-C8387A2358A8}" type="slidenum">
-              <a:rPr lang="en-US" smtClean="0"/>
+              <a:rPr lang="en-US" sz="1800" smtClean="0"/>
               <a:t>29</a:t>
             </a:fld>
-            <a:endParaRPr lang="en-US"/>
+            <a:endParaRPr lang="en-US" sz="1800" dirty="0"/>
           </a:p>
         </p:txBody>
       </p:sp>
@@ -18891,8 +18989,16 @@
               <a:t>từ</a:t>
             </a:r>
             <a:r>
+              <a:rPr lang="id-ID" sz="2000" dirty="0" smtClean="0"/>
+              <a:t> trí tuệ</a:t>
+            </a:r>
+            <a:r>
               <a:rPr lang="en-US" sz="2000" dirty="0" smtClean="0"/>
-              <a:t> con </a:t>
+              <a:t> </a:t>
+            </a:r>
+            <a:r>
+              <a:rPr lang="en-US" sz="2000" dirty="0" smtClean="0"/>
+              <a:t>con </a:t>
             </a:r>
             <a:r>
               <a:rPr lang="en-US" sz="2000" dirty="0" err="1" smtClean="0"/>
@@ -18927,15 +19033,39 @@
             </a:r>
             <a:r>
               <a:rPr lang="en-US" sz="2000" i="1" dirty="0" smtClean="0"/>
-              <a:t>(Machine </a:t>
+              <a:t>(Machine Learning) </a:t>
             </a:r>
             <a:r>
               <a:rPr lang="en-US" sz="2000" i="1" dirty="0" smtClean="0"/>
-              <a:t>Learning) : </a:t>
-            </a:r>
-            <a:r>
-              <a:rPr lang="en-US" sz="2000" dirty="0" smtClean="0"/>
-              <a:t> </a:t>
+              <a:t>:</a:t>
+            </a:r>
+            <a:r>
+              <a:rPr lang="id-ID" sz="2000" i="1" dirty="0"/>
+              <a:t> </a:t>
+            </a:r>
+            <a:r>
+              <a:rPr lang="id-ID" sz="2000" i="1" dirty="0" smtClean="0"/>
+              <a:t>học máy là các chương trình máy tính có thể tự động cải thiện thông qua những kinh nghiệm đã trải qua.</a:t>
+            </a:r>
+            <a:endParaRPr lang="en-US" sz="2000" i="1" dirty="0" smtClean="0"/>
+          </a:p>
+          <a:p>
+            <a:pPr algn="just"/>
+            <a:r>
+              <a:rPr lang="en-US" sz="2000" i="1" dirty="0" err="1" smtClean="0"/>
+              <a:t>Học</a:t>
+            </a:r>
+            <a:r>
+              <a:rPr lang="en-US" sz="2000" i="1" dirty="0" smtClean="0"/>
+              <a:t> </a:t>
+            </a:r>
+            <a:r>
+              <a:rPr lang="en-US" sz="2000" i="1" dirty="0" err="1" smtClean="0"/>
+              <a:t>sâu</a:t>
+            </a:r>
+            <a:r>
+              <a:rPr lang="en-US" sz="2000" i="1" dirty="0" smtClean="0"/>
+              <a:t> (Deep Learning) : </a:t>
             </a:r>
             <a:r>
               <a:rPr lang="en-US" sz="2000" dirty="0" err="1" smtClean="0"/>
@@ -18947,210 +19077,7 @@
             </a:r>
             <a:r>
               <a:rPr lang="en-US" sz="2000" dirty="0" err="1" smtClean="0"/>
-              <a:t>các</a:t>
-            </a:r>
-            <a:r>
-              <a:rPr lang="en-US" sz="2000" dirty="0" smtClean="0"/>
-              <a:t> </a:t>
-            </a:r>
-            <a:r>
-              <a:rPr lang="en-US" sz="2000" dirty="0" err="1" smtClean="0"/>
-              <a:t>thuật</a:t>
-            </a:r>
-            <a:r>
-              <a:rPr lang="en-US" sz="2000" dirty="0" smtClean="0"/>
-              <a:t> </a:t>
-            </a:r>
-            <a:r>
-              <a:rPr lang="en-US" sz="2000" dirty="0" err="1" smtClean="0"/>
-              <a:t>toán</a:t>
-            </a:r>
-            <a:r>
-              <a:rPr lang="en-US" sz="2000" dirty="0" smtClean="0"/>
-              <a:t> </a:t>
-            </a:r>
-            <a:r>
-              <a:rPr lang="en-US" sz="2000" dirty="0" err="1" smtClean="0"/>
-              <a:t>dùng</a:t>
-            </a:r>
-            <a:r>
-              <a:rPr lang="en-US" sz="2000" dirty="0" smtClean="0"/>
-              <a:t> </a:t>
-            </a:r>
-            <a:r>
-              <a:rPr lang="en-US" sz="2000" dirty="0" err="1" smtClean="0"/>
-              <a:t>để</a:t>
-            </a:r>
-            <a:r>
-              <a:rPr lang="en-US" sz="2000" dirty="0" smtClean="0"/>
-              <a:t> </a:t>
-            </a:r>
-            <a:r>
-              <a:rPr lang="en-US" sz="2000" dirty="0" err="1" smtClean="0"/>
-              <a:t>đào</a:t>
-            </a:r>
-            <a:r>
-              <a:rPr lang="en-US" sz="2000" dirty="0" smtClean="0"/>
-              <a:t> </a:t>
-            </a:r>
-            <a:r>
-              <a:rPr lang="en-US" sz="2000" dirty="0" err="1" smtClean="0"/>
-              <a:t>tạo</a:t>
-            </a:r>
-            <a:r>
-              <a:rPr lang="en-US" sz="2000" dirty="0" smtClean="0"/>
-              <a:t> </a:t>
-            </a:r>
-            <a:r>
-              <a:rPr lang="en-US" sz="2000" dirty="0" err="1" smtClean="0"/>
-              <a:t>cho</a:t>
-            </a:r>
-            <a:r>
-              <a:rPr lang="en-US" sz="2000" dirty="0" smtClean="0"/>
-              <a:t> AI </a:t>
-            </a:r>
-            <a:r>
-              <a:rPr lang="en-US" sz="2000" dirty="0" err="1" smtClean="0"/>
-              <a:t>trong</a:t>
-            </a:r>
-            <a:r>
-              <a:rPr lang="en-US" sz="2000" dirty="0" smtClean="0"/>
-              <a:t> </a:t>
-            </a:r>
-            <a:r>
-              <a:rPr lang="en-US" sz="2000" dirty="0" err="1" smtClean="0"/>
-              <a:t>việc</a:t>
-            </a:r>
-            <a:r>
-              <a:rPr lang="en-US" sz="2000" dirty="0" smtClean="0"/>
-              <a:t> </a:t>
-            </a:r>
-            <a:r>
-              <a:rPr lang="en-US" sz="2000" dirty="0" err="1" smtClean="0"/>
-              <a:t>nhận</a:t>
-            </a:r>
-            <a:r>
-              <a:rPr lang="en-US" sz="2000" dirty="0" smtClean="0"/>
-              <a:t> </a:t>
-            </a:r>
-            <a:r>
-              <a:rPr lang="en-US" sz="2000" dirty="0" err="1" smtClean="0"/>
-              <a:t>biết</a:t>
-            </a:r>
-            <a:r>
-              <a:rPr lang="en-US" sz="2000" dirty="0" smtClean="0"/>
-              <a:t> </a:t>
-            </a:r>
-            <a:r>
-              <a:rPr lang="en-US" sz="2000" dirty="0" err="1" smtClean="0"/>
-              <a:t>các</a:t>
-            </a:r>
-            <a:r>
-              <a:rPr lang="en-US" sz="2000" dirty="0" smtClean="0"/>
-              <a:t> </a:t>
-            </a:r>
-            <a:r>
-              <a:rPr lang="en-US" sz="2000" dirty="0" err="1" smtClean="0"/>
-              <a:t>mẫu</a:t>
-            </a:r>
-            <a:r>
-              <a:rPr lang="en-US" sz="2000" dirty="0" smtClean="0"/>
-              <a:t> </a:t>
-            </a:r>
-            <a:r>
-              <a:rPr lang="en-US" sz="2000" dirty="0" err="1" smtClean="0"/>
-              <a:t>dữ</a:t>
-            </a:r>
-            <a:r>
-              <a:rPr lang="en-US" sz="2000" dirty="0" smtClean="0"/>
-              <a:t> </a:t>
-            </a:r>
-            <a:r>
-              <a:rPr lang="en-US" sz="2000" dirty="0" err="1" smtClean="0"/>
-              <a:t>liệu</a:t>
-            </a:r>
-            <a:r>
-              <a:rPr lang="en-US" sz="2000" dirty="0" smtClean="0"/>
-              <a:t> </a:t>
-            </a:r>
-            <a:r>
-              <a:rPr lang="en-US" sz="2000" dirty="0" err="1" smtClean="0"/>
-              <a:t>và</a:t>
-            </a:r>
-            <a:r>
-              <a:rPr lang="en-US" sz="2000" dirty="0" smtClean="0"/>
-              <a:t> </a:t>
-            </a:r>
-            <a:r>
-              <a:rPr lang="en-US" sz="2000" dirty="0" err="1" smtClean="0"/>
-              <a:t>thực</a:t>
-            </a:r>
-            <a:r>
-              <a:rPr lang="en-US" sz="2000" dirty="0" smtClean="0"/>
-              <a:t> </a:t>
-            </a:r>
-            <a:r>
-              <a:rPr lang="en-US" sz="2000" dirty="0" err="1" smtClean="0"/>
-              <a:t>hiện</a:t>
-            </a:r>
-            <a:r>
-              <a:rPr lang="en-US" sz="2000" dirty="0" smtClean="0"/>
-              <a:t> </a:t>
-            </a:r>
-            <a:r>
-              <a:rPr lang="en-US" sz="2000" dirty="0" err="1" smtClean="0"/>
-              <a:t>dự</a:t>
-            </a:r>
-            <a:r>
-              <a:rPr lang="en-US" sz="2000" dirty="0" smtClean="0"/>
-              <a:t> </a:t>
-            </a:r>
-            <a:r>
-              <a:rPr lang="en-US" sz="2000" dirty="0" err="1" smtClean="0"/>
-              <a:t>đoán</a:t>
-            </a:r>
-            <a:r>
-              <a:rPr lang="en-US" sz="2000" dirty="0" smtClean="0"/>
-              <a:t>.</a:t>
-            </a:r>
-          </a:p>
-          <a:p>
-            <a:pPr algn="just"/>
-            <a:endParaRPr lang="en-US" sz="2000" i="1" dirty="0" smtClean="0"/>
-          </a:p>
-          <a:p>
-            <a:pPr algn="just"/>
-            <a:r>
-              <a:rPr lang="en-US" sz="2000" i="1" dirty="0" err="1" smtClean="0"/>
-              <a:t>Học</a:t>
-            </a:r>
-            <a:r>
-              <a:rPr lang="en-US" sz="2000" i="1" dirty="0" smtClean="0"/>
-              <a:t> </a:t>
-            </a:r>
-            <a:r>
-              <a:rPr lang="en-US" sz="2000" i="1" dirty="0" err="1" smtClean="0"/>
-              <a:t>sâu</a:t>
-            </a:r>
-            <a:r>
-              <a:rPr lang="en-US" sz="2000" i="1" dirty="0" smtClean="0"/>
-              <a:t> (Deep Learning) : </a:t>
-            </a:r>
-            <a:r>
-              <a:rPr lang="en-US" sz="2000" dirty="0" err="1" smtClean="0"/>
-              <a:t>là</a:t>
-            </a:r>
-            <a:r>
-              <a:rPr lang="en-US" sz="2000" dirty="0" smtClean="0"/>
-              <a:t> </a:t>
-            </a:r>
-            <a:r>
-              <a:rPr lang="en-US" sz="2000" dirty="0" err="1" smtClean="0"/>
-              <a:t>m</a:t>
-            </a:r>
-            <a:r>
-              <a:rPr lang="en-US" sz="2000" dirty="0" err="1" smtClean="0"/>
-              <a:t>ột</a:t>
+              <a:t>một</a:t>
             </a:r>
             <a:r>
               <a:rPr lang="en-US" sz="2000" i="1" dirty="0" smtClean="0"/>
@@ -20083,10 +20010,10 @@
           <a:lstStyle/>
           <a:p>
             <a:fld id="{DB8C5D70-793E-4376-AB60-C8387A2358A8}" type="slidenum">
-              <a:rPr lang="en-US" smtClean="0"/>
+              <a:rPr lang="en-US" sz="1800" smtClean="0"/>
               <a:t>30</a:t>
             </a:fld>
-            <a:endParaRPr lang="en-US"/>
+            <a:endParaRPr lang="en-US" sz="1800" dirty="0"/>
           </a:p>
         </p:txBody>
       </p:sp>
@@ -20209,11 +20136,6 @@
               </a:rPr>
               <a:t> Attention</a:t>
             </a:r>
-            <a:endParaRPr lang="en-US" dirty="0">
-              <a:solidFill>
-                <a:schemeClr val="bg1"/>
-              </a:solidFill>
-            </a:endParaRPr>
           </a:p>
         </p:txBody>
       </p:sp>
@@ -20299,9 +20221,10 @@
           <a:p>
             <a:fld id="{DB8C5D70-793E-4376-AB60-C8387A2358A8}" type="slidenum">
               <a:rPr lang="en-US" smtClean="0"/>
+              <a:pPr/>
               <a:t>31</a:t>
             </a:fld>
-            <a:endParaRPr lang="en-US"/>
+            <a:endParaRPr lang="en-US" dirty="0"/>
           </a:p>
         </p:txBody>
       </p:sp>
@@ -20533,8 +20456,20 @@
           </a:lstStyle>
           <a:p>
             <a:r>
-              <a:rPr lang="en-US" smtClean="0"/>
-              <a:t>Gắn thêm Attention</a:t>
+              <a:rPr lang="en-US" dirty="0" err="1" smtClean="0"/>
+              <a:t>Gắn</a:t>
+            </a:r>
+            <a:r>
+              <a:rPr lang="en-US" dirty="0" smtClean="0"/>
+              <a:t> </a:t>
+            </a:r>
+            <a:r>
+              <a:rPr lang="en-US" dirty="0" err="1" smtClean="0"/>
+              <a:t>thêm</a:t>
+            </a:r>
+            <a:r>
+              <a:rPr lang="en-US" dirty="0" smtClean="0"/>
+              <a:t> Attention</a:t>
             </a:r>
             <a:endParaRPr lang="en-US" dirty="0"/>
           </a:p>
@@ -20542,10 +20477,8 @@
       </p:sp>
       <p:pic>
         <p:nvPicPr>
-          <p:cNvPr id="8" name="Picture 2" descr="attention_paper_01"/>
-          <p:cNvPicPr>
-            <a:picLocks noChangeAspect="1" noChangeArrowheads="1"/>
-          </p:cNvPicPr>
+          <p:cNvPr id="9" name="Picture 8" descr="https://techinsight.com.vn/wp-content/uploads/2017/10/h%C3%ACnh-4.png"/>
+          <p:cNvPicPr/>
           <p:nvPr/>
         </p:nvPicPr>
         <p:blipFill>
@@ -20563,22 +20496,16 @@
         </p:blipFill>
         <p:spPr bwMode="auto">
           <a:xfrm>
-            <a:off x="1320800" y="440373"/>
-            <a:ext cx="9306619" cy="4830127"/>
+            <a:off x="3240232" y="0"/>
+            <a:ext cx="4428259" cy="5932173"/>
           </a:xfrm>
           <a:prstGeom prst="rect">
             <a:avLst/>
           </a:prstGeom>
           <a:noFill/>
-          <a:extLst>
-            <a:ext uri="{909E8E84-426E-40DD-AFC4-6F175D3DCCD1}">
-              <a14:hiddenFill xmlns:a14="http://schemas.microsoft.com/office/drawing/2010/main">
-                <a:solidFill>
-                  <a:srgbClr val="FFFFFF"/>
-                </a:solidFill>
-              </a14:hiddenFill>
-            </a:ext>
-          </a:extLst>
+          <a:ln>
+            <a:noFill/>
+          </a:ln>
         </p:spPr>
       </p:pic>
     </p:spTree>
@@ -20742,21 +20669,39 @@
                                   </p:childTnLst>
                                 </p:cTn>
                               </p:par>
+                            </p:childTnLst>
+                          </p:cTn>
+                        </p:par>
+                      </p:childTnLst>
+                    </p:cTn>
+                  </p:par>
+                  <p:par>
+                    <p:cTn id="16" fill="hold">
+                      <p:stCondLst>
+                        <p:cond delay="indefinite"/>
+                      </p:stCondLst>
+                      <p:childTnLst>
+                        <p:par>
+                          <p:cTn id="17" fill="hold">
+                            <p:stCondLst>
+                              <p:cond delay="0"/>
+                            </p:stCondLst>
+                            <p:childTnLst>
                               <p:par>
-                                <p:cTn id="16" presetID="22" presetClass="entr" presetSubtype="4" fill="hold" nodeType="withEffect">
+                                <p:cTn id="18" presetID="42" presetClass="entr" presetSubtype="0" fill="hold" nodeType="clickEffect">
                                   <p:stCondLst>
                                     <p:cond delay="0"/>
                                   </p:stCondLst>
                                   <p:childTnLst>
                                     <p:set>
                                       <p:cBhvr>
-                                        <p:cTn id="17" dur="1" fill="hold">
+                                        <p:cTn id="19" dur="1" fill="hold">
                                           <p:stCondLst>
                                             <p:cond delay="0"/>
                                           </p:stCondLst>
                                         </p:cTn>
                                         <p:tgtEl>
-                                          <p:spTgt spid="8"/>
+                                          <p:spTgt spid="9"/>
                                         </p:tgtEl>
                                         <p:attrNameLst>
                                           <p:attrName>style.visibility</p:attrName>
@@ -20766,14 +20711,60 @@
                                         <p:strVal val="visible"/>
                                       </p:to>
                                     </p:set>
-                                    <p:animEffect transition="in" filter="wipe(down)">
+                                    <p:animEffect transition="in" filter="fade">
                                       <p:cBhvr>
-                                        <p:cTn id="18" dur="500"/>
+                                        <p:cTn id="20" dur="1000"/>
                                         <p:tgtEl>
-                                          <p:spTgt spid="8"/>
+                                          <p:spTgt spid="9"/>
                                         </p:tgtEl>
                                       </p:cBhvr>
                                     </p:animEffect>
+                                    <p:anim calcmode="lin" valueType="num">
+                                      <p:cBhvr>
+                                        <p:cTn id="21" dur="1000" fill="hold"/>
+                                        <p:tgtEl>
+                                          <p:spTgt spid="9"/>
+                                        </p:tgtEl>
+                                        <p:attrNameLst>
+                                          <p:attrName>ppt_x</p:attrName>
+                                        </p:attrNameLst>
+                                      </p:cBhvr>
+                                      <p:tavLst>
+                                        <p:tav tm="0">
+                                          <p:val>
+                                            <p:strVal val="#ppt_x"/>
+                                          </p:val>
+                                        </p:tav>
+                                        <p:tav tm="100000">
+                                          <p:val>
+                                            <p:strVal val="#ppt_x"/>
+                                          </p:val>
+                                        </p:tav>
+                                      </p:tavLst>
+                                    </p:anim>
+                                    <p:anim calcmode="lin" valueType="num">
+                                      <p:cBhvr>
+                                        <p:cTn id="22" dur="1000" fill="hold"/>
+                                        <p:tgtEl>
+                                          <p:spTgt spid="9"/>
+                                        </p:tgtEl>
+                                        <p:attrNameLst>
+                                          <p:attrName>ppt_y</p:attrName>
+                                        </p:attrNameLst>
+                                      </p:cBhvr>
+                                      <p:tavLst>
+                                        <p:tav tm="0">
+                                          <p:val>
+                                            <p:strVal val="#ppt_y+.1"/>
+                                          </p:val>
+                                        </p:tav>
+                                        <p:tav tm="100000">
+                                          <p:val>
+                                            <p:strVal val="#ppt_y"/>
+                                          </p:val>
+                                        </p:tav>
+                                      </p:tavLst>
+                                    </p:anim>
                                   </p:childTnLst>
                                 </p:cTn>
                               </p:par>
@@ -20829,8 +20820,8 @@
           <a:chExt cx="0" cy="0"/>
         </a:xfrm>
       </p:grpSpPr>
-      <mc:AlternateContent xmlns:mc="http://schemas.openxmlformats.org/markup-compatibility/2006">
-        <mc:Choice xmlns:a14="http://schemas.microsoft.com/office/drawing/2010/main" Requires="a14">
+      <mc:AlternateContent xmlns:mc="http://schemas.openxmlformats.org/markup-compatibility/2006" xmlns:a14="http://schemas.microsoft.com/office/drawing/2010/main">
+        <mc:Choice Requires="a14">
           <p:sp>
             <p:nvSpPr>
               <p:cNvPr id="3" name="Content Placeholder 2"/>
@@ -22085,7 +22076,7 @@
             </p:txBody>
           </p:sp>
         </mc:Choice>
-        <mc:Fallback>
+        <mc:Fallback xmlns="">
           <p:sp>
             <p:nvSpPr>
               <p:cNvPr id="3" name="Content Placeholder 2"/>
@@ -22139,10 +22130,10 @@
           <a:lstStyle/>
           <a:p>
             <a:fld id="{DB8C5D70-793E-4376-AB60-C8387A2358A8}" type="slidenum">
-              <a:rPr lang="en-US" smtClean="0"/>
+              <a:rPr lang="en-US" sz="1800" smtClean="0"/>
               <a:t>32</a:t>
             </a:fld>
-            <a:endParaRPr lang="en-US"/>
+            <a:endParaRPr lang="en-US" sz="1800" dirty="0"/>
           </a:p>
         </p:txBody>
       </p:sp>
@@ -22265,11 +22256,6 @@
               </a:rPr>
               <a:t> Attention</a:t>
             </a:r>
-            <a:endParaRPr lang="en-US" dirty="0">
-              <a:solidFill>
-                <a:schemeClr val="bg1"/>
-              </a:solidFill>
-            </a:endParaRPr>
           </a:p>
         </p:txBody>
       </p:sp>
@@ -22332,8 +22318,8 @@
             </p:nvSpPr>
             <p:spPr>
               <a:xfrm>
-                <a:off x="838200" y="1101436"/>
-                <a:ext cx="10515600" cy="5075527"/>
+                <a:off x="838200" y="1433944"/>
+                <a:ext cx="10515600" cy="5060373"/>
               </a:xfrm>
             </p:spPr>
             <p:txBody>
@@ -22425,8 +22411,17 @@
                 </a14:m>
                 <a:r>
                   <a:rPr lang="it-IT" dirty="0" smtClean="0"/>
-                  <a:t> của encoder</a:t>
-                </a:r>
+                  <a:t> của </a:t>
+                </a:r>
+                <a:r>
+                  <a:rPr lang="it-IT" dirty="0" smtClean="0"/>
+                  <a:t>encoder</a:t>
+                </a:r>
+                <a:endParaRPr lang="id-ID" dirty="0" smtClean="0"/>
+              </a:p>
+              <a:p>
+                <a:pPr algn="just"/>
+                <a:endParaRPr lang="it-IT" dirty="0" smtClean="0"/>
               </a:p>
               <a:p>
                 <a:pPr marL="0" indent="0" algn="just">
@@ -22436,13 +22431,451 @@
                   <a:rPr lang="en-US" sz="2400" b="0" dirty="0" smtClean="0"/>
                   <a:t>		</a:t>
                 </a:r>
+                <a14:m>
+                  <m:oMath xmlns:m="http://schemas.openxmlformats.org/officeDocument/2006/math">
+                    <m:sSub>
+                      <m:sSubPr>
+                        <m:ctrlPr>
+                          <a:rPr lang="en-US" b="0" i="1" smtClean="0">
+                            <a:latin typeface="Cambria Math" panose="02040503050406030204" pitchFamily="18" charset="0"/>
+                          </a:rPr>
+                        </m:ctrlPr>
+                      </m:sSubPr>
+                      <m:e>
+                        <m:r>
+                          <a:rPr lang="id-ID" b="0" i="1" smtClean="0">
+                            <a:latin typeface="Cambria Math" panose="02040503050406030204" pitchFamily="18" charset="0"/>
+                          </a:rPr>
+                          <m:t>𝑐</m:t>
+                        </m:r>
+                      </m:e>
+                      <m:sub>
+                        <m:r>
+                          <a:rPr lang="id-ID" b="0" i="1" smtClean="0">
+                            <a:latin typeface="Cambria Math" panose="02040503050406030204" pitchFamily="18" charset="0"/>
+                          </a:rPr>
+                          <m:t>𝑖</m:t>
+                        </m:r>
+                      </m:sub>
+                    </m:sSub>
+                    <m:r>
+                      <a:rPr lang="id-ID" b="0" i="1" smtClean="0">
+                        <a:latin typeface="Cambria Math" panose="02040503050406030204" pitchFamily="18" charset="0"/>
+                      </a:rPr>
+                      <m:t>= </m:t>
+                    </m:r>
+                    <m:nary>
+                      <m:naryPr>
+                        <m:chr m:val="∑"/>
+                        <m:limLoc m:val="subSup"/>
+                        <m:ctrlPr>
+                          <a:rPr lang="id-ID" b="0" i="1" smtClean="0">
+                            <a:latin typeface="Cambria Math" panose="02040503050406030204" pitchFamily="18" charset="0"/>
+                          </a:rPr>
+                        </m:ctrlPr>
+                      </m:naryPr>
+                      <m:sub>
+                        <m:r>
+                          <m:rPr>
+                            <m:brk m:alnAt="25"/>
+                          </m:rPr>
+                          <a:rPr lang="id-ID" b="0" i="1" smtClean="0">
+                            <a:latin typeface="Cambria Math" panose="02040503050406030204" pitchFamily="18" charset="0"/>
+                          </a:rPr>
+                          <m:t>𝑗</m:t>
+                        </m:r>
+                        <m:r>
+                          <a:rPr lang="id-ID" b="0" i="1" smtClean="0">
+                            <a:latin typeface="Cambria Math" panose="02040503050406030204" pitchFamily="18" charset="0"/>
+                          </a:rPr>
+                          <m:t>=1</m:t>
+                        </m:r>
+                      </m:sub>
+                      <m:sup>
+                        <m:sSub>
+                          <m:sSubPr>
+                            <m:ctrlPr>
+                              <a:rPr lang="id-ID" b="0" i="1" smtClean="0">
+                                <a:latin typeface="Cambria Math" panose="02040503050406030204" pitchFamily="18" charset="0"/>
+                              </a:rPr>
+                            </m:ctrlPr>
+                          </m:sSubPr>
+                          <m:e>
+                            <m:r>
+                              <a:rPr lang="id-ID" b="0" i="1" smtClean="0">
+                                <a:latin typeface="Cambria Math" panose="02040503050406030204" pitchFamily="18" charset="0"/>
+                              </a:rPr>
+                              <m:t>𝑇</m:t>
+                            </m:r>
+                          </m:e>
+                          <m:sub>
+                            <m:r>
+                              <a:rPr lang="id-ID" b="0" i="1" smtClean="0">
+                                <a:latin typeface="Cambria Math" panose="02040503050406030204" pitchFamily="18" charset="0"/>
+                              </a:rPr>
+                              <m:t>𝑥</m:t>
+                            </m:r>
+                          </m:sub>
+                        </m:sSub>
+                      </m:sup>
+                      <m:e>
+                        <m:sSub>
+                          <m:sSubPr>
+                            <m:ctrlPr>
+                              <a:rPr lang="id-ID" b="0" i="1" smtClean="0">
+                                <a:latin typeface="Cambria Math" panose="02040503050406030204" pitchFamily="18" charset="0"/>
+                              </a:rPr>
+                            </m:ctrlPr>
+                          </m:sSubPr>
+                          <m:e>
+                            <m:r>
+                              <a:rPr lang="id-ID" b="0" i="1" smtClean="0">
+                                <a:latin typeface="Cambria Math" panose="02040503050406030204" pitchFamily="18" charset="0"/>
+                              </a:rPr>
+                              <m:t>𝑎</m:t>
+                            </m:r>
+                          </m:e>
+                          <m:sub>
+                            <m:r>
+                              <a:rPr lang="id-ID" b="0" i="1" smtClean="0">
+                                <a:latin typeface="Cambria Math" panose="02040503050406030204" pitchFamily="18" charset="0"/>
+                              </a:rPr>
+                              <m:t>𝑖𝑗</m:t>
+                            </m:r>
+                          </m:sub>
+                        </m:sSub>
+                        <m:sSub>
+                          <m:sSubPr>
+                            <m:ctrlPr>
+                              <a:rPr lang="id-ID" i="1">
+                                <a:latin typeface="Cambria Math" panose="02040503050406030204" pitchFamily="18" charset="0"/>
+                              </a:rPr>
+                            </m:ctrlPr>
+                          </m:sSubPr>
+                          <m:e>
+                            <m:r>
+                              <a:rPr lang="id-ID" b="0" i="1" smtClean="0">
+                                <a:latin typeface="Cambria Math" panose="02040503050406030204" pitchFamily="18" charset="0"/>
+                              </a:rPr>
+                              <m:t>h</m:t>
+                            </m:r>
+                          </m:e>
+                          <m:sub>
+                            <m:r>
+                              <a:rPr lang="id-ID" b="0" i="1" smtClean="0">
+                                <a:latin typeface="Cambria Math" panose="02040503050406030204" pitchFamily="18" charset="0"/>
+                              </a:rPr>
+                              <m:t>𝑗</m:t>
+                            </m:r>
+                          </m:sub>
+                        </m:sSub>
+                      </m:e>
+                    </m:nary>
+                  </m:oMath>
+                </a14:m>
+                <a:endParaRPr lang="id-ID" sz="2400" dirty="0" smtClean="0"/>
+              </a:p>
+              <a:p>
+                <a:pPr marL="0" indent="0" algn="just">
+                  <a:buNone/>
+                </a:pPr>
                 <a:endParaRPr lang="it-IT" sz="2400" dirty="0" smtClean="0"/>
               </a:p>
               <a:p>
                 <a:pPr marL="0" indent="0" algn="just">
                   <a:buNone/>
                 </a:pPr>
-                <a:endParaRPr lang="it-IT" sz="2400" dirty="0" smtClean="0"/>
+                <a:r>
+                  <a:rPr lang="id-ID" sz="2400" dirty="0" smtClean="0"/>
+                  <a:t>		</a:t>
+                </a:r>
+                <a14:m>
+                  <m:oMath xmlns:m="http://schemas.openxmlformats.org/officeDocument/2006/math">
+                    <m:sSub>
+                      <m:sSubPr>
+                        <m:ctrlPr>
+                          <a:rPr lang="en-US" i="1"/>
+                        </m:ctrlPr>
+                      </m:sSubPr>
+                      <m:e>
+                        <m:r>
+                          <a:rPr lang="en-US" i="1"/>
+                          <m:t>𝑎</m:t>
+                        </m:r>
+                      </m:e>
+                      <m:sub>
+                        <m:r>
+                          <a:rPr lang="en-US" i="1"/>
+                          <m:t>𝑖𝑗</m:t>
+                        </m:r>
+                      </m:sub>
+                    </m:sSub>
+                    <m:r>
+                      <a:rPr lang="en-US"/>
+                      <m:t>= </m:t>
+                    </m:r>
+                    <m:f>
+                      <m:fPr>
+                        <m:ctrlPr>
+                          <a:rPr lang="en-US" i="1"/>
+                        </m:ctrlPr>
+                      </m:fPr>
+                      <m:num>
+                        <m:r>
+                          <a:rPr lang="en-US" i="1"/>
+                          <m:t>𝑒𝑥𝑝</m:t>
+                        </m:r>
+                        <m:r>
+                          <a:rPr lang="en-US"/>
+                          <m:t> ( </m:t>
+                        </m:r>
+                        <m:sSub>
+                          <m:sSubPr>
+                            <m:ctrlPr>
+                              <a:rPr lang="en-US" i="1"/>
+                            </m:ctrlPr>
+                          </m:sSubPr>
+                          <m:e>
+                            <m:r>
+                              <a:rPr lang="en-US" i="1"/>
+                              <m:t>𝑒</m:t>
+                            </m:r>
+                          </m:e>
+                          <m:sub>
+                            <m:r>
+                              <a:rPr lang="en-US" i="1"/>
+                              <m:t>𝑖𝑗</m:t>
+                            </m:r>
+                          </m:sub>
+                        </m:sSub>
+                        <m:r>
+                          <a:rPr lang="en-US"/>
+                          <m:t> )</m:t>
+                        </m:r>
+                      </m:num>
+                      <m:den>
+                        <m:nary>
+                          <m:naryPr>
+                            <m:chr m:val="∑"/>
+                            <m:limLoc m:val="subSup"/>
+                            <m:ctrlPr>
+                              <a:rPr lang="en-US" i="1"/>
+                            </m:ctrlPr>
+                          </m:naryPr>
+                          <m:sub>
+                            <m:r>
+                              <a:rPr lang="en-US" i="1"/>
+                              <m:t>𝑘</m:t>
+                            </m:r>
+                            <m:r>
+                              <a:rPr lang="en-US"/>
+                              <m:t>=1</m:t>
+                            </m:r>
+                          </m:sub>
+                          <m:sup>
+                            <m:sSub>
+                              <m:sSubPr>
+                                <m:ctrlPr>
+                                  <a:rPr lang="en-US" i="1"/>
+                                </m:ctrlPr>
+                              </m:sSubPr>
+                              <m:e>
+                                <m:r>
+                                  <a:rPr lang="en-US" i="1"/>
+                                  <m:t>𝑇</m:t>
+                                </m:r>
+                              </m:e>
+                              <m:sub>
+                                <m:r>
+                                  <a:rPr lang="en-US" i="1"/>
+                                  <m:t>𝑥</m:t>
+                                </m:r>
+                              </m:sub>
+                            </m:sSub>
+                          </m:sup>
+                          <m:e>
+                            <m:r>
+                              <a:rPr lang="en-US" i="1"/>
+                              <m:t>𝑒𝑥𝑝</m:t>
+                            </m:r>
+                            <m:r>
+                              <a:rPr lang="en-US"/>
+                              <m:t> ( </m:t>
+                            </m:r>
+                            <m:sSub>
+                              <m:sSubPr>
+                                <m:ctrlPr>
+                                  <a:rPr lang="en-US" i="1"/>
+                                </m:ctrlPr>
+                              </m:sSubPr>
+                              <m:e>
+                                <m:r>
+                                  <a:rPr lang="en-US" i="1"/>
+                                  <m:t>𝑒</m:t>
+                                </m:r>
+                              </m:e>
+                              <m:sub>
+                                <m:r>
+                                  <a:rPr lang="en-US" i="1"/>
+                                  <m:t>𝑖𝑘</m:t>
+                                </m:r>
+                              </m:sub>
+                            </m:sSub>
+                            <m:r>
+                              <a:rPr lang="en-US"/>
+                              <m:t> )</m:t>
+                            </m:r>
+                          </m:e>
+                        </m:nary>
+                      </m:den>
+                    </m:f>
+                  </m:oMath>
+                </a14:m>
+                <a:endParaRPr lang="id-ID" dirty="0" smtClean="0"/>
+              </a:p>
+              <a:p>
+                <a:pPr marL="0" indent="0" algn="just">
+                  <a:buNone/>
+                </a:pPr>
+                <a:r>
+                  <a:rPr lang="id-ID" dirty="0" smtClean="0"/>
+                  <a:t>		</a:t>
+                </a:r>
+              </a:p>
+              <a:p>
+                <a:pPr marL="0" indent="0" algn="just">
+                  <a:buNone/>
+                </a:pPr>
+                <a:r>
+                  <a:rPr lang="id-ID" dirty="0"/>
+                  <a:t>	</a:t>
+                </a:r>
+                <a:r>
+                  <a:rPr lang="id-ID" dirty="0" smtClean="0"/>
+                  <a:t>	</a:t>
+                </a:r>
+                <a14:m>
+                  <m:oMath xmlns:m="http://schemas.openxmlformats.org/officeDocument/2006/math">
+                    <m:sSub>
+                      <m:sSubPr>
+                        <m:ctrlPr>
+                          <a:rPr lang="en-US" i="1">
+                            <a:latin typeface="Cambria Math" panose="02040503050406030204" pitchFamily="18" charset="0"/>
+                          </a:rPr>
+                        </m:ctrlPr>
+                      </m:sSubPr>
+                      <m:e>
+                        <m:r>
+                          <a:rPr lang="en-US" i="1">
+                            <a:latin typeface="Cambria Math" panose="02040503050406030204" pitchFamily="18" charset="0"/>
+                          </a:rPr>
+                          <m:t>𝑒</m:t>
+                        </m:r>
+                      </m:e>
+                      <m:sub>
+                        <m:r>
+                          <a:rPr lang="en-US" i="1">
+                            <a:latin typeface="Cambria Math" panose="02040503050406030204" pitchFamily="18" charset="0"/>
+                          </a:rPr>
+                          <m:t>𝑖𝑗</m:t>
+                        </m:r>
+                      </m:sub>
+                    </m:sSub>
+                    <m:r>
+                      <a:rPr lang="en-US">
+                        <a:latin typeface="Cambria Math" panose="02040503050406030204" pitchFamily="18" charset="0"/>
+                      </a:rPr>
+                      <m:t>=</m:t>
+                    </m:r>
+                    <m:r>
+                      <a:rPr lang="en-US" i="1">
+                        <a:latin typeface="Cambria Math" panose="02040503050406030204" pitchFamily="18" charset="0"/>
+                      </a:rPr>
+                      <m:t>𝛼</m:t>
+                    </m:r>
+                    <m:r>
+                      <a:rPr lang="en-US">
+                        <a:latin typeface="Cambria Math" panose="02040503050406030204" pitchFamily="18" charset="0"/>
+                      </a:rPr>
+                      <m:t>(</m:t>
+                    </m:r>
+                    <m:sSub>
+                      <m:sSubPr>
+                        <m:ctrlPr>
+                          <a:rPr lang="en-US" i="1">
+                            <a:latin typeface="Cambria Math" panose="02040503050406030204" pitchFamily="18" charset="0"/>
+                          </a:rPr>
+                        </m:ctrlPr>
+                      </m:sSubPr>
+                      <m:e>
+                        <m:r>
+                          <a:rPr lang="en-US" i="1">
+                            <a:latin typeface="Cambria Math" panose="02040503050406030204" pitchFamily="18" charset="0"/>
+                          </a:rPr>
+                          <m:t>𝑠</m:t>
+                        </m:r>
+                      </m:e>
+                      <m:sub>
+                        <m:r>
+                          <a:rPr lang="en-US" i="1">
+                            <a:latin typeface="Cambria Math" panose="02040503050406030204" pitchFamily="18" charset="0"/>
+                          </a:rPr>
+                          <m:t>𝑖</m:t>
+                        </m:r>
+                        <m:r>
+                          <a:rPr lang="en-US" i="1">
+                            <a:latin typeface="Cambria Math" panose="02040503050406030204" pitchFamily="18" charset="0"/>
+                          </a:rPr>
+                          <m:t>−</m:t>
+                        </m:r>
+                        <m:r>
+                          <a:rPr lang="en-US">
+                            <a:latin typeface="Cambria Math" panose="02040503050406030204" pitchFamily="18" charset="0"/>
+                          </a:rPr>
+                          <m:t>1 </m:t>
+                        </m:r>
+                      </m:sub>
+                    </m:sSub>
+                    <m:r>
+                      <a:rPr lang="en-US">
+                        <a:latin typeface="Cambria Math" panose="02040503050406030204" pitchFamily="18" charset="0"/>
+                      </a:rPr>
+                      <m:t>,</m:t>
+                    </m:r>
+                    <m:sSub>
+                      <m:sSubPr>
+                        <m:ctrlPr>
+                          <a:rPr lang="en-US" i="1">
+                            <a:latin typeface="Cambria Math" panose="02040503050406030204" pitchFamily="18" charset="0"/>
+                          </a:rPr>
+                        </m:ctrlPr>
+                      </m:sSubPr>
+                      <m:e>
+                        <m:r>
+                          <a:rPr lang="en-US" i="1">
+                            <a:latin typeface="Cambria Math" panose="02040503050406030204" pitchFamily="18" charset="0"/>
+                          </a:rPr>
+                          <m:t>h</m:t>
+                        </m:r>
+                      </m:e>
+                      <m:sub>
+                        <m:r>
+                          <a:rPr lang="en-US" i="1">
+                            <a:latin typeface="Cambria Math" panose="02040503050406030204" pitchFamily="18" charset="0"/>
+                          </a:rPr>
+                          <m:t>𝑗</m:t>
+                        </m:r>
+                      </m:sub>
+                    </m:sSub>
+                    <m:r>
+                      <a:rPr lang="en-US">
+                        <a:latin typeface="Cambria Math" panose="02040503050406030204" pitchFamily="18" charset="0"/>
+                      </a:rPr>
+                      <m:t>)</m:t>
+                    </m:r>
+                  </m:oMath>
+                </a14:m>
+                <a:endParaRPr lang="id-ID" i="1" dirty="0" smtClean="0"/>
               </a:p>
             </p:txBody>
           </p:sp>
@@ -22460,13 +22893,13 @@
             </p:nvSpPr>
             <p:spPr>
               <a:xfrm>
-                <a:off x="838200" y="1101436"/>
-                <a:ext cx="10515600" cy="5075527"/>
+                <a:off x="838200" y="1433944"/>
+                <a:ext cx="10515600" cy="5060373"/>
               </a:xfrm>
               <a:blipFill>
                 <a:blip r:embed="rId2"/>
                 <a:stretch>
-                  <a:fillRect l="-1043" t="-2043" r="-1159"/>
+                  <a:fillRect l="-1043" t="-1928" r="-1159"/>
                 </a:stretch>
               </a:blipFill>
             </p:spPr>
@@ -22501,85 +22934,13 @@
           <a:lstStyle/>
           <a:p>
             <a:fld id="{DB8C5D70-793E-4376-AB60-C8387A2358A8}" type="slidenum">
-              <a:rPr lang="en-US" smtClean="0"/>
+              <a:rPr lang="en-US" sz="1800" smtClean="0"/>
               <a:t>33</a:t>
             </a:fld>
-            <a:endParaRPr lang="en-US"/>
+            <a:endParaRPr lang="en-US" sz="1800" dirty="0"/>
           </a:p>
         </p:txBody>
       </p:sp>
-      <p:pic>
-        <p:nvPicPr>
-          <p:cNvPr id="6" name="Picture 5"/>
-          <p:cNvPicPr>
-            <a:picLocks noChangeAspect="1"/>
-          </p:cNvPicPr>
-          <p:nvPr/>
-        </p:nvPicPr>
-        <p:blipFill>
-          <a:blip r:embed="rId3"/>
-          <a:stretch>
-            <a:fillRect/>
-          </a:stretch>
-        </p:blipFill>
-        <p:spPr>
-          <a:xfrm>
-            <a:off x="4305660" y="2689250"/>
-            <a:ext cx="3684588" cy="1842294"/>
-          </a:xfrm>
-          <a:prstGeom prst="rect">
-            <a:avLst/>
-          </a:prstGeom>
-        </p:spPr>
-      </p:pic>
-      <p:pic>
-        <p:nvPicPr>
-          <p:cNvPr id="7" name="Picture 6"/>
-          <p:cNvPicPr>
-            <a:picLocks noChangeAspect="1"/>
-          </p:cNvPicPr>
-          <p:nvPr/>
-        </p:nvPicPr>
-        <p:blipFill>
-          <a:blip r:embed="rId4"/>
-          <a:stretch>
-            <a:fillRect/>
-          </a:stretch>
-        </p:blipFill>
-        <p:spPr>
-          <a:xfrm>
-            <a:off x="1526741" y="5007000"/>
-            <a:ext cx="3719513" cy="1349350"/>
-          </a:xfrm>
-          <a:prstGeom prst="rect">
-            <a:avLst/>
-          </a:prstGeom>
-        </p:spPr>
-      </p:pic>
-      <p:pic>
-        <p:nvPicPr>
-          <p:cNvPr id="8" name="Picture 7"/>
-          <p:cNvPicPr>
-            <a:picLocks noChangeAspect="1"/>
-          </p:cNvPicPr>
-          <p:nvPr/>
-        </p:nvPicPr>
-        <p:blipFill>
-          <a:blip r:embed="rId5"/>
-          <a:stretch>
-            <a:fillRect/>
-          </a:stretch>
-        </p:blipFill>
-        <p:spPr>
-          <a:xfrm>
-            <a:off x="6474185" y="5191150"/>
-            <a:ext cx="3394869" cy="866775"/>
-          </a:xfrm>
-          <a:prstGeom prst="rect">
-            <a:avLst/>
-          </a:prstGeom>
-        </p:spPr>
-      </p:pic>
       <p:sp>
         <p:nvSpPr>
           <p:cNvPr id="9" name="Rectangle 8"/>
@@ -22699,11 +23060,6 @@
               </a:rPr>
               <a:t> Attention</a:t>
             </a:r>
-            <a:endParaRPr lang="en-US" dirty="0">
-              <a:solidFill>
-                <a:schemeClr val="bg1"/>
-              </a:solidFill>
-            </a:endParaRPr>
           </a:p>
         </p:txBody>
       </p:sp>
@@ -23968,37 +24324,425 @@
           <a:lstStyle/>
           <a:p>
             <a:fld id="{DB8C5D70-793E-4376-AB60-C8387A2358A8}" type="slidenum">
-              <a:rPr lang="en-US" smtClean="0"/>
+              <a:rPr lang="en-US" sz="1800" smtClean="0"/>
               <a:t>34</a:t>
             </a:fld>
-            <a:endParaRPr lang="en-US"/>
+            <a:endParaRPr lang="en-US" sz="1800" dirty="0"/>
           </a:p>
         </p:txBody>
       </p:sp>
-      <p:pic>
-        <p:nvPicPr>
-          <p:cNvPr id="4" name="Picture 3"/>
-          <p:cNvPicPr>
-            <a:picLocks noChangeAspect="1"/>
-          </p:cNvPicPr>
-          <p:nvPr/>
-        </p:nvPicPr>
-        <p:blipFill>
-          <a:blip r:embed="rId3"/>
-          <a:stretch>
-            <a:fillRect/>
-          </a:stretch>
-        </p:blipFill>
-        <p:spPr>
-          <a:xfrm>
-            <a:off x="3562746" y="3835400"/>
-            <a:ext cx="5066507" cy="1032664"/>
-          </a:xfrm>
-          <a:prstGeom prst="rect">
-            <a:avLst/>
-          </a:prstGeom>
-        </p:spPr>
-      </p:pic>
+      <mc:AlternateContent xmlns:mc="http://schemas.openxmlformats.org/markup-compatibility/2006">
+        <mc:Choice xmlns:a14="http://schemas.microsoft.com/office/drawing/2010/main" Requires="a14">
+          <p:sp>
+            <p:nvSpPr>
+              <p:cNvPr id="5" name="Rectangle 4"/>
+              <p:cNvSpPr/>
+              <p:nvPr/>
+            </p:nvSpPr>
+            <p:spPr>
+              <a:xfrm>
+                <a:off x="2618511" y="3992231"/>
+                <a:ext cx="7491844" cy="588751"/>
+              </a:xfrm>
+              <a:prstGeom prst="rect">
+                <a:avLst/>
+              </a:prstGeom>
+            </p:spPr>
+            <p:txBody>
+              <a:bodyPr wrap="square">
+                <a:spAutoFit/>
+              </a:bodyPr>
+              <a:lstStyle/>
+              <a:p>
+                <a:pPr algn="ctr"/>
+                <a:r>
+                  <a:rPr lang="en-US" dirty="0">
+                    <a:latin typeface="Times New Roman" panose="02020603050405020304" pitchFamily="18" charset="0"/>
+                    <a:ea typeface="SimSun" panose="02010600030101010101" pitchFamily="2" charset="-122"/>
+                  </a:rPr>
+                  <a:t> </a:t>
+                </a:r>
+                <a14:m>
+                  <m:oMath xmlns:m="http://schemas.openxmlformats.org/officeDocument/2006/math">
+                    <m:r>
+                      <a:rPr lang="en-US" sz="2800" i="1">
+                        <a:latin typeface="Cambria Math" panose="02040503050406030204" pitchFamily="18" charset="0"/>
+                        <a:ea typeface="Times New Roman" panose="02020603050405020304" pitchFamily="18" charset="0"/>
+                        <a:cs typeface="Times New Roman" panose="02020603050405020304" pitchFamily="18" charset="0"/>
+                      </a:rPr>
+                      <m:t>𝛼</m:t>
+                    </m:r>
+                    <m:d>
+                      <m:dPr>
+                        <m:ctrlPr>
+                          <a:rPr lang="en-US" sz="2800" i="1">
+                            <a:effectLst/>
+                            <a:latin typeface="Cambria Math" panose="02040503050406030204" pitchFamily="18" charset="0"/>
+                          </a:rPr>
+                        </m:ctrlPr>
+                      </m:dPr>
+                      <m:e>
+                        <m:sSub>
+                          <m:sSubPr>
+                            <m:ctrlPr>
+                              <a:rPr lang="en-US" sz="2800" i="1">
+                                <a:effectLst/>
+                                <a:latin typeface="Cambria Math" panose="02040503050406030204" pitchFamily="18" charset="0"/>
+                              </a:rPr>
+                            </m:ctrlPr>
+                          </m:sSubPr>
+                          <m:e>
+                            <m:r>
+                              <a:rPr lang="en-US" sz="2800" i="1">
+                                <a:latin typeface="Cambria Math" panose="02040503050406030204" pitchFamily="18" charset="0"/>
+                                <a:ea typeface="Times New Roman" panose="02020603050405020304" pitchFamily="18" charset="0"/>
+                                <a:cs typeface="Times New Roman" panose="02020603050405020304" pitchFamily="18" charset="0"/>
+                              </a:rPr>
+                              <m:t>𝑠</m:t>
+                            </m:r>
+                          </m:e>
+                          <m:sub>
+                            <m:r>
+                              <a:rPr lang="en-US" sz="2800" i="1">
+                                <a:latin typeface="Cambria Math" panose="02040503050406030204" pitchFamily="18" charset="0"/>
+                                <a:ea typeface="Times New Roman" panose="02020603050405020304" pitchFamily="18" charset="0"/>
+                                <a:cs typeface="Times New Roman" panose="02020603050405020304" pitchFamily="18" charset="0"/>
+                              </a:rPr>
+                              <m:t>𝑖</m:t>
+                            </m:r>
+                            <m:r>
+                              <a:rPr lang="en-US" sz="2800" i="1">
+                                <a:latin typeface="Cambria Math" panose="02040503050406030204" pitchFamily="18" charset="0"/>
+                                <a:ea typeface="Times New Roman" panose="02020603050405020304" pitchFamily="18" charset="0"/>
+                                <a:cs typeface="Times New Roman" panose="02020603050405020304" pitchFamily="18" charset="0"/>
+                              </a:rPr>
+                              <m:t>−1 </m:t>
+                            </m:r>
+                          </m:sub>
+                        </m:sSub>
+                        <m:r>
+                          <a:rPr lang="en-US" sz="2800" i="1">
+                            <a:latin typeface="Cambria Math" panose="02040503050406030204" pitchFamily="18" charset="0"/>
+                            <a:ea typeface="Times New Roman" panose="02020603050405020304" pitchFamily="18" charset="0"/>
+                            <a:cs typeface="Times New Roman" panose="02020603050405020304" pitchFamily="18" charset="0"/>
+                          </a:rPr>
+                          <m:t>,</m:t>
+                        </m:r>
+                        <m:sSub>
+                          <m:sSubPr>
+                            <m:ctrlPr>
+                              <a:rPr lang="en-US" sz="2800" i="1">
+                                <a:effectLst/>
+                                <a:latin typeface="Cambria Math" panose="02040503050406030204" pitchFamily="18" charset="0"/>
+                              </a:rPr>
+                            </m:ctrlPr>
+                          </m:sSubPr>
+                          <m:e>
+                            <m:r>
+                              <a:rPr lang="en-US" sz="2800" i="1">
+                                <a:latin typeface="Cambria Math" panose="02040503050406030204" pitchFamily="18" charset="0"/>
+                                <a:ea typeface="Times New Roman" panose="02020603050405020304" pitchFamily="18" charset="0"/>
+                                <a:cs typeface="Times New Roman" panose="02020603050405020304" pitchFamily="18" charset="0"/>
+                              </a:rPr>
+                              <m:t>h</m:t>
+                            </m:r>
+                          </m:e>
+                          <m:sub>
+                            <m:r>
+                              <a:rPr lang="en-US" sz="2800" i="1">
+                                <a:latin typeface="Cambria Math" panose="02040503050406030204" pitchFamily="18" charset="0"/>
+                                <a:ea typeface="Times New Roman" panose="02020603050405020304" pitchFamily="18" charset="0"/>
+                                <a:cs typeface="Times New Roman" panose="02020603050405020304" pitchFamily="18" charset="0"/>
+                              </a:rPr>
+                              <m:t>𝑗</m:t>
+                            </m:r>
+                          </m:sub>
+                        </m:sSub>
+                      </m:e>
+                    </m:d>
+                    <m:r>
+                      <a:rPr lang="en-US" sz="2800" i="1">
+                        <a:latin typeface="Cambria Math" panose="02040503050406030204" pitchFamily="18" charset="0"/>
+                        <a:ea typeface="Times New Roman" panose="02020603050405020304" pitchFamily="18" charset="0"/>
+                        <a:cs typeface="Times New Roman" panose="02020603050405020304" pitchFamily="18" charset="0"/>
+                      </a:rPr>
+                      <m:t>= </m:t>
+                    </m:r>
+                    <m:sSup>
+                      <m:sSupPr>
+                        <m:ctrlPr>
+                          <a:rPr lang="en-US" sz="2800" i="1">
+                            <a:effectLst/>
+                            <a:latin typeface="Cambria Math" panose="02040503050406030204" pitchFamily="18" charset="0"/>
+                          </a:rPr>
+                        </m:ctrlPr>
+                      </m:sSupPr>
+                      <m:e>
+                        <m:sSub>
+                          <m:sSubPr>
+                            <m:ctrlPr>
+                              <a:rPr lang="en-US" sz="2800" i="1">
+                                <a:effectLst/>
+                                <a:latin typeface="Cambria Math" panose="02040503050406030204" pitchFamily="18" charset="0"/>
+                              </a:rPr>
+                            </m:ctrlPr>
+                          </m:sSubPr>
+                          <m:e>
+                            <m:r>
+                              <a:rPr lang="en-US" sz="2800" i="1">
+                                <a:latin typeface="Cambria Math" panose="02040503050406030204" pitchFamily="18" charset="0"/>
+                                <a:ea typeface="Times New Roman" panose="02020603050405020304" pitchFamily="18" charset="0"/>
+                                <a:cs typeface="Times New Roman" panose="02020603050405020304" pitchFamily="18" charset="0"/>
+                              </a:rPr>
+                              <m:t>𝑣</m:t>
+                            </m:r>
+                          </m:e>
+                          <m:sub>
+                            <m:r>
+                              <a:rPr lang="en-US" sz="2800" i="1">
+                                <a:latin typeface="Cambria Math" panose="02040503050406030204" pitchFamily="18" charset="0"/>
+                                <a:ea typeface="Times New Roman" panose="02020603050405020304" pitchFamily="18" charset="0"/>
+                                <a:cs typeface="Times New Roman" panose="02020603050405020304" pitchFamily="18" charset="0"/>
+                              </a:rPr>
+                              <m:t>𝑎</m:t>
+                            </m:r>
+                          </m:sub>
+                        </m:sSub>
+                      </m:e>
+                      <m:sup>
+                        <m:r>
+                          <a:rPr lang="en-US" sz="2800" i="1">
+                            <a:latin typeface="Cambria Math" panose="02040503050406030204" pitchFamily="18" charset="0"/>
+                            <a:ea typeface="Times New Roman" panose="02020603050405020304" pitchFamily="18" charset="0"/>
+                            <a:cs typeface="Times New Roman" panose="02020603050405020304" pitchFamily="18" charset="0"/>
+                          </a:rPr>
+                          <m:t>𝑇</m:t>
+                        </m:r>
+                      </m:sup>
+                    </m:sSup>
+                    <m:func>
+                      <m:funcPr>
+                        <m:ctrlPr>
+                          <a:rPr lang="en-US" sz="2800" i="1">
+                            <a:effectLst/>
+                            <a:latin typeface="Cambria Math" panose="02040503050406030204" pitchFamily="18" charset="0"/>
+                          </a:rPr>
+                        </m:ctrlPr>
+                      </m:funcPr>
+                      <m:fName>
+                        <m:r>
+                          <m:rPr>
+                            <m:sty m:val="p"/>
+                          </m:rPr>
+                          <a:rPr lang="en-US" sz="2800">
+                            <a:latin typeface="Cambria Math" panose="02040503050406030204" pitchFamily="18" charset="0"/>
+                            <a:ea typeface="Times New Roman" panose="02020603050405020304" pitchFamily="18" charset="0"/>
+                            <a:cs typeface="Times New Roman" panose="02020603050405020304" pitchFamily="18" charset="0"/>
+                          </a:rPr>
+                          <m:t>tanh</m:t>
+                        </m:r>
+                      </m:fName>
+                      <m:e>
+                        <m:r>
+                          <a:rPr lang="en-US" sz="2800" i="1">
+                            <a:latin typeface="Cambria Math" panose="02040503050406030204" pitchFamily="18" charset="0"/>
+                            <a:ea typeface="Times New Roman" panose="02020603050405020304" pitchFamily="18" charset="0"/>
+                            <a:cs typeface="Times New Roman" panose="02020603050405020304" pitchFamily="18" charset="0"/>
+                          </a:rPr>
+                          <m:t>( </m:t>
+                        </m:r>
+                        <m:sSub>
+                          <m:sSubPr>
+                            <m:ctrlPr>
+                              <a:rPr lang="en-US" sz="2800" i="1">
+                                <a:effectLst/>
+                                <a:latin typeface="Cambria Math" panose="02040503050406030204" pitchFamily="18" charset="0"/>
+                              </a:rPr>
+                            </m:ctrlPr>
+                          </m:sSubPr>
+                          <m:e>
+                            <m:r>
+                              <a:rPr lang="en-US" sz="2800" i="1">
+                                <a:latin typeface="Cambria Math" panose="02040503050406030204" pitchFamily="18" charset="0"/>
+                                <a:ea typeface="Times New Roman" panose="02020603050405020304" pitchFamily="18" charset="0"/>
+                                <a:cs typeface="Times New Roman" panose="02020603050405020304" pitchFamily="18" charset="0"/>
+                              </a:rPr>
+                              <m:t>𝑊</m:t>
+                            </m:r>
+                          </m:e>
+                          <m:sub>
+                            <m:r>
+                              <a:rPr lang="en-US" sz="2800" i="1">
+                                <a:latin typeface="Cambria Math" panose="02040503050406030204" pitchFamily="18" charset="0"/>
+                                <a:ea typeface="Times New Roman" panose="02020603050405020304" pitchFamily="18" charset="0"/>
+                                <a:cs typeface="Times New Roman" panose="02020603050405020304" pitchFamily="18" charset="0"/>
+                              </a:rPr>
+                              <m:t>𝑎</m:t>
+                            </m:r>
+                          </m:sub>
+                        </m:sSub>
+                        <m:sSub>
+                          <m:sSubPr>
+                            <m:ctrlPr>
+                              <a:rPr lang="en-US" sz="2800" i="1">
+                                <a:effectLst/>
+                                <a:latin typeface="Cambria Math" panose="02040503050406030204" pitchFamily="18" charset="0"/>
+                              </a:rPr>
+                            </m:ctrlPr>
+                          </m:sSubPr>
+                          <m:e>
+                            <m:r>
+                              <a:rPr lang="en-US" sz="2800" i="1">
+                                <a:latin typeface="Cambria Math" panose="02040503050406030204" pitchFamily="18" charset="0"/>
+                                <a:ea typeface="Times New Roman" panose="02020603050405020304" pitchFamily="18" charset="0"/>
+                                <a:cs typeface="Times New Roman" panose="02020603050405020304" pitchFamily="18" charset="0"/>
+                              </a:rPr>
+                              <m:t>𝑠</m:t>
+                            </m:r>
+                          </m:e>
+                          <m:sub>
+                            <m:r>
+                              <a:rPr lang="en-US" sz="2800" i="1">
+                                <a:latin typeface="Cambria Math" panose="02040503050406030204" pitchFamily="18" charset="0"/>
+                                <a:ea typeface="Times New Roman" panose="02020603050405020304" pitchFamily="18" charset="0"/>
+                                <a:cs typeface="Times New Roman" panose="02020603050405020304" pitchFamily="18" charset="0"/>
+                              </a:rPr>
+                              <m:t>𝑖</m:t>
+                            </m:r>
+                            <m:r>
+                              <a:rPr lang="en-US" sz="2800" i="1">
+                                <a:latin typeface="Cambria Math" panose="02040503050406030204" pitchFamily="18" charset="0"/>
+                                <a:ea typeface="Times New Roman" panose="02020603050405020304" pitchFamily="18" charset="0"/>
+                                <a:cs typeface="Times New Roman" panose="02020603050405020304" pitchFamily="18" charset="0"/>
+                              </a:rPr>
+                              <m:t>−1</m:t>
+                            </m:r>
+                          </m:sub>
+                        </m:sSub>
+                        <m:r>
+                          <a:rPr lang="en-US" sz="2800" i="1">
+                            <a:latin typeface="Cambria Math" panose="02040503050406030204" pitchFamily="18" charset="0"/>
+                            <a:ea typeface="Times New Roman" panose="02020603050405020304" pitchFamily="18" charset="0"/>
+                            <a:cs typeface="Times New Roman" panose="02020603050405020304" pitchFamily="18" charset="0"/>
+                          </a:rPr>
+                          <m:t>+ </m:t>
+                        </m:r>
+                        <m:sSub>
+                          <m:sSubPr>
+                            <m:ctrlPr>
+                              <a:rPr lang="en-US" sz="2800" i="1">
+                                <a:effectLst/>
+                                <a:latin typeface="Cambria Math" panose="02040503050406030204" pitchFamily="18" charset="0"/>
+                              </a:rPr>
+                            </m:ctrlPr>
+                          </m:sSubPr>
+                          <m:e>
+                            <m:r>
+                              <a:rPr lang="en-US" sz="2800" i="1">
+                                <a:latin typeface="Cambria Math" panose="02040503050406030204" pitchFamily="18" charset="0"/>
+                                <a:ea typeface="Times New Roman" panose="02020603050405020304" pitchFamily="18" charset="0"/>
+                                <a:cs typeface="Times New Roman" panose="02020603050405020304" pitchFamily="18" charset="0"/>
+                              </a:rPr>
+                              <m:t>𝑈</m:t>
+                            </m:r>
+                          </m:e>
+                          <m:sub>
+                            <m:r>
+                              <a:rPr lang="en-US" sz="2800" i="1">
+                                <a:latin typeface="Cambria Math" panose="02040503050406030204" pitchFamily="18" charset="0"/>
+                                <a:ea typeface="Times New Roman" panose="02020603050405020304" pitchFamily="18" charset="0"/>
+                                <a:cs typeface="Times New Roman" panose="02020603050405020304" pitchFamily="18" charset="0"/>
+                              </a:rPr>
+                              <m:t>𝑎</m:t>
+                            </m:r>
+                          </m:sub>
+                        </m:sSub>
+                        <m:sSub>
+                          <m:sSubPr>
+                            <m:ctrlPr>
+                              <a:rPr lang="en-US" sz="2800" i="1">
+                                <a:effectLst/>
+                                <a:latin typeface="Cambria Math" panose="02040503050406030204" pitchFamily="18" charset="0"/>
+                              </a:rPr>
+                            </m:ctrlPr>
+                          </m:sSubPr>
+                          <m:e>
+                            <m:r>
+                              <a:rPr lang="en-US" sz="2800" i="1">
+                                <a:latin typeface="Cambria Math" panose="02040503050406030204" pitchFamily="18" charset="0"/>
+                                <a:ea typeface="Times New Roman" panose="02020603050405020304" pitchFamily="18" charset="0"/>
+                                <a:cs typeface="Times New Roman" panose="02020603050405020304" pitchFamily="18" charset="0"/>
+                              </a:rPr>
+                              <m:t>h</m:t>
+                            </m:r>
+                          </m:e>
+                          <m:sub>
+                            <m:r>
+                              <a:rPr lang="en-US" sz="2800" i="1">
+                                <a:latin typeface="Cambria Math" panose="02040503050406030204" pitchFamily="18" charset="0"/>
+                                <a:ea typeface="Times New Roman" panose="02020603050405020304" pitchFamily="18" charset="0"/>
+                                <a:cs typeface="Times New Roman" panose="02020603050405020304" pitchFamily="18" charset="0"/>
+                              </a:rPr>
+                              <m:t>𝑗</m:t>
+                            </m:r>
+                          </m:sub>
+                        </m:sSub>
+                        <m:r>
+                          <a:rPr lang="en-US" sz="2800" i="1">
+                            <a:latin typeface="Cambria Math" panose="02040503050406030204" pitchFamily="18" charset="0"/>
+                            <a:ea typeface="Times New Roman" panose="02020603050405020304" pitchFamily="18" charset="0"/>
+                            <a:cs typeface="Times New Roman" panose="02020603050405020304" pitchFamily="18" charset="0"/>
+                          </a:rPr>
+                          <m:t> )</m:t>
+                        </m:r>
+                      </m:e>
+                    </m:func>
+                  </m:oMath>
+                </a14:m>
+                <a:endParaRPr lang="en-US" dirty="0"/>
+              </a:p>
+            </p:txBody>
+          </p:sp>
+        </mc:Choice>
+        <mc:Fallback>
+          <p:sp>
+            <p:nvSpPr>
+              <p:cNvPr id="5" name="Rectangle 4"/>
+              <p:cNvSpPr>
+                <a:spLocks noRot="1" noChangeAspect="1" noMove="1" noResize="1" noEditPoints="1" noAdjustHandles="1" noChangeArrowheads="1" noChangeShapeType="1" noTextEdit="1"/>
+              </p:cNvSpPr>
+              <p:nvPr/>
+            </p:nvSpPr>
+            <p:spPr>
+              <a:xfrm>
+                <a:off x="2618511" y="3992231"/>
+                <a:ext cx="7491844" cy="588751"/>
+              </a:xfrm>
+              <a:prstGeom prst="rect">
+                <a:avLst/>
+              </a:prstGeom>
+              <a:blipFill>
+                <a:blip r:embed="rId3"/>
+                <a:stretch>
+                  <a:fillRect/>
+                </a:stretch>
+              </a:blipFill>
+            </p:spPr>
+            <p:txBody>
+              <a:bodyPr/>
+              <a:lstStyle/>
+              <a:p>
+                <a:r>
+                  <a:rPr lang="en-US">
+                    <a:noFill/>
+                  </a:rPr>
+                  <a:t> </a:t>
+                </a:r>
+              </a:p>
+            </p:txBody>
+          </p:sp>
+        </mc:Fallback>
+      </mc:AlternateContent>
     </p:spTree>
     <p:extLst>
       <p:ext uri="{BB962C8B-B14F-4D97-AF65-F5344CB8AC3E}">
@@ -24063,21 +24807,191 @@
                 </a:pPr>
                 <a:r>
                   <a:rPr lang="en-US" sz="2400" dirty="0" smtClean="0"/>
-                  <a:t>Content-base </a:t>
-                </a:r>
-                <a:r>
-                  <a:rPr lang="en-US" sz="2400" dirty="0" smtClean="0"/>
-                  <a:t>Attention</a:t>
-                </a:r>
-                <a:r>
-                  <a:rPr lang="en-US" sz="2400" dirty="0" smtClean="0"/>
-                  <a:t>:</a:t>
-                </a:r>
-              </a:p>
-              <a:p>
-                <a:pPr marL="0" indent="0">
-                  <a:buNone/>
-                </a:pPr>
+                  <a:t>Content-base Attention:</a:t>
+                </a:r>
+                <a:r>
+                  <a:rPr lang="id-ID" sz="2400" dirty="0" smtClean="0"/>
+                  <a:t>	</a:t>
+                </a:r>
+                <a14:m>
+                  <m:oMath xmlns:m="http://schemas.openxmlformats.org/officeDocument/2006/math">
+                    <m:r>
+                      <a:rPr lang="id-ID" sz="2400" b="0" i="1" smtClean="0">
+                        <a:latin typeface="Cambria Math" panose="02040503050406030204" pitchFamily="18" charset="0"/>
+                      </a:rPr>
+                      <m:t>𝑠𝑐𝑜𝑟𝑒</m:t>
+                    </m:r>
+                    <m:r>
+                      <a:rPr lang="id-ID" sz="2400" b="0" i="1" smtClean="0">
+                        <a:latin typeface="Cambria Math" panose="02040503050406030204" pitchFamily="18" charset="0"/>
+                      </a:rPr>
+                      <m:t>(</m:t>
+                    </m:r>
+                    <m:sSub>
+                      <m:sSubPr>
+                        <m:ctrlPr>
+                          <a:rPr lang="id-ID" sz="2400" b="0" i="1" smtClean="0">
+                            <a:latin typeface="Cambria Math" panose="02040503050406030204" pitchFamily="18" charset="0"/>
+                          </a:rPr>
+                        </m:ctrlPr>
+                      </m:sSubPr>
+                      <m:e>
+                        <m:r>
+                          <a:rPr lang="id-ID" sz="2400" b="0" i="1" smtClean="0">
+                            <a:latin typeface="Cambria Math" panose="02040503050406030204" pitchFamily="18" charset="0"/>
+                          </a:rPr>
+                          <m:t>𝑠</m:t>
+                        </m:r>
+                      </m:e>
+                      <m:sub>
+                        <m:r>
+                          <a:rPr lang="id-ID" sz="2400" b="0" i="1" smtClean="0">
+                            <a:latin typeface="Cambria Math" panose="02040503050406030204" pitchFamily="18" charset="0"/>
+                          </a:rPr>
+                          <m:t>𝑖</m:t>
+                        </m:r>
+                        <m:r>
+                          <a:rPr lang="id-ID" sz="2400" b="0" i="1" smtClean="0">
+                            <a:latin typeface="Cambria Math" panose="02040503050406030204" pitchFamily="18" charset="0"/>
+                          </a:rPr>
+                          <m:t>−1</m:t>
+                        </m:r>
+                      </m:sub>
+                    </m:sSub>
+                    <m:r>
+                      <a:rPr lang="id-ID" sz="2400" b="0" i="1" smtClean="0">
+                        <a:latin typeface="Cambria Math" panose="02040503050406030204" pitchFamily="18" charset="0"/>
+                      </a:rPr>
+                      <m:t>,</m:t>
+                    </m:r>
+                  </m:oMath>
+                </a14:m>
+                <a:r>
+                  <a:rPr lang="id-ID" sz="2400" dirty="0" smtClean="0"/>
+                  <a:t> </a:t>
+                </a:r>
+                <a14:m>
+                  <m:oMath xmlns:m="http://schemas.openxmlformats.org/officeDocument/2006/math">
+                    <m:sSub>
+                      <m:sSubPr>
+                        <m:ctrlPr>
+                          <a:rPr lang="id-ID" sz="2400" i="1">
+                            <a:latin typeface="Cambria Math" panose="02040503050406030204" pitchFamily="18" charset="0"/>
+                          </a:rPr>
+                        </m:ctrlPr>
+                      </m:sSubPr>
+                      <m:e>
+                        <m:r>
+                          <a:rPr lang="id-ID" sz="2400" b="0" i="1" smtClean="0">
+                            <a:latin typeface="Cambria Math" panose="02040503050406030204" pitchFamily="18" charset="0"/>
+                          </a:rPr>
+                          <m:t>h</m:t>
+                        </m:r>
+                      </m:e>
+                      <m:sub>
+                        <m:r>
+                          <a:rPr lang="id-ID" sz="2400" b="0" i="1" smtClean="0">
+                            <a:latin typeface="Cambria Math" panose="02040503050406030204" pitchFamily="18" charset="0"/>
+                          </a:rPr>
+                          <m:t>𝑗</m:t>
+                        </m:r>
+                      </m:sub>
+                    </m:sSub>
+                    <m:r>
+                      <a:rPr lang="id-ID" sz="2400" b="0" i="1" smtClean="0">
+                        <a:latin typeface="Cambria Math" panose="02040503050406030204" pitchFamily="18" charset="0"/>
+                      </a:rPr>
+                      <m:t>)=</m:t>
+                    </m:r>
+                    <m:r>
+                      <a:rPr lang="en-US" sz="2400" b="0" i="1" smtClean="0">
+                        <a:latin typeface="Cambria Math" panose="02040503050406030204" pitchFamily="18" charset="0"/>
+                      </a:rPr>
+                      <m:t>𝑐𝑜𝑠𝑖𝑛𝑒</m:t>
+                    </m:r>
+                    <m:r>
+                      <a:rPr lang="en-US" sz="2400" b="0" i="1" smtClean="0">
+                        <a:latin typeface="Cambria Math" panose="02040503050406030204" pitchFamily="18" charset="0"/>
+                      </a:rPr>
+                      <m:t>[</m:t>
+                    </m:r>
+                    <m:sSub>
+                      <m:sSubPr>
+                        <m:ctrlPr>
+                          <a:rPr lang="id-ID" sz="2400" i="1">
+                            <a:latin typeface="Cambria Math" panose="02040503050406030204" pitchFamily="18" charset="0"/>
+                          </a:rPr>
+                        </m:ctrlPr>
+                      </m:sSubPr>
+                      <m:e>
+                        <m:r>
+                          <a:rPr lang="id-ID" sz="2400" i="1">
+                            <a:latin typeface="Cambria Math" panose="02040503050406030204" pitchFamily="18" charset="0"/>
+                          </a:rPr>
+                          <m:t>𝑠</m:t>
+                        </m:r>
+                      </m:e>
+                      <m:sub>
+                        <m:r>
+                          <a:rPr lang="id-ID" sz="2400" i="1">
+                            <a:latin typeface="Cambria Math" panose="02040503050406030204" pitchFamily="18" charset="0"/>
+                          </a:rPr>
+                          <m:t>𝑖</m:t>
+                        </m:r>
+                        <m:r>
+                          <a:rPr lang="id-ID" sz="2400" i="1">
+                            <a:latin typeface="Cambria Math" panose="02040503050406030204" pitchFamily="18" charset="0"/>
+                          </a:rPr>
+                          <m:t>−1</m:t>
+                        </m:r>
+                      </m:sub>
+                    </m:sSub>
+                    <m:r>
+                      <a:rPr lang="id-ID" sz="2400" i="1">
+                        <a:latin typeface="Cambria Math" panose="02040503050406030204" pitchFamily="18" charset="0"/>
+                      </a:rPr>
+                      <m:t>,</m:t>
+                    </m:r>
+                    <m:r>
+                      <m:rPr>
+                        <m:nor/>
+                      </m:rPr>
+                      <a:rPr lang="id-ID" sz="2400" dirty="0"/>
+                      <m:t> </m:t>
+                    </m:r>
+                    <m:sSub>
+                      <m:sSubPr>
+                        <m:ctrlPr>
+                          <a:rPr lang="id-ID" sz="2400" i="1">
+                            <a:latin typeface="Cambria Math" panose="02040503050406030204" pitchFamily="18" charset="0"/>
+                          </a:rPr>
+                        </m:ctrlPr>
+                      </m:sSubPr>
+                      <m:e>
+                        <m:r>
+                          <a:rPr lang="id-ID" sz="2400" i="1">
+                            <a:latin typeface="Cambria Math" panose="02040503050406030204" pitchFamily="18" charset="0"/>
+                          </a:rPr>
+                          <m:t>h</m:t>
+                        </m:r>
+                      </m:e>
+                      <m:sub>
+                        <m:r>
+                          <a:rPr lang="id-ID" sz="2400" i="1">
+                            <a:latin typeface="Cambria Math" panose="02040503050406030204" pitchFamily="18" charset="0"/>
+                          </a:rPr>
+                          <m:t>𝑗</m:t>
+                        </m:r>
+                      </m:sub>
+                    </m:sSub>
+                    <m:r>
+                      <a:rPr lang="en-US" sz="2400" b="0" i="1" smtClean="0">
+                        <a:latin typeface="Cambria Math" panose="02040503050406030204" pitchFamily="18" charset="0"/>
+                      </a:rPr>
+                      <m:t>]</m:t>
+                    </m:r>
+                  </m:oMath>
+                </a14:m>
                 <a:endParaRPr lang="en-US" sz="2400" dirty="0" smtClean="0"/>
               </a:p>
               <a:p>
@@ -24086,21 +25000,206 @@
                 </a:pPr>
                 <a:r>
                   <a:rPr lang="en-US" sz="2400" dirty="0" smtClean="0"/>
-                  <a:t>General </a:t>
-                </a:r>
-                <a:r>
-                  <a:rPr lang="en-US" sz="2400" dirty="0" smtClean="0"/>
-                  <a:t>Attention</a:t>
+                  <a:t>General Attention</a:t>
                 </a:r>
                 <a:r>
                   <a:rPr lang="en-US" sz="2400" dirty="0" smtClean="0"/>
                   <a:t>:</a:t>
                 </a:r>
-              </a:p>
-              <a:p>
-                <a:pPr marL="0" indent="0">
-                  <a:buNone/>
-                </a:pPr>
+                <a:r>
+                  <a:rPr lang="id-ID" sz="2400" dirty="0" smtClean="0"/>
+                  <a:t>		</a:t>
+                </a:r>
+                <a:r>
+                  <a:rPr lang="en-US" sz="2400" i="1" dirty="0" smtClean="0">
+                    <a:latin typeface="Cambria Math" panose="02040503050406030204" pitchFamily="18" charset="0"/>
+                    <a:ea typeface="Cambria Math" panose="02040503050406030204" pitchFamily="18" charset="0"/>
+                  </a:rPr>
+                  <a:t>score</a:t>
+                </a:r>
+                <a14:m>
+                  <m:oMath xmlns:m="http://schemas.openxmlformats.org/officeDocument/2006/math">
+                    <m:d>
+                      <m:dPr>
+                        <m:ctrlPr>
+                          <a:rPr lang="en-US" sz="2400" i="1">
+                            <a:latin typeface="Cambria Math" panose="02040503050406030204" pitchFamily="18" charset="0"/>
+                          </a:rPr>
+                        </m:ctrlPr>
+                      </m:dPr>
+                      <m:e>
+                        <m:sSub>
+                          <m:sSubPr>
+                            <m:ctrlPr>
+                              <a:rPr lang="en-US" sz="2400" i="1">
+                                <a:latin typeface="Cambria Math" panose="02040503050406030204" pitchFamily="18" charset="0"/>
+                              </a:rPr>
+                            </m:ctrlPr>
+                          </m:sSubPr>
+                          <m:e>
+                            <m:r>
+                              <a:rPr lang="en-US" sz="2400" i="1">
+                                <a:latin typeface="Cambria Math" panose="02040503050406030204" pitchFamily="18" charset="0"/>
+                              </a:rPr>
+                              <m:t>𝑠</m:t>
+                            </m:r>
+                          </m:e>
+                          <m:sub>
+                            <m:r>
+                              <a:rPr lang="en-US" sz="2400" i="1">
+                                <a:latin typeface="Cambria Math" panose="02040503050406030204" pitchFamily="18" charset="0"/>
+                              </a:rPr>
+                              <m:t>𝑖</m:t>
+                            </m:r>
+                            <m:r>
+                              <a:rPr lang="en-US" sz="2400">
+                                <a:latin typeface="Cambria Math" panose="02040503050406030204" pitchFamily="18" charset="0"/>
+                              </a:rPr>
+                              <m:t>−1 </m:t>
+                            </m:r>
+                          </m:sub>
+                        </m:sSub>
+                        <m:r>
+                          <a:rPr lang="en-US" sz="2400">
+                            <a:latin typeface="Cambria Math" panose="02040503050406030204" pitchFamily="18" charset="0"/>
+                          </a:rPr>
+                          <m:t>,</m:t>
+                        </m:r>
+                        <m:sSub>
+                          <m:sSubPr>
+                            <m:ctrlPr>
+                              <a:rPr lang="en-US" sz="2400" i="1">
+                                <a:latin typeface="Cambria Math" panose="02040503050406030204" pitchFamily="18" charset="0"/>
+                              </a:rPr>
+                            </m:ctrlPr>
+                          </m:sSubPr>
+                          <m:e>
+                            <m:r>
+                              <a:rPr lang="en-US" sz="2400" i="1">
+                                <a:latin typeface="Cambria Math" panose="02040503050406030204" pitchFamily="18" charset="0"/>
+                              </a:rPr>
+                              <m:t>h</m:t>
+                            </m:r>
+                          </m:e>
+                          <m:sub>
+                            <m:r>
+                              <a:rPr lang="en-US" sz="2400" i="1">
+                                <a:latin typeface="Cambria Math" panose="02040503050406030204" pitchFamily="18" charset="0"/>
+                              </a:rPr>
+                              <m:t>𝑗</m:t>
+                            </m:r>
+                          </m:sub>
+                        </m:sSub>
+                      </m:e>
+                    </m:d>
+                    <m:r>
+                      <a:rPr lang="en-US" sz="2400">
+                        <a:latin typeface="Cambria Math" panose="02040503050406030204" pitchFamily="18" charset="0"/>
+                      </a:rPr>
+                      <m:t>= </m:t>
+                    </m:r>
+                    <m:sSup>
+                      <m:sSupPr>
+                        <m:ctrlPr>
+                          <a:rPr lang="en-US" sz="2400" i="1">
+                            <a:latin typeface="Cambria Math" panose="02040503050406030204" pitchFamily="18" charset="0"/>
+                          </a:rPr>
+                        </m:ctrlPr>
+                      </m:sSupPr>
+                      <m:e>
+                        <m:sSub>
+                          <m:sSubPr>
+                            <m:ctrlPr>
+                              <a:rPr lang="en-US" sz="2400" i="1">
+                                <a:latin typeface="Cambria Math" panose="02040503050406030204" pitchFamily="18" charset="0"/>
+                              </a:rPr>
+                            </m:ctrlPr>
+                          </m:sSubPr>
+                          <m:e>
+                            <m:r>
+                              <a:rPr lang="en-US" sz="2400" i="1">
+                                <a:latin typeface="Cambria Math" panose="02040503050406030204" pitchFamily="18" charset="0"/>
+                              </a:rPr>
+                              <m:t>𝑠</m:t>
+                            </m:r>
+                          </m:e>
+                          <m:sub>
+                            <m:r>
+                              <a:rPr lang="en-US" sz="2400" i="1">
+                                <a:latin typeface="Cambria Math" panose="02040503050406030204" pitchFamily="18" charset="0"/>
+                              </a:rPr>
+                              <m:t>𝑖</m:t>
+                            </m:r>
+                            <m:r>
+                              <a:rPr lang="en-US" sz="2400">
+                                <a:latin typeface="Cambria Math" panose="02040503050406030204" pitchFamily="18" charset="0"/>
+                              </a:rPr>
+                              <m:t>−1</m:t>
+                            </m:r>
+                          </m:sub>
+                        </m:sSub>
+                      </m:e>
+                      <m:sup>
+                        <m:r>
+                          <a:rPr lang="en-US" sz="2400" i="1">
+                            <a:latin typeface="Cambria Math" panose="02040503050406030204" pitchFamily="18" charset="0"/>
+                          </a:rPr>
+                          <m:t>𝑇</m:t>
+                        </m:r>
+                      </m:sup>
+                    </m:sSup>
+                    <m:sSub>
+                      <m:sSubPr>
+                        <m:ctrlPr>
+                          <a:rPr lang="en-US" sz="2400" i="1">
+                            <a:latin typeface="Cambria Math" panose="02040503050406030204" pitchFamily="18" charset="0"/>
+                          </a:rPr>
+                        </m:ctrlPr>
+                      </m:sSubPr>
+                      <m:e>
+                        <m:r>
+                          <a:rPr lang="en-US" sz="2400" i="1">
+                            <a:latin typeface="Cambria Math" panose="02040503050406030204" pitchFamily="18" charset="0"/>
+                          </a:rPr>
+                          <m:t>𝑊</m:t>
+                        </m:r>
+                      </m:e>
+                      <m:sub>
+                        <m:r>
+                          <a:rPr lang="en-US" sz="2400" i="1">
+                            <a:latin typeface="Cambria Math" panose="02040503050406030204" pitchFamily="18" charset="0"/>
+                          </a:rPr>
+                          <m:t>𝑎</m:t>
+                        </m:r>
+                      </m:sub>
+                    </m:sSub>
+                    <m:sSub>
+                      <m:sSubPr>
+                        <m:ctrlPr>
+                          <a:rPr lang="en-US" sz="2400" i="1">
+                            <a:latin typeface="Cambria Math" panose="02040503050406030204" pitchFamily="18" charset="0"/>
+                          </a:rPr>
+                        </m:ctrlPr>
+                      </m:sSubPr>
+                      <m:e>
+                        <m:r>
+                          <a:rPr lang="en-US" sz="2400" i="1">
+                            <a:latin typeface="Cambria Math" panose="02040503050406030204" pitchFamily="18" charset="0"/>
+                          </a:rPr>
+                          <m:t>h</m:t>
+                        </m:r>
+                      </m:e>
+                      <m:sub>
+                        <m:r>
+                          <a:rPr lang="en-US" sz="2400" i="1">
+                            <a:latin typeface="Cambria Math" panose="02040503050406030204" pitchFamily="18" charset="0"/>
+                          </a:rPr>
+                          <m:t>𝑗</m:t>
+                        </m:r>
+                      </m:sub>
+                    </m:sSub>
+                  </m:oMath>
+                </a14:m>
                 <a:endParaRPr lang="en-US" sz="2400" dirty="0" smtClean="0"/>
               </a:p>
               <a:p>
@@ -24109,36 +25208,200 @@
                 </a:pPr>
                 <a:r>
                   <a:rPr lang="en-US" sz="2400" dirty="0" smtClean="0"/>
-                  <a:t>Dot </a:t>
+                  <a:t>Dot Product</a:t>
                 </a:r>
                 <a:r>
                   <a:rPr lang="en-US" sz="2400" dirty="0" smtClean="0"/>
-                  <a:t>Product: </a:t>
-                </a:r>
-                <a:endParaRPr lang="en-US" sz="2400" dirty="0" smtClean="0"/>
-              </a:p>
-              <a:p>
-                <a:pPr marL="0" indent="0">
-                  <a:buNone/>
-                </a:pPr>
-                <a:endParaRPr lang="en-US" sz="2400" dirty="0" smtClean="0"/>
-              </a:p>
-              <a:p>
-                <a:pPr marL="0" indent="0">
-                  <a:buNone/>
-                </a:pPr>
-                <a:r>
-                  <a:rPr lang="en-US" sz="2400" dirty="0" smtClean="0"/>
-                  <a:t>Additive </a:t>
-                </a:r>
-                <a:r>
-                  <a:rPr lang="en-US" sz="2400" dirty="0" smtClean="0"/>
-                  <a:t>Attention</a:t>
-                </a:r>
-                <a:r>
-                  <a:rPr lang="en-US" sz="2400" dirty="0" smtClean="0"/>
-                  <a:t>:</a:t>
-                </a:r>
+                  <a:t>:			</a:t>
+                </a:r>
+                <a:r>
+                  <a:rPr lang="en-US" sz="2400" i="1" dirty="0" smtClean="0">
+                    <a:latin typeface="Cambria Math" panose="02040503050406030204" pitchFamily="18" charset="0"/>
+                    <a:ea typeface="Cambria Math" panose="02040503050406030204" pitchFamily="18" charset="0"/>
+                  </a:rPr>
+                  <a:t>score</a:t>
+                </a:r>
+                <a14:m>
+                  <m:oMath xmlns:m="http://schemas.openxmlformats.org/officeDocument/2006/math">
+                    <m:d>
+                      <m:dPr>
+                        <m:ctrlPr>
+                          <a:rPr lang="en-US" sz="2400" i="1">
+                            <a:latin typeface="Cambria Math" panose="02040503050406030204" pitchFamily="18" charset="0"/>
+                            <a:ea typeface="Cambria Math" panose="02040503050406030204" pitchFamily="18" charset="0"/>
+                          </a:rPr>
+                        </m:ctrlPr>
+                      </m:dPr>
+                      <m:e>
+                        <m:sSub>
+                          <m:sSubPr>
+                            <m:ctrlPr>
+                              <a:rPr lang="en-US" sz="2400" i="1">
+                                <a:latin typeface="Cambria Math" panose="02040503050406030204" pitchFamily="18" charset="0"/>
+                                <a:ea typeface="Cambria Math" panose="02040503050406030204" pitchFamily="18" charset="0"/>
+                              </a:rPr>
+                            </m:ctrlPr>
+                          </m:sSubPr>
+                          <m:e>
+                            <m:r>
+                              <a:rPr lang="en-US" sz="2400" i="1">
+                                <a:latin typeface="Cambria Math" panose="02040503050406030204" pitchFamily="18" charset="0"/>
+                                <a:ea typeface="Cambria Math" panose="02040503050406030204" pitchFamily="18" charset="0"/>
+                              </a:rPr>
+                              <m:t>𝑠</m:t>
+                            </m:r>
+                          </m:e>
+                          <m:sub>
+                            <m:r>
+                              <a:rPr lang="en-US" sz="2400" i="1">
+                                <a:latin typeface="Cambria Math" panose="02040503050406030204" pitchFamily="18" charset="0"/>
+                                <a:ea typeface="Cambria Math" panose="02040503050406030204" pitchFamily="18" charset="0"/>
+                              </a:rPr>
+                              <m:t>𝑖</m:t>
+                            </m:r>
+                            <m:r>
+                              <a:rPr lang="en-US" sz="2400" i="1">
+                                <a:latin typeface="Cambria Math" panose="02040503050406030204" pitchFamily="18" charset="0"/>
+                                <a:ea typeface="Cambria Math" panose="02040503050406030204" pitchFamily="18" charset="0"/>
+                              </a:rPr>
+                              <m:t>−1 </m:t>
+                            </m:r>
+                          </m:sub>
+                        </m:sSub>
+                        <m:r>
+                          <a:rPr lang="en-US" sz="2400" i="1">
+                            <a:latin typeface="Cambria Math" panose="02040503050406030204" pitchFamily="18" charset="0"/>
+                            <a:ea typeface="Cambria Math" panose="02040503050406030204" pitchFamily="18" charset="0"/>
+                          </a:rPr>
+                          <m:t>,</m:t>
+                        </m:r>
+                        <m:sSub>
+                          <m:sSubPr>
+                            <m:ctrlPr>
+                              <a:rPr lang="en-US" sz="2400" i="1">
+                                <a:latin typeface="Cambria Math" panose="02040503050406030204" pitchFamily="18" charset="0"/>
+                                <a:ea typeface="Cambria Math" panose="02040503050406030204" pitchFamily="18" charset="0"/>
+                              </a:rPr>
+                            </m:ctrlPr>
+                          </m:sSubPr>
+                          <m:e>
+                            <m:r>
+                              <a:rPr lang="en-US" sz="2400" i="1">
+                                <a:latin typeface="Cambria Math" panose="02040503050406030204" pitchFamily="18" charset="0"/>
+                                <a:ea typeface="Cambria Math" panose="02040503050406030204" pitchFamily="18" charset="0"/>
+                              </a:rPr>
+                              <m:t>h</m:t>
+                            </m:r>
+                          </m:e>
+                          <m:sub>
+                            <m:r>
+                              <a:rPr lang="en-US" sz="2400" i="1">
+                                <a:latin typeface="Cambria Math" panose="02040503050406030204" pitchFamily="18" charset="0"/>
+                                <a:ea typeface="Cambria Math" panose="02040503050406030204" pitchFamily="18" charset="0"/>
+                              </a:rPr>
+                              <m:t>𝑗</m:t>
+                            </m:r>
+                          </m:sub>
+                        </m:sSub>
+                      </m:e>
+                    </m:d>
+                    <m:r>
+                      <a:rPr lang="en-US" sz="2400" i="1">
+                        <a:latin typeface="Cambria Math" panose="02040503050406030204" pitchFamily="18" charset="0"/>
+                        <a:ea typeface="Cambria Math" panose="02040503050406030204" pitchFamily="18" charset="0"/>
+                      </a:rPr>
+                      <m:t>= </m:t>
+                    </m:r>
+                    <m:sSup>
+                      <m:sSupPr>
+                        <m:ctrlPr>
+                          <a:rPr lang="en-US" sz="2400" i="1">
+                            <a:latin typeface="Cambria Math" panose="02040503050406030204" pitchFamily="18" charset="0"/>
+                            <a:ea typeface="Cambria Math" panose="02040503050406030204" pitchFamily="18" charset="0"/>
+                          </a:rPr>
+                        </m:ctrlPr>
+                      </m:sSupPr>
+                      <m:e>
+                        <m:sSub>
+                          <m:sSubPr>
+                            <m:ctrlPr>
+                              <a:rPr lang="en-US" sz="2400" i="1">
+                                <a:latin typeface="Cambria Math" panose="02040503050406030204" pitchFamily="18" charset="0"/>
+                                <a:ea typeface="Cambria Math" panose="02040503050406030204" pitchFamily="18" charset="0"/>
+                              </a:rPr>
+                            </m:ctrlPr>
+                          </m:sSubPr>
+                          <m:e>
+                            <m:r>
+                              <a:rPr lang="en-US" sz="2400" i="1">
+                                <a:latin typeface="Cambria Math" panose="02040503050406030204" pitchFamily="18" charset="0"/>
+                                <a:ea typeface="Cambria Math" panose="02040503050406030204" pitchFamily="18" charset="0"/>
+                              </a:rPr>
+                              <m:t>𝑠</m:t>
+                            </m:r>
+                          </m:e>
+                          <m:sub>
+                            <m:r>
+                              <a:rPr lang="en-US" sz="2400" i="1">
+                                <a:latin typeface="Cambria Math" panose="02040503050406030204" pitchFamily="18" charset="0"/>
+                                <a:ea typeface="Cambria Math" panose="02040503050406030204" pitchFamily="18" charset="0"/>
+                              </a:rPr>
+                              <m:t>𝑖</m:t>
+                            </m:r>
+                            <m:r>
+                              <a:rPr lang="en-US" sz="2400" i="1">
+                                <a:latin typeface="Cambria Math" panose="02040503050406030204" pitchFamily="18" charset="0"/>
+                                <a:ea typeface="Cambria Math" panose="02040503050406030204" pitchFamily="18" charset="0"/>
+                              </a:rPr>
+                              <m:t>−1</m:t>
+                            </m:r>
+                          </m:sub>
+                        </m:sSub>
+                      </m:e>
+                      <m:sup>
+                        <m:r>
+                          <a:rPr lang="en-US" sz="2400" i="1">
+                            <a:latin typeface="Cambria Math" panose="02040503050406030204" pitchFamily="18" charset="0"/>
+                            <a:ea typeface="Cambria Math" panose="02040503050406030204" pitchFamily="18" charset="0"/>
+                          </a:rPr>
+                          <m:t>𝑇</m:t>
+                        </m:r>
+                      </m:sup>
+                    </m:sSup>
+                    <m:sSub>
+                      <m:sSubPr>
+                        <m:ctrlPr>
+                          <a:rPr lang="en-US" sz="2400" i="1">
+                            <a:latin typeface="Cambria Math" panose="02040503050406030204" pitchFamily="18" charset="0"/>
+                            <a:ea typeface="Cambria Math" panose="02040503050406030204" pitchFamily="18" charset="0"/>
+                          </a:rPr>
+                        </m:ctrlPr>
+                      </m:sSubPr>
+                      <m:e>
+                        <m:r>
+                          <a:rPr lang="en-US" sz="2400" i="1">
+                            <a:latin typeface="Cambria Math" panose="02040503050406030204" pitchFamily="18" charset="0"/>
+                            <a:ea typeface="Cambria Math" panose="02040503050406030204" pitchFamily="18" charset="0"/>
+                          </a:rPr>
+                          <m:t>h</m:t>
+                        </m:r>
+                      </m:e>
+                      <m:sub>
+                        <m:r>
+                          <a:rPr lang="en-US" sz="2400" i="1">
+                            <a:latin typeface="Cambria Math" panose="02040503050406030204" pitchFamily="18" charset="0"/>
+                            <a:ea typeface="Cambria Math" panose="02040503050406030204" pitchFamily="18" charset="0"/>
+                          </a:rPr>
+                          <m:t>𝑗</m:t>
+                        </m:r>
+                      </m:sub>
+                    </m:sSub>
+                  </m:oMath>
+                </a14:m>
+                <a:endParaRPr lang="en-US" sz="2400" i="1" dirty="0" smtClean="0">
+                  <a:latin typeface="Cambria Math" panose="02040503050406030204" pitchFamily="18" charset="0"/>
+                  <a:ea typeface="Cambria Math" panose="02040503050406030204" pitchFamily="18" charset="0"/>
+                </a:endParaRPr>
               </a:p>
               <a:p>
                 <a:pPr marL="0" indent="0">
@@ -24153,11 +25416,7 @@
                 </a:pPr>
                 <a:r>
                   <a:rPr lang="en-US" sz="2400" dirty="0" smtClean="0"/>
-                  <a:t>Tóm</a:t>
-                </a:r>
-                <a:r>
-                  <a:rPr lang="en-US" sz="2400" dirty="0" smtClean="0"/>
-                  <a:t> </a:t>
+                  <a:t>Tóm </a:t>
                 </a:r>
                 <a:r>
                   <a:rPr lang="en-US" sz="2400" dirty="0" err="1" smtClean="0"/>
@@ -24543,7 +25802,7 @@
               <a:blipFill>
                 <a:blip r:embed="rId2"/>
                 <a:stretch>
-                  <a:fillRect l="-928" t="-1720"/>
+                  <a:fillRect l="-928" t="-1474"/>
                 </a:stretch>
               </a:blipFill>
             </p:spPr>
@@ -24585,102 +25844,6 @@
           </a:p>
         </p:txBody>
       </p:sp>
-      <p:pic>
-        <p:nvPicPr>
-          <p:cNvPr id="4" name="Picture 3"/>
-          <p:cNvPicPr>
-            <a:picLocks noChangeAspect="1"/>
-          </p:cNvPicPr>
-          <p:nvPr/>
-        </p:nvPicPr>
-        <p:blipFill>
-          <a:blip r:embed="rId3"/>
-          <a:stretch>
-            <a:fillRect/>
-          </a:stretch>
-        </p:blipFill>
-        <p:spPr>
-          <a:xfrm>
-            <a:off x="4224855" y="958325"/>
-            <a:ext cx="4473834" cy="906463"/>
-          </a:xfrm>
-          <a:prstGeom prst="rect">
-            <a:avLst/>
-          </a:prstGeom>
-        </p:spPr>
-      </p:pic>
-      <p:pic>
-        <p:nvPicPr>
-          <p:cNvPr id="5" name="Picture 4"/>
-          <p:cNvPicPr>
-            <a:picLocks noChangeAspect="1"/>
-          </p:cNvPicPr>
-          <p:nvPr/>
-        </p:nvPicPr>
-        <p:blipFill>
-          <a:blip r:embed="rId4"/>
-          <a:stretch>
-            <a:fillRect/>
-          </a:stretch>
-        </p:blipFill>
-        <p:spPr>
-          <a:xfrm>
-            <a:off x="4224855" y="1771158"/>
-            <a:ext cx="3704166" cy="1066800"/>
-          </a:xfrm>
-          <a:prstGeom prst="rect">
-            <a:avLst/>
-          </a:prstGeom>
-        </p:spPr>
-      </p:pic>
-      <p:pic>
-        <p:nvPicPr>
-          <p:cNvPr id="6" name="Picture 5"/>
-          <p:cNvPicPr>
-            <a:picLocks noChangeAspect="1"/>
-          </p:cNvPicPr>
-          <p:nvPr/>
-        </p:nvPicPr>
-        <p:blipFill>
-          <a:blip r:embed="rId5"/>
-          <a:stretch>
-            <a:fillRect/>
-          </a:stretch>
-        </p:blipFill>
-        <p:spPr>
-          <a:xfrm>
-            <a:off x="4079382" y="2677621"/>
-            <a:ext cx="3405971" cy="1039876"/>
-          </a:xfrm>
-          <a:prstGeom prst="rect">
-            <a:avLst/>
-          </a:prstGeom>
-        </p:spPr>
-      </p:pic>
-      <p:pic>
-        <p:nvPicPr>
-          <p:cNvPr id="7" name="Picture 6"/>
-          <p:cNvPicPr>
-            <a:picLocks noChangeAspect="1"/>
-          </p:cNvPicPr>
-          <p:nvPr/>
-        </p:nvPicPr>
-        <p:blipFill>
-          <a:blip r:embed="rId6"/>
-          <a:stretch>
-            <a:fillRect/>
-          </a:stretch>
-        </p:blipFill>
-        <p:spPr>
-          <a:xfrm>
-            <a:off x="4432673" y="3685045"/>
-            <a:ext cx="5066507" cy="1032664"/>
-          </a:xfrm>
-          <a:prstGeom prst="rect">
-            <a:avLst/>
-          </a:prstGeom>
-        </p:spPr>
-      </p:pic>
       <p:sp>
         <p:nvSpPr>
           <p:cNvPr id="10" name="Rectangle 9"/>
@@ -24848,11 +26011,94 @@
               </a:rPr>
               <a:t> score</a:t>
             </a:r>
-            <a:endParaRPr lang="en-US" dirty="0">
-              <a:solidFill>
-                <a:schemeClr val="bg1"/>
-              </a:solidFill>
-            </a:endParaRPr>
+          </a:p>
+        </p:txBody>
+      </p:sp>
+      <p:sp>
+        <p:nvSpPr>
+          <p:cNvPr id="8" name="Rectangle 2"/>
+          <p:cNvSpPr>
+            <a:spLocks noChangeArrowheads="1"/>
+          </p:cNvSpPr>
+          <p:nvPr/>
+        </p:nvSpPr>
+        <p:spPr bwMode="auto">
+          <a:xfrm>
+            <a:off x="0" y="0"/>
+            <a:ext cx="12192000" cy="0"/>
+          </a:xfrm>
+          <a:prstGeom prst="rect">
+            <a:avLst/>
+          </a:prstGeom>
+          <a:noFill/>
+          <a:ln>
+            <a:noFill/>
+          </a:ln>
+          <a:effectLst/>
+          <a:extLst>
+            <a:ext uri="{909E8E84-426E-40DD-AFC4-6F175D3DCCD1}">
+              <a14:hiddenFill xmlns:a14="http://schemas.microsoft.com/office/drawing/2010/main">
+                <a:solidFill>
+                  <a:schemeClr val="accent1"/>
+                </a:solidFill>
+              </a14:hiddenFill>
+            </a:ext>
+            <a:ext uri="{91240B29-F687-4F45-9708-019B960494DF}">
+              <a14:hiddenLine xmlns:a14="http://schemas.microsoft.com/office/drawing/2010/main" w="9525">
+                <a:solidFill>
+                  <a:schemeClr val="tx1"/>
+                </a:solidFill>
+                <a:miter lim="800000"/>
+                <a:headEnd/>
+                <a:tailEnd/>
+              </a14:hiddenLine>
+            </a:ext>
+            <a:ext uri="{AF507438-7753-43E0-B8FC-AC1667EBCBE1}">
+              <a14:hiddenEffects xmlns:a14="http://schemas.microsoft.com/office/drawing/2010/main">
+                <a:effectLst>
+                  <a:outerShdw dist="35921" dir="2700000" algn="ctr" rotWithShape="0">
+                    <a:schemeClr val="bg2"/>
+                  </a:outerShdw>
+                </a:effectLst>
+              </a14:hiddenEffects>
+            </a:ext>
+          </a:extLst>
+        </p:spPr>
+        <p:txBody>
+          <a:bodyPr vert="horz" wrap="none" lIns="91440" tIns="45720" rIns="91440" bIns="45720" numCol="1" anchor="ctr" anchorCtr="0" compatLnSpc="1">
+            <a:prstTxWarp prst="textNoShape">
+              <a:avLst/>
+            </a:prstTxWarp>
+            <a:spAutoFit/>
+          </a:bodyPr>
+          <a:lstStyle/>
+          <a:p>
+            <a:endParaRPr lang="en-US"/>
+          </a:p>
+        </p:txBody>
+      </p:sp>
+      <p:sp>
+        <p:nvSpPr>
+          <p:cNvPr id="12" name="Rectangle 11"/>
+          <p:cNvSpPr/>
+          <p:nvPr/>
+        </p:nvSpPr>
+        <p:spPr>
+          <a:xfrm>
+            <a:off x="4432673" y="1762514"/>
+            <a:ext cx="184731" cy="523220"/>
+          </a:xfrm>
+          <a:prstGeom prst="rect">
+            <a:avLst/>
+          </a:prstGeom>
+        </p:spPr>
+        <p:txBody>
+          <a:bodyPr wrap="none">
+            <a:spAutoFit/>
+          </a:bodyPr>
+          <a:lstStyle/>
+          <a:p>
+            <a:endParaRPr lang="en-US" sz="2800" dirty="0"/>
           </a:p>
         </p:txBody>
       </p:sp>
@@ -24869,133 +26115,7 @@
   <p:timing>
     <p:tnLst>
       <p:par>
-        <p:cTn id="1" dur="indefinite" restart="never" nodeType="tmRoot">
-          <p:childTnLst>
-            <p:seq concurrent="1" nextAc="seek">
-              <p:cTn id="2" dur="indefinite" nodeType="mainSeq">
-                <p:childTnLst>
-                  <p:par>
-                    <p:cTn id="3" fill="hold">
-                      <p:stCondLst>
-                        <p:cond delay="indefinite"/>
-                      </p:stCondLst>
-                      <p:childTnLst>
-                        <p:par>
-                          <p:cTn id="4" fill="hold">
-                            <p:stCondLst>
-                              <p:cond delay="0"/>
-                            </p:stCondLst>
-                            <p:childTnLst>
-                              <p:par>
-                                <p:cTn id="5" presetID="2" presetClass="entr" presetSubtype="4" fill="hold" nodeType="clickEffect">
-                                  <p:stCondLst>
-                                    <p:cond delay="0"/>
-                                  </p:stCondLst>
-                                  <p:childTnLst>
-                                    <p:set>
-                                      <p:cBhvr>
-                                        <p:cTn id="6" dur="1" fill="hold">
-                                          <p:stCondLst>
-                                            <p:cond delay="0"/>
-                                          </p:stCondLst>
-                                        </p:cTn>
-                                        <p:tgtEl>
-                                          <p:spTgt spid="3">
-                                            <p:txEl>
-                                              <p:pRg st="8" end="8"/>
-                                            </p:txEl>
-                                          </p:spTgt>
-                                        </p:tgtEl>
-                                        <p:attrNameLst>
-                                          <p:attrName>style.visibility</p:attrName>
-                                        </p:attrNameLst>
-                                      </p:cBhvr>
-                                      <p:to>
-                                        <p:strVal val="visible"/>
-                                      </p:to>
-                                    </p:set>
-                                    <p:anim calcmode="lin" valueType="num">
-                                      <p:cBhvr additive="base">
-                                        <p:cTn id="7" dur="500" fill="hold"/>
-                                        <p:tgtEl>
-                                          <p:spTgt spid="3">
-                                            <p:txEl>
-                                              <p:pRg st="8" end="8"/>
-                                            </p:txEl>
-                                          </p:spTgt>
-                                        </p:tgtEl>
-                                        <p:attrNameLst>
-                                          <p:attrName>ppt_x</p:attrName>
-                                        </p:attrNameLst>
-                                      </p:cBhvr>
-                                      <p:tavLst>
-                                        <p:tav tm="0">
-                                          <p:val>
-                                            <p:strVal val="#ppt_x"/>
-                                          </p:val>
-                                        </p:tav>
-                                        <p:tav tm="100000">
-                                          <p:val>
-                                            <p:strVal val="#ppt_x"/>
-                                          </p:val>
-                                        </p:tav>
-                                      </p:tavLst>
-                                    </p:anim>
-                                    <p:anim calcmode="lin" valueType="num">
-                                      <p:cBhvr additive="base">
-                                        <p:cTn id="8" dur="500" fill="hold"/>
-                                        <p:tgtEl>
-                                          <p:spTgt spid="3">
-                                            <p:txEl>
-                                              <p:pRg st="8" end="8"/>
-                                            </p:txEl>
-                                          </p:spTgt>
-                                        </p:tgtEl>
-                                        <p:attrNameLst>
-                                          <p:attrName>ppt_y</p:attrName>
-                                        </p:attrNameLst>
-                                      </p:cBhvr>
-                                      <p:tavLst>
-                                        <p:tav tm="0">
-                                          <p:val>
-                                            <p:strVal val="1+#ppt_h/2"/>
-                                          </p:val>
-                                        </p:tav>
-                                        <p:tav tm="100000">
-                                          <p:val>
-                                            <p:strVal val="#ppt_y"/>
-                                          </p:val>
-                                        </p:tav>
-                                      </p:tavLst>
-                                    </p:anim>
-                                  </p:childTnLst>
-                                </p:cTn>
-                              </p:par>
-                            </p:childTnLst>
-                          </p:cTn>
-                        </p:par>
-                      </p:childTnLst>
-                    </p:cTn>
-                  </p:par>
-                </p:childTnLst>
-              </p:cTn>
-              <p:prevCondLst>
-                <p:cond evt="onPrev" delay="0">
-                  <p:tgtEl>
-                    <p:sldTgt/>
-                  </p:tgtEl>
-                </p:cond>
-              </p:prevCondLst>
-              <p:nextCondLst>
-                <p:cond evt="onNext" delay="0">
-                  <p:tgtEl>
-                    <p:sldTgt/>
-                  </p:tgtEl>
-                </p:cond>
-              </p:nextCondLst>
-            </p:seq>
-          </p:childTnLst>
-        </p:cTn>
+        <p:cTn id="1" dur="indefinite" restart="never" nodeType="tmRoot"/>
       </p:par>
     </p:tnLst>
   </p:timing>
@@ -27590,8 +28710,8 @@
           <a:chExt cx="0" cy="0"/>
         </a:xfrm>
       </p:grpSpPr>
-      <mc:AlternateContent xmlns:mc="http://schemas.openxmlformats.org/markup-compatibility/2006">
-        <mc:Choice xmlns:a14="http://schemas.microsoft.com/office/drawing/2010/main" Requires="a14">
+      <mc:AlternateContent xmlns:mc="http://schemas.openxmlformats.org/markup-compatibility/2006" xmlns:a14="http://schemas.microsoft.com/office/drawing/2010/main">
+        <mc:Choice Requires="a14">
           <p:sp>
             <p:nvSpPr>
               <p:cNvPr id="3" name="Content Placeholder 2"/>
@@ -27986,7 +29106,6 @@
                   <a:rPr lang="en-US" sz="2400" dirty="0" smtClean="0"/>
                   <a:t>.</a:t>
                 </a:r>
-                <a:endParaRPr lang="en-US" sz="2400" dirty="0" smtClean="0"/>
               </a:p>
               <a:p>
                 <a:pPr>
@@ -28276,7 +29395,7 @@
             </p:txBody>
           </p:sp>
         </mc:Choice>
-        <mc:Fallback>
+        <mc:Fallback xmlns="">
           <p:sp>
             <p:nvSpPr>
               <p:cNvPr id="3" name="Content Placeholder 2"/>
@@ -28524,8 +29643,8 @@
           <a:chExt cx="0" cy="0"/>
         </a:xfrm>
       </p:grpSpPr>
-      <mc:AlternateContent xmlns:mc="http://schemas.openxmlformats.org/markup-compatibility/2006">
-        <mc:Choice xmlns:a14="http://schemas.microsoft.com/office/drawing/2010/main" Requires="a14">
+      <mc:AlternateContent xmlns:mc="http://schemas.openxmlformats.org/markup-compatibility/2006" xmlns:a14="http://schemas.microsoft.com/office/drawing/2010/main">
+        <mc:Choice Requires="a14">
           <p:sp>
             <p:nvSpPr>
               <p:cNvPr id="3" name="Content Placeholder 2"/>
@@ -28781,11 +29900,7 @@
                 </a14:m>
                 <a:r>
                   <a:rPr lang="en-US" sz="2000" i="1" dirty="0" smtClean="0"/>
-                  <a:t>x </a:t>
-                </a:r>
-                <a:r>
-                  <a:rPr lang="en-US" sz="2000" i="1" dirty="0" smtClean="0"/>
-                  <a:t>)</a:t>
+                  <a:t>x )</a:t>
                 </a:r>
               </a:p>
               <a:p>
@@ -29149,7 +30264,7 @@
             </p:txBody>
           </p:sp>
         </mc:Choice>
-        <mc:Fallback>
+        <mc:Fallback xmlns="">
           <p:sp>
             <p:nvSpPr>
               <p:cNvPr id="3" name="Content Placeholder 2"/>
